--- a/presentation/biggish_data.pptx
+++ b/presentation/biggish_data.pptx
@@ -38,6 +38,7 @@
     <p:sldId id="286" r:id="rId32"/>
     <p:sldId id="287" r:id="rId33"/>
     <p:sldId id="288" r:id="rId34"/>
+    <p:sldId id="289" r:id="rId35"/>
   </p:sldIdLst>
   <p:sldSz cx="9144000" cy="5143500" type="screen16x9"/>
   <p:notesSz cx="6858000" cy="9144000"/>
@@ -3250,7 +3251,7 @@
               <a:rPr>
                 <a:latin typeface="Courier"/>
               </a:rPr>
-              <a:t>data.table::fwrite</a:t>
+              <a:t>arrow::write_csv_arrow</a:t>
             </a:r>
           </a:p>
         </p:txBody>
@@ -3299,7 +3300,7 @@
                 </a:solidFill>
                 <a:latin typeface="Courier"/>
               </a:rPr>
-              <a:t>fwrite</a:t>
+              <a:t>write_csv_arrow</a:t>
             </a:r>
             <a:r>
               <a:rPr>
@@ -3313,6 +3314,24 @@
             <a:r>
               <a:rPr>
                 <a:solidFill>
+                  <a:srgbClr val="657422"/>
+                </a:solidFill>
+                <a:latin typeface="Courier"/>
+              </a:rPr>
+              <a:t>file =</a:t>
+            </a:r>
+            <a:r>
+              <a:rPr>
+                <a:solidFill>
+                  <a:srgbClr val="003B4F"/>
+                </a:solidFill>
+                <a:latin typeface="Courier"/>
+              </a:rPr>
+              <a:t> </a:t>
+            </a:r>
+            <a:r>
+              <a:rPr>
+                <a:solidFill>
                   <a:srgbClr val="20794D"/>
                 </a:solidFill>
                 <a:latin typeface="Courier"/>
@@ -3356,20 +3375,7 @@
               <a:rPr>
                 <a:latin typeface="Courier"/>
               </a:rPr>
-              <a:t>32.45 sec elapsed</a:t>
-            </a:r>
-          </a:p>
-          <a:p>
-            <a:pPr lvl="0" indent="0">
-              <a:buNone/>
-            </a:pPr>
-            <a:r>
-              <a:rPr>
-                <a:latin typeface="Courier"/>
-              </a:rPr>
-              <a:t>            used   (Mb) gc trigger   (Mb)  max used   (Mb)
-Ncells    990362   52.9    6562936  350.5  12818232  684.6
-Vcells 549283794 4190.8  847513970 6466.1 834819667 6369.2</a:t>
+              <a:t>0.5 sec elapsed</a:t>
             </a:r>
           </a:p>
         </p:txBody>
@@ -3422,7 +3428,7 @@
               <a:rPr>
                 <a:latin typeface="Courier"/>
               </a:rPr>
-              <a:t>arrow::write_csv_arrow</a:t>
+              <a:t>base::save</a:t>
             </a:r>
           </a:p>
         </p:txBody>
@@ -3471,7 +3477,7 @@
                 </a:solidFill>
                 <a:latin typeface="Courier"/>
               </a:rPr>
-              <a:t>write_csv_arrow</a:t>
+              <a:t>save</a:t>
             </a:r>
             <a:r>
               <a:rPr>
@@ -3507,7 +3513,7 @@
                 </a:solidFill>
                 <a:latin typeface="Courier"/>
               </a:rPr>
-              <a:t>"../data/nla_big.csv"</a:t>
+              <a:t>"../data/nla_big.rda"</a:t>
             </a:r>
             <a:r>
               <a:rPr>
@@ -3546,20 +3552,7 @@
               <a:rPr>
                 <a:latin typeface="Courier"/>
               </a:rPr>
-              <a:t>53.05 sec elapsed</a:t>
-            </a:r>
-          </a:p>
-          <a:p>
-            <a:pPr lvl="0" indent="0">
-              <a:buNone/>
-            </a:pPr>
-            <a:r>
-              <a:rPr>
-                <a:latin typeface="Courier"/>
-              </a:rPr>
-              <a:t>            used   (Mb) gc trigger   (Mb)  max used   (Mb)
-Ncells   1049075   56.1    5250349  280.4  12818232  684.6
-Vcells 549387799 4191.5  847513970 6466.1 834819667 6369.2</a:t>
+              <a:t>3.35 sec elapsed</a:t>
             </a:r>
           </a:p>
         </p:txBody>
@@ -3612,7 +3605,7 @@
               <a:rPr>
                 <a:latin typeface="Courier"/>
               </a:rPr>
-              <a:t>base::save</a:t>
+              <a:t>arrow::write_feather</a:t>
             </a:r>
           </a:p>
         </p:txBody>
@@ -3661,7 +3654,7 @@
                 </a:solidFill>
                 <a:latin typeface="Courier"/>
               </a:rPr>
-              <a:t>save</a:t>
+              <a:t>write_feather</a:t>
             </a:r>
             <a:r>
               <a:rPr>
@@ -3679,7 +3672,7 @@
                 </a:solidFill>
                 <a:latin typeface="Courier"/>
               </a:rPr>
-              <a:t>file =</a:t>
+              <a:t>sink =</a:t>
             </a:r>
             <a:r>
               <a:rPr>
@@ -3697,7 +3690,53 @@
                 </a:solidFill>
                 <a:latin typeface="Courier"/>
               </a:rPr>
-              <a:t>"../data/nla_big.rda"</a:t>
+              <a:t>"../data/nla_big.feather"</a:t>
+            </a:r>
+            <a:r>
+              <a:rPr>
+                <a:solidFill>
+                  <a:srgbClr val="003B4F"/>
+                </a:solidFill>
+                <a:latin typeface="Courier"/>
+              </a:rPr>
+              <a:t>, </a:t>
+            </a:r>
+            <a:br/>
+            <a:r>
+              <a:rPr>
+                <a:solidFill>
+                  <a:srgbClr val="003B4F"/>
+                </a:solidFill>
+                <a:latin typeface="Courier"/>
+              </a:rPr>
+              <a:t>              </a:t>
+            </a:r>
+            <a:r>
+              <a:rPr>
+                <a:solidFill>
+                  <a:srgbClr val="657422"/>
+                </a:solidFill>
+                <a:latin typeface="Courier"/>
+              </a:rPr>
+              <a:t>compression =</a:t>
+            </a:r>
+            <a:r>
+              <a:rPr>
+                <a:solidFill>
+                  <a:srgbClr val="003B4F"/>
+                </a:solidFill>
+                <a:latin typeface="Courier"/>
+              </a:rPr>
+              <a:t> </a:t>
+            </a:r>
+            <a:r>
+              <a:rPr>
+                <a:solidFill>
+                  <a:srgbClr val="20794D"/>
+                </a:solidFill>
+                <a:latin typeface="Courier"/>
+              </a:rPr>
+              <a:t>"zstd"</a:t>
             </a:r>
             <a:r>
               <a:rPr>
@@ -3736,20 +3775,7 @@
               <a:rPr>
                 <a:latin typeface="Courier"/>
               </a:rPr>
-              <a:t>256.56 sec elapsed</a:t>
-            </a:r>
-          </a:p>
-          <a:p>
-            <a:pPr lvl="0" indent="0">
-              <a:buNone/>
-            </a:pPr>
-            <a:r>
-              <a:rPr>
-                <a:latin typeface="Courier"/>
-              </a:rPr>
-              <a:t>            used   (Mb) gc trigger   (Mb)  max used   (Mb)
-Ncells   1049063   56.1    4200280  224.4  12818232  684.6
-Vcells 549387902 4191.5  847513970 6466.1 834819667 6369.2</a:t>
+              <a:t>0.2 sec elapsed</a:t>
             </a:r>
           </a:p>
         </p:txBody>
@@ -3802,7 +3828,7 @@
               <a:rPr>
                 <a:latin typeface="Courier"/>
               </a:rPr>
-              <a:t>arrow::write_feather</a:t>
+              <a:t>arrow::write_parquet</a:t>
             </a:r>
           </a:p>
         </p:txBody>
@@ -3851,7 +3877,7 @@
                 </a:solidFill>
                 <a:latin typeface="Courier"/>
               </a:rPr>
-              <a:t>write_feather</a:t>
+              <a:t>write_parquet</a:t>
             </a:r>
             <a:r>
               <a:rPr>
@@ -3887,7 +3913,7 @@
                 </a:solidFill>
                 <a:latin typeface="Courier"/>
               </a:rPr>
-              <a:t>"../data/nla_big.feather"</a:t>
+              <a:t>"../data/nla_big.parquet"</a:t>
             </a:r>
             <a:r>
               <a:rPr>
@@ -3972,20 +3998,7 @@
               <a:rPr>
                 <a:latin typeface="Courier"/>
               </a:rPr>
-              <a:t>21.79 sec elapsed</a:t>
-            </a:r>
-          </a:p>
-          <a:p>
-            <a:pPr lvl="0" indent="0">
-              <a:buNone/>
-            </a:pPr>
-            <a:r>
-              <a:rPr>
-                <a:latin typeface="Courier"/>
-              </a:rPr>
-              <a:t>            used   (Mb) gc trigger   (Mb)  max used   (Mb)
-Ncells   1058374   56.6    3360224  179.5  12818232  684.6
-Vcells 549404905 4191.7  847513970 6466.1 834819667 6369.2</a:t>
+              <a:t>0.5 sec elapsed</a:t>
             </a:r>
           </a:p>
         </p:txBody>
@@ -4038,7 +4051,11 @@
               <a:rPr>
                 <a:latin typeface="Courier"/>
               </a:rPr>
-              <a:t>arrow::write_parquet</a:t>
+              <a:t>arrow::write_dataset</a:t>
+            </a:r>
+            <a:r>
+              <a:rPr/>
+              <a:t> multiple file format</a:t>
             </a:r>
           </a:p>
         </p:txBody>
@@ -4083,20 +4100,94 @@
             <a:r>
               <a:rPr>
                 <a:solidFill>
-                  <a:srgbClr val="4758AB"/>
-                </a:solidFill>
-                <a:latin typeface="Courier"/>
-              </a:rPr>
-              <a:t>write_parquet</a:t>
-            </a:r>
-            <a:r>
-              <a:rPr>
-                <a:solidFill>
-                  <a:srgbClr val="003B4F"/>
-                </a:solidFill>
-                <a:latin typeface="Courier"/>
-              </a:rPr>
-              <a:t>(nla_big, </a:t>
+                  <a:srgbClr val="003B4F"/>
+                </a:solidFill>
+                <a:latin typeface="Courier"/>
+              </a:rPr>
+              <a:t>nla_big </a:t>
+            </a:r>
+            <a:r>
+              <a:rPr>
+                <a:solidFill>
+                  <a:srgbClr val="5E5E5E"/>
+                </a:solidFill>
+                <a:latin typeface="Courier"/>
+              </a:rPr>
+              <a:t>|&gt;</a:t>
+            </a:r>
+            <a:r>
+              <a:rPr>
+                <a:solidFill>
+                  <a:srgbClr val="003B4F"/>
+                </a:solidFill>
+                <a:latin typeface="Courier"/>
+              </a:rPr>
+              <a:t> </a:t>
+            </a:r>
+            <a:br/>
+            <a:r>
+              <a:rPr>
+                <a:solidFill>
+                  <a:srgbClr val="003B4F"/>
+                </a:solidFill>
+                <a:latin typeface="Courier"/>
+              </a:rPr>
+              <a:t>  </a:t>
+            </a:r>
+            <a:r>
+              <a:rPr>
+                <a:solidFill>
+                  <a:srgbClr val="4758AB"/>
+                </a:solidFill>
+                <a:latin typeface="Courier"/>
+              </a:rPr>
+              <a:t>group_by</a:t>
+            </a:r>
+            <a:r>
+              <a:rPr>
+                <a:solidFill>
+                  <a:srgbClr val="003B4F"/>
+                </a:solidFill>
+                <a:latin typeface="Courier"/>
+              </a:rPr>
+              <a:t>(state) </a:t>
+            </a:r>
+            <a:r>
+              <a:rPr>
+                <a:solidFill>
+                  <a:srgbClr val="5E5E5E"/>
+                </a:solidFill>
+                <a:latin typeface="Courier"/>
+              </a:rPr>
+              <a:t>|&gt;</a:t>
+            </a:r>
+            <a:br/>
+            <a:r>
+              <a:rPr>
+                <a:solidFill>
+                  <a:srgbClr val="003B4F"/>
+                </a:solidFill>
+                <a:latin typeface="Courier"/>
+              </a:rPr>
+              <a:t>  </a:t>
+            </a:r>
+            <a:r>
+              <a:rPr>
+                <a:solidFill>
+                  <a:srgbClr val="4758AB"/>
+                </a:solidFill>
+                <a:latin typeface="Courier"/>
+              </a:rPr>
+              <a:t>write_dataset</a:t>
+            </a:r>
+            <a:r>
+              <a:rPr>
+                <a:solidFill>
+                  <a:srgbClr val="003B4F"/>
+                </a:solidFill>
+                <a:latin typeface="Courier"/>
+              </a:rPr>
+              <a:t>(</a:t>
             </a:r>
             <a:r>
               <a:rPr>
@@ -4105,7 +4196,7 @@
                 </a:solidFill>
                 <a:latin typeface="Courier"/>
               </a:rPr>
-              <a:t>sink =</a:t>
+              <a:t>path =</a:t>
             </a:r>
             <a:r>
               <a:rPr>
@@ -4123,7 +4214,7 @@
                 </a:solidFill>
                 <a:latin typeface="Courier"/>
               </a:rPr>
-              <a:t>"../data/nla_big.parquet"</a:t>
+              <a:t>"../data/nla_big"</a:t>
             </a:r>
             <a:r>
               <a:rPr>
@@ -4134,56 +4225,46 @@
               </a:rPr>
               <a:t>, </a:t>
             </a:r>
+            <a:r>
+              <a:rPr>
+                <a:solidFill>
+                  <a:srgbClr val="657422"/>
+                </a:solidFill>
+                <a:latin typeface="Courier"/>
+              </a:rPr>
+              <a:t>compression =</a:t>
+            </a:r>
+            <a:r>
+              <a:rPr>
+                <a:solidFill>
+                  <a:srgbClr val="003B4F"/>
+                </a:solidFill>
+                <a:latin typeface="Courier"/>
+              </a:rPr>
+              <a:t> </a:t>
+            </a:r>
+            <a:r>
+              <a:rPr>
+                <a:solidFill>
+                  <a:srgbClr val="20794D"/>
+                </a:solidFill>
+                <a:latin typeface="Courier"/>
+              </a:rPr>
+              <a:t>"zstd"</a:t>
+            </a:r>
+            <a:r>
+              <a:rPr>
+                <a:solidFill>
+                  <a:srgbClr val="003B4F"/>
+                </a:solidFill>
+                <a:latin typeface="Courier"/>
+              </a:rPr>
+              <a:t>)</a:t>
+            </a:r>
             <a:br/>
             <a:r>
               <a:rPr>
                 <a:solidFill>
-                  <a:srgbClr val="003B4F"/>
-                </a:solidFill>
-                <a:latin typeface="Courier"/>
-              </a:rPr>
-              <a:t>              </a:t>
-            </a:r>
-            <a:r>
-              <a:rPr>
-                <a:solidFill>
-                  <a:srgbClr val="657422"/>
-                </a:solidFill>
-                <a:latin typeface="Courier"/>
-              </a:rPr>
-              <a:t>compression =</a:t>
-            </a:r>
-            <a:r>
-              <a:rPr>
-                <a:solidFill>
-                  <a:srgbClr val="003B4F"/>
-                </a:solidFill>
-                <a:latin typeface="Courier"/>
-              </a:rPr>
-              <a:t> </a:t>
-            </a:r>
-            <a:r>
-              <a:rPr>
-                <a:solidFill>
-                  <a:srgbClr val="20794D"/>
-                </a:solidFill>
-                <a:latin typeface="Courier"/>
-              </a:rPr>
-              <a:t>"zstd"</a:t>
-            </a:r>
-            <a:r>
-              <a:rPr>
-                <a:solidFill>
-                  <a:srgbClr val="003B4F"/>
-                </a:solidFill>
-                <a:latin typeface="Courier"/>
-              </a:rPr>
-              <a:t>)</a:t>
-            </a:r>
-            <a:br/>
-            <a:r>
-              <a:rPr>
-                <a:solidFill>
                   <a:srgbClr val="4758AB"/>
                 </a:solidFill>
                 <a:latin typeface="Courier"/>
@@ -4208,20 +4289,7 @@
               <a:rPr>
                 <a:latin typeface="Courier"/>
               </a:rPr>
-              <a:t>49.14 sec elapsed</a:t>
-            </a:r>
-          </a:p>
-          <a:p>
-            <a:pPr lvl="0" indent="0">
-              <a:buNone/>
-            </a:pPr>
-            <a:r>
-              <a:rPr>
-                <a:latin typeface="Courier"/>
-              </a:rPr>
-              <a:t>            used   (Mb) gc trigger   (Mb)  max used   (Mb)
-Ncells   1101035   58.9    3360224  179.5  12818232  684.6
-Vcells 549480699 4192.3  847513970 6466.1 834819667 6369.2</a:t>
+              <a:t>0.75 sec elapsed</a:t>
             </a:r>
           </a:p>
         </p:txBody>
@@ -4232,310 +4300,6 @@
 </file>
 
 <file path=ppt/slides/slide15.xml><?xml version="1.0" encoding="utf-8"?>
-<p:sld xmlns:a="http://schemas.openxmlformats.org/drawingml/2006/main" xmlns:r="http://schemas.openxmlformats.org/officeDocument/2006/relationships" xmlns:p="http://schemas.openxmlformats.org/presentationml/2006/main">
-  <p:cSld>
-    <p:spTree>
-      <p:nvGrpSpPr>
-        <p:cNvPr id="1" name=""/>
-        <p:cNvGrpSpPr/>
-        <p:nvPr/>
-      </p:nvGrpSpPr>
-      <p:grpSpPr>
-        <a:xfrm>
-          <a:off x="0" y="0"/>
-          <a:ext cx="0" cy="0"/>
-          <a:chOff x="0" y="0"/>
-          <a:chExt cx="0" cy="0"/>
-        </a:xfrm>
-      </p:grpSpPr>
-      <p:sp>
-        <p:nvSpPr>
-          <p:cNvPr id="2" name="Title 1"/>
-          <p:cNvSpPr>
-            <a:spLocks noGrp="1"/>
-          </p:cNvSpPr>
-          <p:nvPr>
-            <p:ph type="title"/>
-          </p:nvPr>
-        </p:nvSpPr>
-        <p:spPr/>
-        <p:txBody>
-          <a:bodyPr/>
-          <a:lstStyle/>
-          <a:p>
-            <a:pPr lvl="0" indent="0" marL="0">
-              <a:buNone/>
-            </a:pPr>
-            <a:r>
-              <a:rPr/>
-              <a:t>Writing data - </a:t>
-            </a:r>
-            <a:r>
-              <a:rPr>
-                <a:latin typeface="Courier"/>
-              </a:rPr>
-              <a:t>arrow::write_dataset</a:t>
-            </a:r>
-            <a:r>
-              <a:rPr/>
-              <a:t> multiple file format</a:t>
-            </a:r>
-          </a:p>
-        </p:txBody>
-      </p:sp>
-      <p:sp>
-        <p:nvSpPr>
-          <p:cNvPr id="3" name="Content Placeholder 2"/>
-          <p:cNvSpPr>
-            <a:spLocks noGrp="1"/>
-          </p:cNvSpPr>
-          <p:nvPr>
-            <p:ph idx="1"/>
-          </p:nvPr>
-        </p:nvSpPr>
-        <p:spPr/>
-        <p:txBody>
-          <a:bodyPr/>
-          <a:lstStyle/>
-          <a:p>
-            <a:pPr lvl="0" indent="0">
-              <a:buNone/>
-            </a:pPr>
-            <a:r>
-              <a:rPr>
-                <a:solidFill>
-                  <a:srgbClr val="4758AB"/>
-                </a:solidFill>
-                <a:latin typeface="Courier"/>
-              </a:rPr>
-              <a:t>tic</a:t>
-            </a:r>
-            <a:r>
-              <a:rPr>
-                <a:solidFill>
-                  <a:srgbClr val="003B4F"/>
-                </a:solidFill>
-                <a:latin typeface="Courier"/>
-              </a:rPr>
-              <a:t>()</a:t>
-            </a:r>
-            <a:br/>
-            <a:r>
-              <a:rPr>
-                <a:solidFill>
-                  <a:srgbClr val="003B4F"/>
-                </a:solidFill>
-                <a:latin typeface="Courier"/>
-              </a:rPr>
-              <a:t>nla_big </a:t>
-            </a:r>
-            <a:r>
-              <a:rPr>
-                <a:solidFill>
-                  <a:srgbClr val="5E5E5E"/>
-                </a:solidFill>
-                <a:latin typeface="Courier"/>
-              </a:rPr>
-              <a:t>|&gt;</a:t>
-            </a:r>
-            <a:r>
-              <a:rPr>
-                <a:solidFill>
-                  <a:srgbClr val="003B4F"/>
-                </a:solidFill>
-                <a:latin typeface="Courier"/>
-              </a:rPr>
-              <a:t> </a:t>
-            </a:r>
-            <a:br/>
-            <a:r>
-              <a:rPr>
-                <a:solidFill>
-                  <a:srgbClr val="003B4F"/>
-                </a:solidFill>
-                <a:latin typeface="Courier"/>
-              </a:rPr>
-              <a:t>  </a:t>
-            </a:r>
-            <a:r>
-              <a:rPr>
-                <a:solidFill>
-                  <a:srgbClr val="4758AB"/>
-                </a:solidFill>
-                <a:latin typeface="Courier"/>
-              </a:rPr>
-              <a:t>group_by</a:t>
-            </a:r>
-            <a:r>
-              <a:rPr>
-                <a:solidFill>
-                  <a:srgbClr val="003B4F"/>
-                </a:solidFill>
-                <a:latin typeface="Courier"/>
-              </a:rPr>
-              <a:t>(state) </a:t>
-            </a:r>
-            <a:r>
-              <a:rPr>
-                <a:solidFill>
-                  <a:srgbClr val="5E5E5E"/>
-                </a:solidFill>
-                <a:latin typeface="Courier"/>
-              </a:rPr>
-              <a:t>|&gt;</a:t>
-            </a:r>
-            <a:br/>
-            <a:r>
-              <a:rPr>
-                <a:solidFill>
-                  <a:srgbClr val="003B4F"/>
-                </a:solidFill>
-                <a:latin typeface="Courier"/>
-              </a:rPr>
-              <a:t>  </a:t>
-            </a:r>
-            <a:r>
-              <a:rPr>
-                <a:solidFill>
-                  <a:srgbClr val="4758AB"/>
-                </a:solidFill>
-                <a:latin typeface="Courier"/>
-              </a:rPr>
-              <a:t>write_dataset</a:t>
-            </a:r>
-            <a:r>
-              <a:rPr>
-                <a:solidFill>
-                  <a:srgbClr val="003B4F"/>
-                </a:solidFill>
-                <a:latin typeface="Courier"/>
-              </a:rPr>
-              <a:t>(</a:t>
-            </a:r>
-            <a:r>
-              <a:rPr>
-                <a:solidFill>
-                  <a:srgbClr val="657422"/>
-                </a:solidFill>
-                <a:latin typeface="Courier"/>
-              </a:rPr>
-              <a:t>path =</a:t>
-            </a:r>
-            <a:r>
-              <a:rPr>
-                <a:solidFill>
-                  <a:srgbClr val="003B4F"/>
-                </a:solidFill>
-                <a:latin typeface="Courier"/>
-              </a:rPr>
-              <a:t> </a:t>
-            </a:r>
-            <a:r>
-              <a:rPr>
-                <a:solidFill>
-                  <a:srgbClr val="20794D"/>
-                </a:solidFill>
-                <a:latin typeface="Courier"/>
-              </a:rPr>
-              <a:t>"../data/nla_big"</a:t>
-            </a:r>
-            <a:r>
-              <a:rPr>
-                <a:solidFill>
-                  <a:srgbClr val="003B4F"/>
-                </a:solidFill>
-                <a:latin typeface="Courier"/>
-              </a:rPr>
-              <a:t>, </a:t>
-            </a:r>
-            <a:r>
-              <a:rPr>
-                <a:solidFill>
-                  <a:srgbClr val="657422"/>
-                </a:solidFill>
-                <a:latin typeface="Courier"/>
-              </a:rPr>
-              <a:t>compression =</a:t>
-            </a:r>
-            <a:r>
-              <a:rPr>
-                <a:solidFill>
-                  <a:srgbClr val="003B4F"/>
-                </a:solidFill>
-                <a:latin typeface="Courier"/>
-              </a:rPr>
-              <a:t> </a:t>
-            </a:r>
-            <a:r>
-              <a:rPr>
-                <a:solidFill>
-                  <a:srgbClr val="20794D"/>
-                </a:solidFill>
-                <a:latin typeface="Courier"/>
-              </a:rPr>
-              <a:t>"zstd"</a:t>
-            </a:r>
-            <a:r>
-              <a:rPr>
-                <a:solidFill>
-                  <a:srgbClr val="003B4F"/>
-                </a:solidFill>
-                <a:latin typeface="Courier"/>
-              </a:rPr>
-              <a:t>)</a:t>
-            </a:r>
-            <a:br/>
-            <a:r>
-              <a:rPr>
-                <a:solidFill>
-                  <a:srgbClr val="4758AB"/>
-                </a:solidFill>
-                <a:latin typeface="Courier"/>
-              </a:rPr>
-              <a:t>toc</a:t>
-            </a:r>
-            <a:r>
-              <a:rPr>
-                <a:solidFill>
-                  <a:srgbClr val="003B4F"/>
-                </a:solidFill>
-                <a:latin typeface="Courier"/>
-              </a:rPr>
-              <a:t>()</a:t>
-            </a:r>
-          </a:p>
-          <a:p>
-            <a:pPr lvl="0" indent="0">
-              <a:buNone/>
-            </a:pPr>
-            <a:r>
-              <a:rPr>
-                <a:latin typeface="Courier"/>
-              </a:rPr>
-              <a:t>63.84 sec elapsed</a:t>
-            </a:r>
-          </a:p>
-          <a:p>
-            <a:pPr lvl="0" indent="0">
-              <a:buNone/>
-            </a:pPr>
-            <a:r>
-              <a:rPr>
-                <a:latin typeface="Courier"/>
-              </a:rPr>
-              <a:t>            used   (Mb) gc trigger   (Mb)  max used   (Mb)
-Ncells   1218052   65.1    3360224  179.5  12818232  684.6
-Vcells 549689896 4193.9  847513970 6466.1 834819667 6369.2</a:t>
-            </a:r>
-          </a:p>
-        </p:txBody>
-      </p:sp>
-    </p:spTree>
-  </p:cSld>
-</p:sld>
-</file>
-
-<file path=ppt/slides/slide16.xml><?xml version="1.0" encoding="utf-8"?>
 <p:sld xmlns:a="http://schemas.openxmlformats.org/drawingml/2006/main" xmlns:r="http://schemas.openxmlformats.org/officeDocument/2006/relationships" xmlns:p="http://schemas.openxmlformats.org/presentationml/2006/main">
   <p:cSld>
     <p:spTree>
@@ -4661,7 +4425,7 @@
                       </a:pPr>
                       <a:r>
                         <a:rPr/>
-                        <a:t>1299.7 [s]</a:t>
+                        <a:t>10.6 [s]</a:t>
                       </a:r>
                     </a:p>
                   </a:txBody>
@@ -4693,7 +4457,7 @@
                       </a:pPr>
                       <a:r>
                         <a:rPr/>
-                        <a:t>256.6 [s]</a:t>
+                        <a:t>3.4 [s]</a:t>
                       </a:r>
                     </a:p>
                   </a:txBody>
@@ -4725,7 +4489,7 @@
                       </a:pPr>
                       <a:r>
                         <a:rPr/>
-                        <a:t>63.8 [s]</a:t>
+                        <a:t>0.8 [s]</a:t>
                       </a:r>
                     </a:p>
                   </a:txBody>
@@ -4757,7 +4521,7 @@
                       </a:pPr>
                       <a:r>
                         <a:rPr/>
-                        <a:t>53.1 [s]</a:t>
+                        <a:t>0.5 [s]</a:t>
                       </a:r>
                     </a:p>
                   </a:txBody>
@@ -4789,7 +4553,71 @@
                       </a:pPr>
                       <a:r>
                         <a:rPr/>
-                        <a:t>49.1 [s]</a:t>
+                        <a:t>0.5 [s]</a:t>
+                      </a:r>
+                    </a:p>
+                  </a:txBody>
+                </a:tc>
+              </a:tr>
+              <a:tr h="0">
+                <a:tc>
+                  <a:txBody>
+                    <a:bodyPr/>
+                    <a:lstStyle/>
+                    <a:p>
+                      <a:pPr lvl="0" indent="0" marL="0" algn="l">
+                        <a:buNone/>
+                      </a:pPr>
+                      <a:r>
+                        <a:rPr/>
+                        <a:t>write_csv</a:t>
+                      </a:r>
+                    </a:p>
+                  </a:txBody>
+                </a:tc>
+                <a:tc>
+                  <a:txBody>
+                    <a:bodyPr/>
+                    <a:lstStyle/>
+                    <a:p>
+                      <a:pPr lvl="0" indent="0" marL="0" algn="r">
+                        <a:buNone/>
+                      </a:pPr>
+                      <a:r>
+                        <a:rPr/>
+                        <a:t>0.3 [s]</a:t>
+                      </a:r>
+                    </a:p>
+                  </a:txBody>
+                </a:tc>
+              </a:tr>
+              <a:tr h="0">
+                <a:tc>
+                  <a:txBody>
+                    <a:bodyPr/>
+                    <a:lstStyle/>
+                    <a:p>
+                      <a:pPr lvl="0" indent="0" marL="0" algn="l">
+                        <a:buNone/>
+                      </a:pPr>
+                      <a:r>
+                        <a:rPr/>
+                        <a:t>arrow::write_feather</a:t>
+                      </a:r>
+                    </a:p>
+                  </a:txBody>
+                </a:tc>
+                <a:tc>
+                  <a:txBody>
+                    <a:bodyPr/>
+                    <a:lstStyle/>
+                    <a:p>
+                      <a:pPr lvl="0" indent="0" marL="0" algn="r">
+                        <a:buNone/>
+                      </a:pPr>
+                      <a:r>
+                        <a:rPr/>
+                        <a:t>0.2 [s]</a:t>
                       </a:r>
                     </a:p>
                   </a:txBody>
@@ -4821,71 +4649,7 @@
                       </a:pPr>
                       <a:r>
                         <a:rPr/>
-                        <a:t>32.5 [s]</a:t>
-                      </a:r>
-                    </a:p>
-                  </a:txBody>
-                </a:tc>
-              </a:tr>
-              <a:tr h="0">
-                <a:tc>
-                  <a:txBody>
-                    <a:bodyPr/>
-                    <a:lstStyle/>
-                    <a:p>
-                      <a:pPr lvl="0" indent="0" marL="0" algn="l">
-                        <a:buNone/>
-                      </a:pPr>
-                      <a:r>
-                        <a:rPr/>
-                        <a:t>arrow::write_feather</a:t>
-                      </a:r>
-                    </a:p>
-                  </a:txBody>
-                </a:tc>
-                <a:tc>
-                  <a:txBody>
-                    <a:bodyPr/>
-                    <a:lstStyle/>
-                    <a:p>
-                      <a:pPr lvl="0" indent="0" marL="0" algn="r">
-                        <a:buNone/>
-                      </a:pPr>
-                      <a:r>
-                        <a:rPr/>
-                        <a:t>21.8 [s]</a:t>
-                      </a:r>
-                    </a:p>
-                  </a:txBody>
-                </a:tc>
-              </a:tr>
-              <a:tr h="0">
-                <a:tc>
-                  <a:txBody>
-                    <a:bodyPr/>
-                    <a:lstStyle/>
-                    <a:p>
-                      <a:pPr lvl="0" indent="0" marL="0" algn="l">
-                        <a:buNone/>
-                      </a:pPr>
-                      <a:r>
-                        <a:rPr/>
-                        <a:t>write_csv</a:t>
-                      </a:r>
-                    </a:p>
-                  </a:txBody>
-                </a:tc>
-                <a:tc>
-                  <a:txBody>
-                    <a:bodyPr/>
-                    <a:lstStyle/>
-                    <a:p>
-                      <a:pPr lvl="0" indent="0" marL="0" algn="r">
-                        <a:buNone/>
-                      </a:pPr>
-                      <a:r>
-                        <a:rPr/>
-                        <a:t>21.1 [s]</a:t>
+                        <a:t>0.1 [s]</a:t>
                       </a:r>
                     </a:p>
                   </a:txBody>
@@ -4900,7 +4664,7 @@
 </p:sld>
 </file>
 
-<file path=ppt/slides/slide17.xml><?xml version="1.0" encoding="utf-8"?>
+<file path=ppt/slides/slide16.xml><?xml version="1.0" encoding="utf-8"?>
 <p:sld xmlns:a="http://schemas.openxmlformats.org/drawingml/2006/main" xmlns:r="http://schemas.openxmlformats.org/officeDocument/2006/relationships" xmlns:p="http://schemas.openxmlformats.org/presentationml/2006/main">
   <p:cSld>
     <p:spTree>
@@ -5026,7 +4790,7 @@
                       </a:pPr>
                       <a:r>
                         <a:rPr/>
-                        <a:t>4149.2 [megabytes]</a:t>
+                        <a:t>36.2 [megabytes]</a:t>
                       </a:r>
                     </a:p>
                   </a:txBody>
@@ -5058,7 +4822,7 @@
                       </a:pPr>
                       <a:r>
                         <a:rPr/>
-                        <a:t>3868.9 [megabytes]</a:t>
+                        <a:t>33.0 [megabytes]</a:t>
                       </a:r>
                     </a:p>
                   </a:txBody>
@@ -5090,7 +4854,7 @@
                       </a:pPr>
                       <a:r>
                         <a:rPr/>
-                        <a:t>3355.1 [megabytes]</a:t>
+                        <a:t>28.7 [megabytes]</a:t>
                       </a:r>
                     </a:p>
                   </a:txBody>
@@ -5122,7 +4886,7 @@
                       </a:pPr>
                       <a:r>
                         <a:rPr/>
-                        <a:t>3215.9 [megabytes]</a:t>
+                        <a:t>27.6 [megabytes]</a:t>
                       </a:r>
                     </a:p>
                   </a:txBody>
@@ -5154,7 +4918,7 @@
                       </a:pPr>
                       <a:r>
                         <a:rPr/>
-                        <a:t>1078.7 [megabytes]</a:t>
+                        <a:t>12.8 [megabytes]</a:t>
                       </a:r>
                     </a:p>
                   </a:txBody>
@@ -5186,7 +4950,7 @@
                       </a:pPr>
                       <a:r>
                         <a:rPr/>
-                        <a:t>581.9 [megabytes]</a:t>
+                        <a:t>5.9 [megabytes]</a:t>
                       </a:r>
                     </a:p>
                   </a:txBody>
@@ -5218,7 +4982,7 @@
                       </a:pPr>
                       <a:r>
                         <a:rPr/>
-                        <a:t>277.7 [megabytes]</a:t>
+                        <a:t>4.5 [megabytes]</a:t>
                       </a:r>
                     </a:p>
                   </a:txBody>
@@ -5250,7 +5014,7 @@
                       </a:pPr>
                       <a:r>
                         <a:rPr/>
-                        <a:t>14.7 [megabytes]</a:t>
+                        <a:t>2.6 [megabytes]</a:t>
                       </a:r>
                     </a:p>
                   </a:txBody>
@@ -5260,6 +5024,168 @@
           </a:graphicData>
         </a:graphic>
       </p:graphicFrame>
+    </p:spTree>
+  </p:cSld>
+</p:sld>
+</file>
+
+<file path=ppt/slides/slide17.xml><?xml version="1.0" encoding="utf-8"?>
+<p:sld xmlns:a="http://schemas.openxmlformats.org/drawingml/2006/main" xmlns:r="http://schemas.openxmlformats.org/officeDocument/2006/relationships" xmlns:p="http://schemas.openxmlformats.org/presentationml/2006/main">
+  <p:cSld>
+    <p:spTree>
+      <p:nvGrpSpPr>
+        <p:cNvPr id="1" name=""/>
+        <p:cNvGrpSpPr/>
+        <p:nvPr/>
+      </p:nvGrpSpPr>
+      <p:grpSpPr>
+        <a:xfrm>
+          <a:off x="0" y="0"/>
+          <a:ext cx="0" cy="0"/>
+          <a:chOff x="0" y="0"/>
+          <a:chExt cx="0" cy="0"/>
+        </a:xfrm>
+      </p:grpSpPr>
+      <p:sp>
+        <p:nvSpPr>
+          <p:cNvPr id="2" name="Title 1"/>
+          <p:cNvSpPr>
+            <a:spLocks noGrp="1"/>
+          </p:cNvSpPr>
+          <p:nvPr>
+            <p:ph type="title"/>
+          </p:nvPr>
+        </p:nvSpPr>
+        <p:spPr/>
+        <p:txBody>
+          <a:bodyPr/>
+          <a:lstStyle/>
+          <a:p>
+            <a:pPr lvl="0" indent="0" marL="0">
+              <a:buNone/>
+            </a:pPr>
+            <a:r>
+              <a:rPr/>
+              <a:t>Reading data - utils::read.csv</a:t>
+            </a:r>
+          </a:p>
+        </p:txBody>
+      </p:sp>
+      <p:sp>
+        <p:nvSpPr>
+          <p:cNvPr id="3" name="Content Placeholder 2"/>
+          <p:cNvSpPr>
+            <a:spLocks noGrp="1"/>
+          </p:cNvSpPr>
+          <p:nvPr>
+            <p:ph idx="1"/>
+          </p:nvPr>
+        </p:nvSpPr>
+        <p:spPr/>
+        <p:txBody>
+          <a:bodyPr/>
+          <a:lstStyle/>
+          <a:p>
+            <a:pPr lvl="0" indent="0">
+              <a:buNone/>
+            </a:pPr>
+            <a:r>
+              <a:rPr>
+                <a:solidFill>
+                  <a:srgbClr val="4758AB"/>
+                </a:solidFill>
+                <a:latin typeface="Courier"/>
+              </a:rPr>
+              <a:t>tic</a:t>
+            </a:r>
+            <a:r>
+              <a:rPr>
+                <a:solidFill>
+                  <a:srgbClr val="003B4F"/>
+                </a:solidFill>
+                <a:latin typeface="Courier"/>
+              </a:rPr>
+              <a:t>()</a:t>
+            </a:r>
+            <a:br/>
+            <a:r>
+              <a:rPr>
+                <a:solidFill>
+                  <a:srgbClr val="003B4F"/>
+                </a:solidFill>
+                <a:latin typeface="Courier"/>
+              </a:rPr>
+              <a:t>df &lt;- </a:t>
+            </a:r>
+            <a:r>
+              <a:rPr>
+                <a:solidFill>
+                  <a:srgbClr val="4758AB"/>
+                </a:solidFill>
+                <a:latin typeface="Courier"/>
+              </a:rPr>
+              <a:t>read.csv</a:t>
+            </a:r>
+            <a:r>
+              <a:rPr>
+                <a:solidFill>
+                  <a:srgbClr val="003B4F"/>
+                </a:solidFill>
+                <a:latin typeface="Courier"/>
+              </a:rPr>
+              <a:t>(</a:t>
+            </a:r>
+            <a:r>
+              <a:rPr>
+                <a:solidFill>
+                  <a:srgbClr val="20794D"/>
+                </a:solidFill>
+                <a:latin typeface="Courier"/>
+              </a:rPr>
+              <a:t>"../data/nla_big.csv"</a:t>
+            </a:r>
+            <a:r>
+              <a:rPr>
+                <a:solidFill>
+                  <a:srgbClr val="003B4F"/>
+                </a:solidFill>
+                <a:latin typeface="Courier"/>
+              </a:rPr>
+              <a:t>)</a:t>
+            </a:r>
+            <a:br/>
+            <a:r>
+              <a:rPr>
+                <a:solidFill>
+                  <a:srgbClr val="4758AB"/>
+                </a:solidFill>
+                <a:latin typeface="Courier"/>
+              </a:rPr>
+              <a:t>toc</a:t>
+            </a:r>
+            <a:r>
+              <a:rPr>
+                <a:solidFill>
+                  <a:srgbClr val="003B4F"/>
+                </a:solidFill>
+                <a:latin typeface="Courier"/>
+              </a:rPr>
+              <a:t>()</a:t>
+            </a:r>
+          </a:p>
+          <a:p>
+            <a:pPr lvl="0" indent="0">
+              <a:buNone/>
+            </a:pPr>
+            <a:r>
+              <a:rPr>
+                <a:latin typeface="Courier"/>
+              </a:rPr>
+              <a:t>0.84 sec elapsed</a:t>
+            </a:r>
+          </a:p>
+        </p:txBody>
+      </p:sp>
     </p:spTree>
   </p:cSld>
 </p:sld>
@@ -5302,7 +5228,7 @@
             </a:pPr>
             <a:r>
               <a:rPr/>
-              <a:t>Reading data - utils::read.csv</a:t>
+              <a:t>Reading data - readr::read_csv</a:t>
             </a:r>
           </a:p>
         </p:txBody>
@@ -5360,7 +5286,7 @@
                 </a:solidFill>
                 <a:latin typeface="Courier"/>
               </a:rPr>
-              <a:t>read.csv</a:t>
+              <a:t>read_csv</a:t>
             </a:r>
             <a:r>
               <a:rPr>
@@ -5417,20 +5343,7 @@
               <a:rPr>
                 <a:latin typeface="Courier"/>
               </a:rPr>
-              <a:t>4243.45 sec elapsed</a:t>
-            </a:r>
-          </a:p>
-          <a:p>
-            <a:pPr lvl="0" indent="0">
-              <a:buNone/>
-            </a:pPr>
-            <a:r>
-              <a:rPr>
-                <a:latin typeface="Courier"/>
-              </a:rPr>
-              <a:t>            used   (Mb) gc trigger   (Mb)   max used   (Mb)
-Ncells   1315208   70.3    3360224  179.5   12818232  684.6
-Vcells 549852552 4195.1 1238096679 9446.0 1088678016 8306.0</a:t>
+              <a:t>0.8 sec elapsed</a:t>
             </a:r>
           </a:p>
         </p:txBody>
@@ -5477,7 +5390,7 @@
             </a:pPr>
             <a:r>
               <a:rPr/>
-              <a:t>Reading data - readr::read_csv</a:t>
+              <a:t>Reading data - data.table::fread</a:t>
             </a:r>
           </a:p>
         </p:txBody>
@@ -5502,9 +5415,86 @@
             </a:pPr>
             <a:r>
               <a:rPr>
-                <a:latin typeface="Courier"/>
-              </a:rPr>
-              <a:t>95.98 sec elapsed</a:t>
+                <a:solidFill>
+                  <a:srgbClr val="4758AB"/>
+                </a:solidFill>
+                <a:latin typeface="Courier"/>
+              </a:rPr>
+              <a:t>tic</a:t>
+            </a:r>
+            <a:r>
+              <a:rPr>
+                <a:solidFill>
+                  <a:srgbClr val="003B4F"/>
+                </a:solidFill>
+                <a:latin typeface="Courier"/>
+              </a:rPr>
+              <a:t>()</a:t>
+            </a:r>
+            <a:br/>
+            <a:r>
+              <a:rPr>
+                <a:solidFill>
+                  <a:srgbClr val="003B4F"/>
+                </a:solidFill>
+                <a:latin typeface="Courier"/>
+              </a:rPr>
+              <a:t>df &lt;- </a:t>
+            </a:r>
+            <a:r>
+              <a:rPr>
+                <a:solidFill>
+                  <a:srgbClr val="4758AB"/>
+                </a:solidFill>
+                <a:latin typeface="Courier"/>
+              </a:rPr>
+              <a:t>fread</a:t>
+            </a:r>
+            <a:r>
+              <a:rPr>
+                <a:solidFill>
+                  <a:srgbClr val="003B4F"/>
+                </a:solidFill>
+                <a:latin typeface="Courier"/>
+              </a:rPr>
+              <a:t>(</a:t>
+            </a:r>
+            <a:r>
+              <a:rPr>
+                <a:solidFill>
+                  <a:srgbClr val="20794D"/>
+                </a:solidFill>
+                <a:latin typeface="Courier"/>
+              </a:rPr>
+              <a:t>"../data/nla_big.csv"</a:t>
+            </a:r>
+            <a:r>
+              <a:rPr>
+                <a:solidFill>
+                  <a:srgbClr val="003B4F"/>
+                </a:solidFill>
+                <a:latin typeface="Courier"/>
+              </a:rPr>
+              <a:t>)</a:t>
+            </a:r>
+            <a:br/>
+            <a:r>
+              <a:rPr>
+                <a:solidFill>
+                  <a:srgbClr val="4758AB"/>
+                </a:solidFill>
+                <a:latin typeface="Courier"/>
+              </a:rPr>
+              <a:t>toc</a:t>
+            </a:r>
+            <a:r>
+              <a:rPr>
+                <a:solidFill>
+                  <a:srgbClr val="003B4F"/>
+                </a:solidFill>
+                <a:latin typeface="Courier"/>
+              </a:rPr>
+              <a:t>()</a:t>
             </a:r>
           </a:p>
           <a:p>
@@ -5515,9 +5505,7 @@
               <a:rPr>
                 <a:latin typeface="Courier"/>
               </a:rPr>
-              <a:t>            used   (Mb) gc trigger   (Mb)   max used   (Mb)
-Ncells   1315302   70.3    3360224  179.5   12818232  684.6
-Vcells 549852803 4195.1 1238096679 9446.0 1088895125 8307.7</a:t>
+              <a:t>0.28 sec elapsed</a:t>
             </a:r>
           </a:p>
         </p:txBody>
@@ -5697,7 +5685,7 @@
             </a:pPr>
             <a:r>
               <a:rPr/>
-              <a:t>Reading data - data.table::fread</a:t>
+              <a:t>Reading data - arrow::read_csv_arrow</a:t>
             </a:r>
           </a:p>
         </p:txBody>
@@ -5722,9 +5710,86 @@
             </a:pPr>
             <a:r>
               <a:rPr>
-                <a:latin typeface="Courier"/>
-              </a:rPr>
-              <a:t>28.67 sec elapsed</a:t>
+                <a:solidFill>
+                  <a:srgbClr val="4758AB"/>
+                </a:solidFill>
+                <a:latin typeface="Courier"/>
+              </a:rPr>
+              <a:t>tic</a:t>
+            </a:r>
+            <a:r>
+              <a:rPr>
+                <a:solidFill>
+                  <a:srgbClr val="003B4F"/>
+                </a:solidFill>
+                <a:latin typeface="Courier"/>
+              </a:rPr>
+              <a:t>()</a:t>
+            </a:r>
+            <a:br/>
+            <a:r>
+              <a:rPr>
+                <a:solidFill>
+                  <a:srgbClr val="003B4F"/>
+                </a:solidFill>
+                <a:latin typeface="Courier"/>
+              </a:rPr>
+              <a:t>df &lt;- </a:t>
+            </a:r>
+            <a:r>
+              <a:rPr>
+                <a:solidFill>
+                  <a:srgbClr val="4758AB"/>
+                </a:solidFill>
+                <a:latin typeface="Courier"/>
+              </a:rPr>
+              <a:t>read_csv_arrow</a:t>
+            </a:r>
+            <a:r>
+              <a:rPr>
+                <a:solidFill>
+                  <a:srgbClr val="003B4F"/>
+                </a:solidFill>
+                <a:latin typeface="Courier"/>
+              </a:rPr>
+              <a:t>(</a:t>
+            </a:r>
+            <a:r>
+              <a:rPr>
+                <a:solidFill>
+                  <a:srgbClr val="20794D"/>
+                </a:solidFill>
+                <a:latin typeface="Courier"/>
+              </a:rPr>
+              <a:t>"../data/nla_big.csv"</a:t>
+            </a:r>
+            <a:r>
+              <a:rPr>
+                <a:solidFill>
+                  <a:srgbClr val="003B4F"/>
+                </a:solidFill>
+                <a:latin typeface="Courier"/>
+              </a:rPr>
+              <a:t>)</a:t>
+            </a:r>
+            <a:br/>
+            <a:r>
+              <a:rPr>
+                <a:solidFill>
+                  <a:srgbClr val="4758AB"/>
+                </a:solidFill>
+                <a:latin typeface="Courier"/>
+              </a:rPr>
+              <a:t>toc</a:t>
+            </a:r>
+            <a:r>
+              <a:rPr>
+                <a:solidFill>
+                  <a:srgbClr val="003B4F"/>
+                </a:solidFill>
+                <a:latin typeface="Courier"/>
+              </a:rPr>
+              <a:t>()</a:t>
             </a:r>
           </a:p>
           <a:p>
@@ -5735,9 +5800,7 @@
               <a:rPr>
                 <a:latin typeface="Courier"/>
               </a:rPr>
-              <a:t>            used   (Mb) gc trigger   (Mb)   max used   (Mb)
-Ncells   1320242   70.6    3360224  179.5   12818232  684.6
-Vcells 549867302 4195.2 1238096679 9446.0 1151570551 8785.8</a:t>
+              <a:t>0.36 sec elapsed</a:t>
             </a:r>
           </a:p>
         </p:txBody>
@@ -5784,7 +5847,7 @@
             </a:pPr>
             <a:r>
               <a:rPr/>
-              <a:t>Reading data - arrow::read_csv_arrow</a:t>
+              <a:t>Reading data - arrow::read_feather</a:t>
             </a:r>
           </a:p>
         </p:txBody>
@@ -5809,9 +5872,86 @@
             </a:pPr>
             <a:r>
               <a:rPr>
-                <a:latin typeface="Courier"/>
-              </a:rPr>
-              <a:t>92.31 sec elapsed</a:t>
+                <a:solidFill>
+                  <a:srgbClr val="4758AB"/>
+                </a:solidFill>
+                <a:latin typeface="Courier"/>
+              </a:rPr>
+              <a:t>tic</a:t>
+            </a:r>
+            <a:r>
+              <a:rPr>
+                <a:solidFill>
+                  <a:srgbClr val="003B4F"/>
+                </a:solidFill>
+                <a:latin typeface="Courier"/>
+              </a:rPr>
+              <a:t>()</a:t>
+            </a:r>
+            <a:br/>
+            <a:r>
+              <a:rPr>
+                <a:solidFill>
+                  <a:srgbClr val="003B4F"/>
+                </a:solidFill>
+                <a:latin typeface="Courier"/>
+              </a:rPr>
+              <a:t>df &lt;- </a:t>
+            </a:r>
+            <a:r>
+              <a:rPr>
+                <a:solidFill>
+                  <a:srgbClr val="4758AB"/>
+                </a:solidFill>
+                <a:latin typeface="Courier"/>
+              </a:rPr>
+              <a:t>read_feather</a:t>
+            </a:r>
+            <a:r>
+              <a:rPr>
+                <a:solidFill>
+                  <a:srgbClr val="003B4F"/>
+                </a:solidFill>
+                <a:latin typeface="Courier"/>
+              </a:rPr>
+              <a:t>(</a:t>
+            </a:r>
+            <a:r>
+              <a:rPr>
+                <a:solidFill>
+                  <a:srgbClr val="20794D"/>
+                </a:solidFill>
+                <a:latin typeface="Courier"/>
+              </a:rPr>
+              <a:t>"../data/nla_big.feather"</a:t>
+            </a:r>
+            <a:r>
+              <a:rPr>
+                <a:solidFill>
+                  <a:srgbClr val="003B4F"/>
+                </a:solidFill>
+                <a:latin typeface="Courier"/>
+              </a:rPr>
+              <a:t>)</a:t>
+            </a:r>
+            <a:br/>
+            <a:r>
+              <a:rPr>
+                <a:solidFill>
+                  <a:srgbClr val="4758AB"/>
+                </a:solidFill>
+                <a:latin typeface="Courier"/>
+              </a:rPr>
+              <a:t>toc</a:t>
+            </a:r>
+            <a:r>
+              <a:rPr>
+                <a:solidFill>
+                  <a:srgbClr val="003B4F"/>
+                </a:solidFill>
+                <a:latin typeface="Courier"/>
+              </a:rPr>
+              <a:t>()</a:t>
             </a:r>
           </a:p>
           <a:p>
@@ -5822,9 +5962,7 @@
               <a:rPr>
                 <a:latin typeface="Courier"/>
               </a:rPr>
-              <a:t>            used   (Mb) gc trigger   (Mb)   max used   (Mb)
-Ncells   1385560   74.0    3360224  179.5   12818232  684.6
-Vcells 549979850 4196.1 1238096679 9446.0 1151570551 8785.8</a:t>
+              <a:t>0.05 sec elapsed</a:t>
             </a:r>
           </a:p>
         </p:txBody>
@@ -5871,7 +6009,7 @@
             </a:pPr>
             <a:r>
               <a:rPr/>
-              <a:t>Reading data - arrow::read_feather</a:t>
+              <a:t>Reading data - arrow::read_parquet</a:t>
             </a:r>
           </a:p>
         </p:txBody>
@@ -5896,9 +6034,86 @@
             </a:pPr>
             <a:r>
               <a:rPr>
-                <a:latin typeface="Courier"/>
-              </a:rPr>
-              <a:t>16.13 sec elapsed</a:t>
+                <a:solidFill>
+                  <a:srgbClr val="4758AB"/>
+                </a:solidFill>
+                <a:latin typeface="Courier"/>
+              </a:rPr>
+              <a:t>tic</a:t>
+            </a:r>
+            <a:r>
+              <a:rPr>
+                <a:solidFill>
+                  <a:srgbClr val="003B4F"/>
+                </a:solidFill>
+                <a:latin typeface="Courier"/>
+              </a:rPr>
+              <a:t>()</a:t>
+            </a:r>
+            <a:br/>
+            <a:r>
+              <a:rPr>
+                <a:solidFill>
+                  <a:srgbClr val="003B4F"/>
+                </a:solidFill>
+                <a:latin typeface="Courier"/>
+              </a:rPr>
+              <a:t>df &lt;- </a:t>
+            </a:r>
+            <a:r>
+              <a:rPr>
+                <a:solidFill>
+                  <a:srgbClr val="4758AB"/>
+                </a:solidFill>
+                <a:latin typeface="Courier"/>
+              </a:rPr>
+              <a:t>read_parquet</a:t>
+            </a:r>
+            <a:r>
+              <a:rPr>
+                <a:solidFill>
+                  <a:srgbClr val="003B4F"/>
+                </a:solidFill>
+                <a:latin typeface="Courier"/>
+              </a:rPr>
+              <a:t>(</a:t>
+            </a:r>
+            <a:r>
+              <a:rPr>
+                <a:solidFill>
+                  <a:srgbClr val="20794D"/>
+                </a:solidFill>
+                <a:latin typeface="Courier"/>
+              </a:rPr>
+              <a:t>"../data/nla_big.parquet"</a:t>
+            </a:r>
+            <a:r>
+              <a:rPr>
+                <a:solidFill>
+                  <a:srgbClr val="003B4F"/>
+                </a:solidFill>
+                <a:latin typeface="Courier"/>
+              </a:rPr>
+              <a:t>)</a:t>
+            </a:r>
+            <a:br/>
+            <a:r>
+              <a:rPr>
+                <a:solidFill>
+                  <a:srgbClr val="4758AB"/>
+                </a:solidFill>
+                <a:latin typeface="Courier"/>
+              </a:rPr>
+              <a:t>toc</a:t>
+            </a:r>
+            <a:r>
+              <a:rPr>
+                <a:solidFill>
+                  <a:srgbClr val="003B4F"/>
+                </a:solidFill>
+                <a:latin typeface="Courier"/>
+              </a:rPr>
+              <a:t>()</a:t>
             </a:r>
           </a:p>
           <a:p>
@@ -5909,9 +6124,7 @@
               <a:rPr>
                 <a:latin typeface="Courier"/>
               </a:rPr>
-              <a:t>            used   (Mb) gc trigger   (Mb)   max used   (Mb)
-Ncells   1394335   74.5    3360224  179.5   12818232  684.6
-Vcells 549995841 4196.2 1238096679 9446.0 1151570551 8785.8</a:t>
+              <a:t>0.14 sec elapsed</a:t>
             </a:r>
           </a:p>
         </p:txBody>
@@ -5958,7 +6171,7 @@
             </a:pPr>
             <a:r>
               <a:rPr/>
-              <a:t>Reading data - arrow::read_parquet</a:t>
+              <a:t>Reading data - arrow::open_dataset multi-file parquet</a:t>
             </a:r>
           </a:p>
         </p:txBody>
@@ -5983,9 +6196,86 @@
             </a:pPr>
             <a:r>
               <a:rPr>
-                <a:latin typeface="Courier"/>
-              </a:rPr>
-              <a:t>16.98 sec elapsed</a:t>
+                <a:solidFill>
+                  <a:srgbClr val="4758AB"/>
+                </a:solidFill>
+                <a:latin typeface="Courier"/>
+              </a:rPr>
+              <a:t>tic</a:t>
+            </a:r>
+            <a:r>
+              <a:rPr>
+                <a:solidFill>
+                  <a:srgbClr val="003B4F"/>
+                </a:solidFill>
+                <a:latin typeface="Courier"/>
+              </a:rPr>
+              <a:t>()</a:t>
+            </a:r>
+            <a:br/>
+            <a:r>
+              <a:rPr>
+                <a:solidFill>
+                  <a:srgbClr val="003B4F"/>
+                </a:solidFill>
+                <a:latin typeface="Courier"/>
+              </a:rPr>
+              <a:t>df &lt;- </a:t>
+            </a:r>
+            <a:r>
+              <a:rPr>
+                <a:solidFill>
+                  <a:srgbClr val="4758AB"/>
+                </a:solidFill>
+                <a:latin typeface="Courier"/>
+              </a:rPr>
+              <a:t>open_dataset</a:t>
+            </a:r>
+            <a:r>
+              <a:rPr>
+                <a:solidFill>
+                  <a:srgbClr val="003B4F"/>
+                </a:solidFill>
+                <a:latin typeface="Courier"/>
+              </a:rPr>
+              <a:t>(</a:t>
+            </a:r>
+            <a:r>
+              <a:rPr>
+                <a:solidFill>
+                  <a:srgbClr val="20794D"/>
+                </a:solidFill>
+                <a:latin typeface="Courier"/>
+              </a:rPr>
+              <a:t>"../data/nla_big"</a:t>
+            </a:r>
+            <a:r>
+              <a:rPr>
+                <a:solidFill>
+                  <a:srgbClr val="003B4F"/>
+                </a:solidFill>
+                <a:latin typeface="Courier"/>
+              </a:rPr>
+              <a:t>)</a:t>
+            </a:r>
+            <a:br/>
+            <a:r>
+              <a:rPr>
+                <a:solidFill>
+                  <a:srgbClr val="4758AB"/>
+                </a:solidFill>
+                <a:latin typeface="Courier"/>
+              </a:rPr>
+              <a:t>toc</a:t>
+            </a:r>
+            <a:r>
+              <a:rPr>
+                <a:solidFill>
+                  <a:srgbClr val="003B4F"/>
+                </a:solidFill>
+                <a:latin typeface="Courier"/>
+              </a:rPr>
+              <a:t>()</a:t>
             </a:r>
           </a:p>
           <a:p>
@@ -5996,9 +6286,7 @@
               <a:rPr>
                 <a:latin typeface="Courier"/>
               </a:rPr>
-              <a:t>            used   (Mb) gc trigger   (Mb)  max used   (Mb)
-Ncells   1143486   61.1    2175608  116.2   1676387   89.6
-Vcells 541222790 4129.3  847513970 6466.1 834819667 6369.2</a:t>
+              <a:t>0.05 sec elapsed</a:t>
             </a:r>
           </a:p>
         </p:txBody>
@@ -6009,93 +6297,6 @@
 </file>
 
 <file path=ppt/slides/slide24.xml><?xml version="1.0" encoding="utf-8"?>
-<p:sld xmlns:a="http://schemas.openxmlformats.org/drawingml/2006/main" xmlns:r="http://schemas.openxmlformats.org/officeDocument/2006/relationships" xmlns:p="http://schemas.openxmlformats.org/presentationml/2006/main">
-  <p:cSld>
-    <p:spTree>
-      <p:nvGrpSpPr>
-        <p:cNvPr id="1" name=""/>
-        <p:cNvGrpSpPr/>
-        <p:nvPr/>
-      </p:nvGrpSpPr>
-      <p:grpSpPr>
-        <a:xfrm>
-          <a:off x="0" y="0"/>
-          <a:ext cx="0" cy="0"/>
-          <a:chOff x="0" y="0"/>
-          <a:chExt cx="0" cy="0"/>
-        </a:xfrm>
-      </p:grpSpPr>
-      <p:sp>
-        <p:nvSpPr>
-          <p:cNvPr id="2" name="Title 1"/>
-          <p:cNvSpPr>
-            <a:spLocks noGrp="1"/>
-          </p:cNvSpPr>
-          <p:nvPr>
-            <p:ph type="title"/>
-          </p:nvPr>
-        </p:nvSpPr>
-        <p:spPr/>
-        <p:txBody>
-          <a:bodyPr/>
-          <a:lstStyle/>
-          <a:p>
-            <a:pPr lvl="0" indent="0" marL="0">
-              <a:buNone/>
-            </a:pPr>
-            <a:r>
-              <a:rPr/>
-              <a:t>Reading data - arrow::open_dataset multi-file parquet</a:t>
-            </a:r>
-          </a:p>
-        </p:txBody>
-      </p:sp>
-      <p:sp>
-        <p:nvSpPr>
-          <p:cNvPr id="3" name="Content Placeholder 2"/>
-          <p:cNvSpPr>
-            <a:spLocks noGrp="1"/>
-          </p:cNvSpPr>
-          <p:nvPr>
-            <p:ph idx="1"/>
-          </p:nvPr>
-        </p:nvSpPr>
-        <p:spPr/>
-        <p:txBody>
-          <a:bodyPr/>
-          <a:lstStyle/>
-          <a:p>
-            <a:pPr lvl="0" indent="0">
-              <a:buNone/>
-            </a:pPr>
-            <a:r>
-              <a:rPr>
-                <a:latin typeface="Courier"/>
-              </a:rPr>
-              <a:t>0.17 sec elapsed</a:t>
-            </a:r>
-          </a:p>
-          <a:p>
-            <a:pPr lvl="0" indent="0">
-              <a:buNone/>
-            </a:pPr>
-            <a:r>
-              <a:rPr>
-                <a:latin typeface="Courier"/>
-              </a:rPr>
-              <a:t>            used   (Mb) gc trigger   (Mb)  max used   (Mb)
-Ncells   1265291   67.6    2175608  116.2   1687166   90.2
-Vcells 541437208 4130.9  847513970 6466.1 834819667 6369.2</a:t>
-            </a:r>
-          </a:p>
-        </p:txBody>
-      </p:sp>
-    </p:spTree>
-  </p:cSld>
-</p:sld>
-</file>
-
-<file path=ppt/slides/slide25.xml><?xml version="1.0" encoding="utf-8"?>
 <p:sld xmlns:a="http://schemas.openxmlformats.org/drawingml/2006/main" xmlns:r="http://schemas.openxmlformats.org/officeDocument/2006/relationships" xmlns:p="http://schemas.openxmlformats.org/presentationml/2006/main">
   <p:cSld>
     <p:spTree>
@@ -6221,7 +6422,7 @@
                       </a:pPr>
                       <a:r>
                         <a:rPr/>
-                        <a:t>4243.4 [s]</a:t>
+                        <a:t>0.8 [s]</a:t>
                       </a:r>
                     </a:p>
                   </a:txBody>
@@ -6253,7 +6454,7 @@
                       </a:pPr>
                       <a:r>
                         <a:rPr/>
-                        <a:t>96.0 [s]</a:t>
+                        <a:t>0.8 [s]</a:t>
                       </a:r>
                     </a:p>
                   </a:txBody>
@@ -6285,7 +6486,7 @@
                       </a:pPr>
                       <a:r>
                         <a:rPr/>
-                        <a:t>92.3 [s]</a:t>
+                        <a:t>0.4 [s]</a:t>
                       </a:r>
                     </a:p>
                   </a:txBody>
@@ -6317,7 +6518,39 @@
                       </a:pPr>
                       <a:r>
                         <a:rPr/>
-                        <a:t>28.7 [s]</a:t>
+                        <a:t>0.3 [s]</a:t>
+                      </a:r>
+                    </a:p>
+                  </a:txBody>
+                </a:tc>
+              </a:tr>
+              <a:tr h="0">
+                <a:tc>
+                  <a:txBody>
+                    <a:bodyPr/>
+                    <a:lstStyle/>
+                    <a:p>
+                      <a:pPr lvl="0" indent="0" marL="0" algn="l">
+                        <a:buNone/>
+                      </a:pPr>
+                      <a:r>
+                        <a:rPr/>
+                        <a:t>arrow::read_feather</a:t>
+                      </a:r>
+                    </a:p>
+                  </a:txBody>
+                </a:tc>
+                <a:tc>
+                  <a:txBody>
+                    <a:bodyPr/>
+                    <a:lstStyle/>
+                    <a:p>
+                      <a:pPr lvl="0" indent="0" marL="0" algn="r">
+                        <a:buNone/>
+                      </a:pPr>
+                      <a:r>
+                        <a:rPr/>
+                        <a:t>0.1 [s]</a:t>
                       </a:r>
                     </a:p>
                   </a:txBody>
@@ -6349,7 +6582,2579 @@
                       </a:pPr>
                       <a:r>
                         <a:rPr/>
-                        <a:t>17.0 [s]</a:t>
+                        <a:t>0.1 [s]</a:t>
+                      </a:r>
+                    </a:p>
+                  </a:txBody>
+                </a:tc>
+              </a:tr>
+              <a:tr h="0">
+                <a:tc>
+                  <a:txBody>
+                    <a:bodyPr/>
+                    <a:lstStyle/>
+                    <a:p>
+                      <a:pPr lvl="0" indent="0" marL="0" algn="l">
+                        <a:buNone/>
+                      </a:pPr>
+                      <a:r>
+                        <a:rPr/>
+                        <a:t>arrow::open_dataset</a:t>
+                      </a:r>
+                    </a:p>
+                  </a:txBody>
+                </a:tc>
+                <a:tc>
+                  <a:txBody>
+                    <a:bodyPr/>
+                    <a:lstStyle/>
+                    <a:p>
+                      <a:pPr lvl="0" indent="0" marL="0" algn="r">
+                        <a:buNone/>
+                      </a:pPr>
+                      <a:r>
+                        <a:rPr/>
+                        <a:t>0.1 [s]</a:t>
+                      </a:r>
+                    </a:p>
+                  </a:txBody>
+                </a:tc>
+              </a:tr>
+            </a:tbl>
+          </a:graphicData>
+        </a:graphic>
+      </p:graphicFrame>
+    </p:spTree>
+  </p:cSld>
+</p:sld>
+</file>
+
+<file path=ppt/slides/slide25.xml><?xml version="1.0" encoding="utf-8"?>
+<p:sld xmlns:a="http://schemas.openxmlformats.org/drawingml/2006/main" xmlns:r="http://schemas.openxmlformats.org/officeDocument/2006/relationships" xmlns:p="http://schemas.openxmlformats.org/presentationml/2006/main">
+  <p:cSld>
+    <p:spTree>
+      <p:nvGrpSpPr>
+        <p:cNvPr id="1" name=""/>
+        <p:cNvGrpSpPr/>
+        <p:nvPr/>
+      </p:nvGrpSpPr>
+      <p:grpSpPr>
+        <a:xfrm>
+          <a:off x="0" y="0"/>
+          <a:ext cx="0" cy="0"/>
+          <a:chOff x="0" y="0"/>
+          <a:chExt cx="0" cy="0"/>
+        </a:xfrm>
+      </p:grpSpPr>
+      <p:sp>
+        <p:nvSpPr>
+          <p:cNvPr id="2" name="Title 1"/>
+          <p:cNvSpPr>
+            <a:spLocks noGrp="1"/>
+          </p:cNvSpPr>
+          <p:nvPr>
+            <p:ph type="title"/>
+          </p:nvPr>
+        </p:nvSpPr>
+        <p:spPr/>
+        <p:txBody>
+          <a:bodyPr/>
+          <a:lstStyle/>
+          <a:p>
+            <a:pPr lvl="0" indent="0" marL="0">
+              <a:buNone/>
+            </a:pPr>
+            <a:r>
+              <a:rPr/>
+              <a:t>Summarizing data</a:t>
+            </a:r>
+          </a:p>
+        </p:txBody>
+      </p:sp>
+      <p:sp>
+        <p:nvSpPr>
+          <p:cNvPr id="3" name="Content Placeholder 2"/>
+          <p:cNvSpPr>
+            <a:spLocks noGrp="1"/>
+          </p:cNvSpPr>
+          <p:nvPr>
+            <p:ph idx="1"/>
+          </p:nvPr>
+        </p:nvSpPr>
+        <p:spPr/>
+        <p:txBody>
+          <a:bodyPr/>
+          <a:lstStyle/>
+          <a:p>
+            <a:pPr lvl="0"/>
+            <a:r>
+              <a:rPr/>
+              <a:t>Take our 11+ million rows and</a:t>
+            </a:r>
+          </a:p>
+          <a:p>
+            <a:pPr lvl="1"/>
+            <a:r>
+              <a:rPr/>
+              <a:t>group on state and analyte</a:t>
+            </a:r>
+          </a:p>
+          <a:p>
+            <a:pPr lvl="1"/>
+            <a:r>
+              <a:rPr/>
+              <a:t>provide state average for each analyte</a:t>
+            </a:r>
+          </a:p>
+          <a:p>
+            <a:pPr lvl="1"/>
+            <a:r>
+              <a:rPr/>
+              <a:t>count number of samples per group</a:t>
+            </a:r>
+          </a:p>
+        </p:txBody>
+      </p:sp>
+    </p:spTree>
+  </p:cSld>
+</p:sld>
+</file>
+
+<file path=ppt/slides/slide26.xml><?xml version="1.0" encoding="utf-8"?>
+<p:sld xmlns:a="http://schemas.openxmlformats.org/drawingml/2006/main" xmlns:r="http://schemas.openxmlformats.org/officeDocument/2006/relationships" xmlns:p="http://schemas.openxmlformats.org/presentationml/2006/main">
+  <p:cSld>
+    <p:spTree>
+      <p:nvGrpSpPr>
+        <p:cNvPr id="1" name=""/>
+        <p:cNvGrpSpPr/>
+        <p:nvPr/>
+      </p:nvGrpSpPr>
+      <p:grpSpPr>
+        <a:xfrm>
+          <a:off x="0" y="0"/>
+          <a:ext cx="0" cy="0"/>
+          <a:chOff x="0" y="0"/>
+          <a:chExt cx="0" cy="0"/>
+        </a:xfrm>
+      </p:grpSpPr>
+      <p:sp>
+        <p:nvSpPr>
+          <p:cNvPr id="2" name="Title 1"/>
+          <p:cNvSpPr>
+            <a:spLocks noGrp="1"/>
+          </p:cNvSpPr>
+          <p:nvPr>
+            <p:ph type="title"/>
+          </p:nvPr>
+        </p:nvSpPr>
+        <p:spPr/>
+        <p:txBody>
+          <a:bodyPr/>
+          <a:lstStyle/>
+          <a:p>
+            <a:pPr lvl="0" indent="0" marL="0">
+              <a:buNone/>
+            </a:pPr>
+            <a:r>
+              <a:rPr/>
+              <a:t>Summarizing data - readr::read_csv - in memory</a:t>
+            </a:r>
+          </a:p>
+        </p:txBody>
+      </p:sp>
+      <p:sp>
+        <p:nvSpPr>
+          <p:cNvPr id="3" name="Content Placeholder 2"/>
+          <p:cNvSpPr>
+            <a:spLocks noGrp="1"/>
+          </p:cNvSpPr>
+          <p:nvPr>
+            <p:ph idx="1"/>
+          </p:nvPr>
+        </p:nvSpPr>
+        <p:spPr/>
+        <p:txBody>
+          <a:bodyPr/>
+          <a:lstStyle/>
+          <a:p>
+            <a:pPr lvl="0" indent="0">
+              <a:buNone/>
+            </a:pPr>
+            <a:r>
+              <a:rPr>
+                <a:solidFill>
+                  <a:srgbClr val="003B4F"/>
+                </a:solidFill>
+                <a:latin typeface="Courier"/>
+              </a:rPr>
+              <a:t>df &lt;- </a:t>
+            </a:r>
+            <a:r>
+              <a:rPr>
+                <a:solidFill>
+                  <a:srgbClr val="4758AB"/>
+                </a:solidFill>
+                <a:latin typeface="Courier"/>
+              </a:rPr>
+              <a:t>read_csv</a:t>
+            </a:r>
+            <a:r>
+              <a:rPr>
+                <a:solidFill>
+                  <a:srgbClr val="003B4F"/>
+                </a:solidFill>
+                <a:latin typeface="Courier"/>
+              </a:rPr>
+              <a:t>(</a:t>
+            </a:r>
+            <a:r>
+              <a:rPr>
+                <a:solidFill>
+                  <a:srgbClr val="20794D"/>
+                </a:solidFill>
+                <a:latin typeface="Courier"/>
+              </a:rPr>
+              <a:t>"../data/nla_big.csv"</a:t>
+            </a:r>
+            <a:r>
+              <a:rPr>
+                <a:solidFill>
+                  <a:srgbClr val="003B4F"/>
+                </a:solidFill>
+                <a:latin typeface="Courier"/>
+              </a:rPr>
+              <a:t>)</a:t>
+            </a:r>
+            <a:br/>
+            <a:r>
+              <a:rPr>
+                <a:solidFill>
+                  <a:srgbClr val="4758AB"/>
+                </a:solidFill>
+                <a:latin typeface="Courier"/>
+              </a:rPr>
+              <a:t>tic</a:t>
+            </a:r>
+            <a:r>
+              <a:rPr>
+                <a:solidFill>
+                  <a:srgbClr val="003B4F"/>
+                </a:solidFill>
+                <a:latin typeface="Courier"/>
+              </a:rPr>
+              <a:t>()</a:t>
+            </a:r>
+            <a:br/>
+            <a:r>
+              <a:rPr>
+                <a:solidFill>
+                  <a:srgbClr val="003B4F"/>
+                </a:solidFill>
+                <a:latin typeface="Courier"/>
+              </a:rPr>
+              <a:t>df_f_sum &lt;- df </a:t>
+            </a:r>
+            <a:r>
+              <a:rPr>
+                <a:solidFill>
+                  <a:srgbClr val="5E5E5E"/>
+                </a:solidFill>
+                <a:latin typeface="Courier"/>
+              </a:rPr>
+              <a:t>|&gt;</a:t>
+            </a:r>
+            <a:br/>
+            <a:r>
+              <a:rPr>
+                <a:solidFill>
+                  <a:srgbClr val="003B4F"/>
+                </a:solidFill>
+                <a:latin typeface="Courier"/>
+              </a:rPr>
+              <a:t>  </a:t>
+            </a:r>
+            <a:r>
+              <a:rPr>
+                <a:solidFill>
+                  <a:srgbClr val="4758AB"/>
+                </a:solidFill>
+                <a:latin typeface="Courier"/>
+              </a:rPr>
+              <a:t>group_by</a:t>
+            </a:r>
+            <a:r>
+              <a:rPr>
+                <a:solidFill>
+                  <a:srgbClr val="003B4F"/>
+                </a:solidFill>
+                <a:latin typeface="Courier"/>
+              </a:rPr>
+              <a:t>(state, analyte) </a:t>
+            </a:r>
+            <a:r>
+              <a:rPr>
+                <a:solidFill>
+                  <a:srgbClr val="5E5E5E"/>
+                </a:solidFill>
+                <a:latin typeface="Courier"/>
+              </a:rPr>
+              <a:t>|&gt;</a:t>
+            </a:r>
+            <a:br/>
+            <a:r>
+              <a:rPr>
+                <a:solidFill>
+                  <a:srgbClr val="003B4F"/>
+                </a:solidFill>
+                <a:latin typeface="Courier"/>
+              </a:rPr>
+              <a:t>  </a:t>
+            </a:r>
+            <a:r>
+              <a:rPr>
+                <a:solidFill>
+                  <a:srgbClr val="4758AB"/>
+                </a:solidFill>
+                <a:latin typeface="Courier"/>
+              </a:rPr>
+              <a:t>summarize</a:t>
+            </a:r>
+            <a:r>
+              <a:rPr>
+                <a:solidFill>
+                  <a:srgbClr val="003B4F"/>
+                </a:solidFill>
+                <a:latin typeface="Courier"/>
+              </a:rPr>
+              <a:t>(</a:t>
+            </a:r>
+            <a:r>
+              <a:rPr>
+                <a:solidFill>
+                  <a:srgbClr val="657422"/>
+                </a:solidFill>
+                <a:latin typeface="Courier"/>
+              </a:rPr>
+              <a:t>avg_result =</a:t>
+            </a:r>
+            <a:r>
+              <a:rPr>
+                <a:solidFill>
+                  <a:srgbClr val="003B4F"/>
+                </a:solidFill>
+                <a:latin typeface="Courier"/>
+              </a:rPr>
+              <a:t> </a:t>
+            </a:r>
+            <a:r>
+              <a:rPr>
+                <a:solidFill>
+                  <a:srgbClr val="4758AB"/>
+                </a:solidFill>
+                <a:latin typeface="Courier"/>
+              </a:rPr>
+              <a:t>round</a:t>
+            </a:r>
+            <a:r>
+              <a:rPr>
+                <a:solidFill>
+                  <a:srgbClr val="003B4F"/>
+                </a:solidFill>
+                <a:latin typeface="Courier"/>
+              </a:rPr>
+              <a:t>(</a:t>
+            </a:r>
+            <a:r>
+              <a:rPr>
+                <a:solidFill>
+                  <a:srgbClr val="4758AB"/>
+                </a:solidFill>
+                <a:latin typeface="Courier"/>
+              </a:rPr>
+              <a:t>mean</a:t>
+            </a:r>
+            <a:r>
+              <a:rPr>
+                <a:solidFill>
+                  <a:srgbClr val="003B4F"/>
+                </a:solidFill>
+                <a:latin typeface="Courier"/>
+              </a:rPr>
+              <a:t>(result), </a:t>
+            </a:r>
+            <a:r>
+              <a:rPr>
+                <a:solidFill>
+                  <a:srgbClr val="AD0000"/>
+                </a:solidFill>
+                <a:latin typeface="Courier"/>
+              </a:rPr>
+              <a:t>2</a:t>
+            </a:r>
+            <a:r>
+              <a:rPr>
+                <a:solidFill>
+                  <a:srgbClr val="003B4F"/>
+                </a:solidFill>
+                <a:latin typeface="Courier"/>
+              </a:rPr>
+              <a:t>),</a:t>
+            </a:r>
+            <a:br/>
+            <a:r>
+              <a:rPr>
+                <a:solidFill>
+                  <a:srgbClr val="003B4F"/>
+                </a:solidFill>
+                <a:latin typeface="Courier"/>
+              </a:rPr>
+              <a:t>            </a:t>
+            </a:r>
+            <a:r>
+              <a:rPr>
+                <a:solidFill>
+                  <a:srgbClr val="657422"/>
+                </a:solidFill>
+                <a:latin typeface="Courier"/>
+              </a:rPr>
+              <a:t>group_n =</a:t>
+            </a:r>
+            <a:r>
+              <a:rPr>
+                <a:solidFill>
+                  <a:srgbClr val="003B4F"/>
+                </a:solidFill>
+                <a:latin typeface="Courier"/>
+              </a:rPr>
+              <a:t> </a:t>
+            </a:r>
+            <a:r>
+              <a:rPr>
+                <a:solidFill>
+                  <a:srgbClr val="4758AB"/>
+                </a:solidFill>
+                <a:latin typeface="Courier"/>
+              </a:rPr>
+              <a:t>n</a:t>
+            </a:r>
+            <a:r>
+              <a:rPr>
+                <a:solidFill>
+                  <a:srgbClr val="003B4F"/>
+                </a:solidFill>
+                <a:latin typeface="Courier"/>
+              </a:rPr>
+              <a:t>()) </a:t>
+            </a:r>
+            <a:r>
+              <a:rPr>
+                <a:solidFill>
+                  <a:srgbClr val="5E5E5E"/>
+                </a:solidFill>
+                <a:latin typeface="Courier"/>
+              </a:rPr>
+              <a:t>|&gt;</a:t>
+            </a:r>
+            <a:br/>
+            <a:r>
+              <a:rPr>
+                <a:solidFill>
+                  <a:srgbClr val="003B4F"/>
+                </a:solidFill>
+                <a:latin typeface="Courier"/>
+              </a:rPr>
+              <a:t>  </a:t>
+            </a:r>
+            <a:r>
+              <a:rPr>
+                <a:solidFill>
+                  <a:srgbClr val="4758AB"/>
+                </a:solidFill>
+                <a:latin typeface="Courier"/>
+              </a:rPr>
+              <a:t>ungroup</a:t>
+            </a:r>
+            <a:r>
+              <a:rPr>
+                <a:solidFill>
+                  <a:srgbClr val="003B4F"/>
+                </a:solidFill>
+                <a:latin typeface="Courier"/>
+              </a:rPr>
+              <a:t>()</a:t>
+            </a:r>
+            <a:br/>
+            <a:r>
+              <a:rPr>
+                <a:solidFill>
+                  <a:srgbClr val="4758AB"/>
+                </a:solidFill>
+                <a:latin typeface="Courier"/>
+              </a:rPr>
+              <a:t>toc</a:t>
+            </a:r>
+            <a:r>
+              <a:rPr>
+                <a:solidFill>
+                  <a:srgbClr val="003B4F"/>
+                </a:solidFill>
+                <a:latin typeface="Courier"/>
+              </a:rPr>
+              <a:t>()</a:t>
+            </a:r>
+          </a:p>
+          <a:p>
+            <a:pPr lvl="0" indent="0">
+              <a:buNone/>
+            </a:pPr>
+            <a:r>
+              <a:rPr>
+                <a:latin typeface="Courier"/>
+              </a:rPr>
+              <a:t>0.1 sec elapsed</a:t>
+            </a:r>
+          </a:p>
+        </p:txBody>
+      </p:sp>
+    </p:spTree>
+  </p:cSld>
+</p:sld>
+</file>
+
+<file path=ppt/slides/slide27.xml><?xml version="1.0" encoding="utf-8"?>
+<p:sld xmlns:a="http://schemas.openxmlformats.org/drawingml/2006/main" xmlns:r="http://schemas.openxmlformats.org/officeDocument/2006/relationships" xmlns:p="http://schemas.openxmlformats.org/presentationml/2006/main">
+  <p:cSld>
+    <p:spTree>
+      <p:nvGrpSpPr>
+        <p:cNvPr id="1" name=""/>
+        <p:cNvGrpSpPr/>
+        <p:nvPr/>
+      </p:nvGrpSpPr>
+      <p:grpSpPr>
+        <a:xfrm>
+          <a:off x="0" y="0"/>
+          <a:ext cx="0" cy="0"/>
+          <a:chOff x="0" y="0"/>
+          <a:chExt cx="0" cy="0"/>
+        </a:xfrm>
+      </p:grpSpPr>
+      <p:sp>
+        <p:nvSpPr>
+          <p:cNvPr id="2" name="Title 1"/>
+          <p:cNvSpPr>
+            <a:spLocks noGrp="1"/>
+          </p:cNvSpPr>
+          <p:nvPr>
+            <p:ph type="title"/>
+          </p:nvPr>
+        </p:nvSpPr>
+        <p:spPr/>
+        <p:txBody>
+          <a:bodyPr/>
+          <a:lstStyle/>
+          <a:p>
+            <a:pPr lvl="0" indent="0" marL="0">
+              <a:buNone/>
+            </a:pPr>
+            <a:r>
+              <a:rPr/>
+              <a:t>Summarizing data - data.table::fread - in memory</a:t>
+            </a:r>
+          </a:p>
+        </p:txBody>
+      </p:sp>
+      <p:sp>
+        <p:nvSpPr>
+          <p:cNvPr id="3" name="Content Placeholder 2"/>
+          <p:cNvSpPr>
+            <a:spLocks noGrp="1"/>
+          </p:cNvSpPr>
+          <p:nvPr>
+            <p:ph idx="1"/>
+          </p:nvPr>
+        </p:nvSpPr>
+        <p:spPr/>
+        <p:txBody>
+          <a:bodyPr/>
+          <a:lstStyle/>
+          <a:p>
+            <a:pPr lvl="0" indent="0">
+              <a:buNone/>
+            </a:pPr>
+            <a:r>
+              <a:rPr>
+                <a:solidFill>
+                  <a:srgbClr val="003B4F"/>
+                </a:solidFill>
+                <a:latin typeface="Courier"/>
+              </a:rPr>
+              <a:t>df &lt;- </a:t>
+            </a:r>
+            <a:r>
+              <a:rPr>
+                <a:solidFill>
+                  <a:srgbClr val="4758AB"/>
+                </a:solidFill>
+                <a:latin typeface="Courier"/>
+              </a:rPr>
+              <a:t>fread</a:t>
+            </a:r>
+            <a:r>
+              <a:rPr>
+                <a:solidFill>
+                  <a:srgbClr val="003B4F"/>
+                </a:solidFill>
+                <a:latin typeface="Courier"/>
+              </a:rPr>
+              <a:t>(</a:t>
+            </a:r>
+            <a:r>
+              <a:rPr>
+                <a:solidFill>
+                  <a:srgbClr val="20794D"/>
+                </a:solidFill>
+                <a:latin typeface="Courier"/>
+              </a:rPr>
+              <a:t>"../data/nla_big.csv"</a:t>
+            </a:r>
+            <a:r>
+              <a:rPr>
+                <a:solidFill>
+                  <a:srgbClr val="003B4F"/>
+                </a:solidFill>
+                <a:latin typeface="Courier"/>
+              </a:rPr>
+              <a:t>)</a:t>
+            </a:r>
+            <a:br/>
+            <a:r>
+              <a:rPr>
+                <a:solidFill>
+                  <a:srgbClr val="4758AB"/>
+                </a:solidFill>
+                <a:latin typeface="Courier"/>
+              </a:rPr>
+              <a:t>tic</a:t>
+            </a:r>
+            <a:r>
+              <a:rPr>
+                <a:solidFill>
+                  <a:srgbClr val="003B4F"/>
+                </a:solidFill>
+                <a:latin typeface="Courier"/>
+              </a:rPr>
+              <a:t>()</a:t>
+            </a:r>
+            <a:br/>
+            <a:r>
+              <a:rPr>
+                <a:solidFill>
+                  <a:srgbClr val="003B4F"/>
+                </a:solidFill>
+                <a:latin typeface="Courier"/>
+              </a:rPr>
+              <a:t>df_f_sum &lt;- df </a:t>
+            </a:r>
+            <a:r>
+              <a:rPr>
+                <a:solidFill>
+                  <a:srgbClr val="5E5E5E"/>
+                </a:solidFill>
+                <a:latin typeface="Courier"/>
+              </a:rPr>
+              <a:t>|&gt;</a:t>
+            </a:r>
+            <a:br/>
+            <a:r>
+              <a:rPr>
+                <a:solidFill>
+                  <a:srgbClr val="003B4F"/>
+                </a:solidFill>
+                <a:latin typeface="Courier"/>
+              </a:rPr>
+              <a:t>  </a:t>
+            </a:r>
+            <a:r>
+              <a:rPr>
+                <a:solidFill>
+                  <a:srgbClr val="4758AB"/>
+                </a:solidFill>
+                <a:latin typeface="Courier"/>
+              </a:rPr>
+              <a:t>group_by</a:t>
+            </a:r>
+            <a:r>
+              <a:rPr>
+                <a:solidFill>
+                  <a:srgbClr val="003B4F"/>
+                </a:solidFill>
+                <a:latin typeface="Courier"/>
+              </a:rPr>
+              <a:t>(state, analyte) </a:t>
+            </a:r>
+            <a:r>
+              <a:rPr>
+                <a:solidFill>
+                  <a:srgbClr val="5E5E5E"/>
+                </a:solidFill>
+                <a:latin typeface="Courier"/>
+              </a:rPr>
+              <a:t>|&gt;</a:t>
+            </a:r>
+            <a:br/>
+            <a:r>
+              <a:rPr>
+                <a:solidFill>
+                  <a:srgbClr val="003B4F"/>
+                </a:solidFill>
+                <a:latin typeface="Courier"/>
+              </a:rPr>
+              <a:t>  </a:t>
+            </a:r>
+            <a:r>
+              <a:rPr>
+                <a:solidFill>
+                  <a:srgbClr val="4758AB"/>
+                </a:solidFill>
+                <a:latin typeface="Courier"/>
+              </a:rPr>
+              <a:t>summarize</a:t>
+            </a:r>
+            <a:r>
+              <a:rPr>
+                <a:solidFill>
+                  <a:srgbClr val="003B4F"/>
+                </a:solidFill>
+                <a:latin typeface="Courier"/>
+              </a:rPr>
+              <a:t>(</a:t>
+            </a:r>
+            <a:r>
+              <a:rPr>
+                <a:solidFill>
+                  <a:srgbClr val="657422"/>
+                </a:solidFill>
+                <a:latin typeface="Courier"/>
+              </a:rPr>
+              <a:t>avg_result =</a:t>
+            </a:r>
+            <a:r>
+              <a:rPr>
+                <a:solidFill>
+                  <a:srgbClr val="003B4F"/>
+                </a:solidFill>
+                <a:latin typeface="Courier"/>
+              </a:rPr>
+              <a:t> </a:t>
+            </a:r>
+            <a:r>
+              <a:rPr>
+                <a:solidFill>
+                  <a:srgbClr val="4758AB"/>
+                </a:solidFill>
+                <a:latin typeface="Courier"/>
+              </a:rPr>
+              <a:t>round</a:t>
+            </a:r>
+            <a:r>
+              <a:rPr>
+                <a:solidFill>
+                  <a:srgbClr val="003B4F"/>
+                </a:solidFill>
+                <a:latin typeface="Courier"/>
+              </a:rPr>
+              <a:t>(</a:t>
+            </a:r>
+            <a:r>
+              <a:rPr>
+                <a:solidFill>
+                  <a:srgbClr val="4758AB"/>
+                </a:solidFill>
+                <a:latin typeface="Courier"/>
+              </a:rPr>
+              <a:t>mean</a:t>
+            </a:r>
+            <a:r>
+              <a:rPr>
+                <a:solidFill>
+                  <a:srgbClr val="003B4F"/>
+                </a:solidFill>
+                <a:latin typeface="Courier"/>
+              </a:rPr>
+              <a:t>(result), </a:t>
+            </a:r>
+            <a:r>
+              <a:rPr>
+                <a:solidFill>
+                  <a:srgbClr val="AD0000"/>
+                </a:solidFill>
+                <a:latin typeface="Courier"/>
+              </a:rPr>
+              <a:t>2</a:t>
+            </a:r>
+            <a:r>
+              <a:rPr>
+                <a:solidFill>
+                  <a:srgbClr val="003B4F"/>
+                </a:solidFill>
+                <a:latin typeface="Courier"/>
+              </a:rPr>
+              <a:t>),</a:t>
+            </a:r>
+            <a:br/>
+            <a:r>
+              <a:rPr>
+                <a:solidFill>
+                  <a:srgbClr val="003B4F"/>
+                </a:solidFill>
+                <a:latin typeface="Courier"/>
+              </a:rPr>
+              <a:t>            </a:t>
+            </a:r>
+            <a:r>
+              <a:rPr>
+                <a:solidFill>
+                  <a:srgbClr val="657422"/>
+                </a:solidFill>
+                <a:latin typeface="Courier"/>
+              </a:rPr>
+              <a:t>group_n =</a:t>
+            </a:r>
+            <a:r>
+              <a:rPr>
+                <a:solidFill>
+                  <a:srgbClr val="003B4F"/>
+                </a:solidFill>
+                <a:latin typeface="Courier"/>
+              </a:rPr>
+              <a:t> </a:t>
+            </a:r>
+            <a:r>
+              <a:rPr>
+                <a:solidFill>
+                  <a:srgbClr val="4758AB"/>
+                </a:solidFill>
+                <a:latin typeface="Courier"/>
+              </a:rPr>
+              <a:t>n</a:t>
+            </a:r>
+            <a:r>
+              <a:rPr>
+                <a:solidFill>
+                  <a:srgbClr val="003B4F"/>
+                </a:solidFill>
+                <a:latin typeface="Courier"/>
+              </a:rPr>
+              <a:t>()) </a:t>
+            </a:r>
+            <a:r>
+              <a:rPr>
+                <a:solidFill>
+                  <a:srgbClr val="5E5E5E"/>
+                </a:solidFill>
+                <a:latin typeface="Courier"/>
+              </a:rPr>
+              <a:t>|&gt;</a:t>
+            </a:r>
+            <a:br/>
+            <a:r>
+              <a:rPr>
+                <a:solidFill>
+                  <a:srgbClr val="003B4F"/>
+                </a:solidFill>
+                <a:latin typeface="Courier"/>
+              </a:rPr>
+              <a:t>  </a:t>
+            </a:r>
+            <a:r>
+              <a:rPr>
+                <a:solidFill>
+                  <a:srgbClr val="4758AB"/>
+                </a:solidFill>
+                <a:latin typeface="Courier"/>
+              </a:rPr>
+              <a:t>ungroup</a:t>
+            </a:r>
+            <a:r>
+              <a:rPr>
+                <a:solidFill>
+                  <a:srgbClr val="003B4F"/>
+                </a:solidFill>
+                <a:latin typeface="Courier"/>
+              </a:rPr>
+              <a:t>()</a:t>
+            </a:r>
+            <a:br/>
+            <a:r>
+              <a:rPr>
+                <a:solidFill>
+                  <a:srgbClr val="4758AB"/>
+                </a:solidFill>
+                <a:latin typeface="Courier"/>
+              </a:rPr>
+              <a:t>toc</a:t>
+            </a:r>
+            <a:r>
+              <a:rPr>
+                <a:solidFill>
+                  <a:srgbClr val="003B4F"/>
+                </a:solidFill>
+                <a:latin typeface="Courier"/>
+              </a:rPr>
+              <a:t>()</a:t>
+            </a:r>
+          </a:p>
+          <a:p>
+            <a:pPr lvl="0" indent="0">
+              <a:buNone/>
+            </a:pPr>
+            <a:r>
+              <a:rPr>
+                <a:latin typeface="Courier"/>
+              </a:rPr>
+              <a:t>0.07 sec elapsed</a:t>
+            </a:r>
+          </a:p>
+          <a:p>
+            <a:pPr lvl="0" indent="0">
+              <a:buNone/>
+            </a:pPr>
+            <a:r>
+              <a:rPr>
+                <a:latin typeface="Courier"/>
+              </a:rPr>
+              <a:t># A tibble: 919 × 4
+   state analyte   avg_result group_n
+   &lt;chr&gt; &lt;chr&gt;          &lt;dbl&gt;   &lt;int&gt;
+ 1 AL    AMMONIA_N       0.02      98
+ 2 AL    ANC           585.        90
+ 3 AL    CALCIUM         9.29     106
+ 4 AL    CHLA           20.7       93
+ 5 AL    CHLORIDE        3.56     107
+ 6 AL    COLOR          19.1      103
+ 7 AL    COND          105.        89
+ 8 AL    DOC             4.61      91
+ 9 AL    MAGNESIUM       3.29     100
+10 AL    NITRATE_N       0.09      89
+# ℹ 909 more rows</a:t>
+            </a:r>
+          </a:p>
+        </p:txBody>
+      </p:sp>
+    </p:spTree>
+  </p:cSld>
+</p:sld>
+</file>
+
+<file path=ppt/slides/slide28.xml><?xml version="1.0" encoding="utf-8"?>
+<p:sld xmlns:a="http://schemas.openxmlformats.org/drawingml/2006/main" xmlns:r="http://schemas.openxmlformats.org/officeDocument/2006/relationships" xmlns:p="http://schemas.openxmlformats.org/presentationml/2006/main">
+  <p:cSld>
+    <p:spTree>
+      <p:nvGrpSpPr>
+        <p:cNvPr id="1" name=""/>
+        <p:cNvGrpSpPr/>
+        <p:nvPr/>
+      </p:nvGrpSpPr>
+      <p:grpSpPr>
+        <a:xfrm>
+          <a:off x="0" y="0"/>
+          <a:ext cx="0" cy="0"/>
+          <a:chOff x="0" y="0"/>
+          <a:chExt cx="0" cy="0"/>
+        </a:xfrm>
+      </p:grpSpPr>
+      <p:sp>
+        <p:nvSpPr>
+          <p:cNvPr id="2" name="Title 1"/>
+          <p:cNvSpPr>
+            <a:spLocks noGrp="1"/>
+          </p:cNvSpPr>
+          <p:nvPr>
+            <p:ph type="title"/>
+          </p:nvPr>
+        </p:nvSpPr>
+        <p:spPr/>
+        <p:txBody>
+          <a:bodyPr/>
+          <a:lstStyle/>
+          <a:p>
+            <a:pPr lvl="0" indent="0" marL="0">
+              <a:buNone/>
+            </a:pPr>
+            <a:r>
+              <a:rPr/>
+              <a:t>Summarizing data - arrow::read_feather</a:t>
+            </a:r>
+          </a:p>
+        </p:txBody>
+      </p:sp>
+      <p:sp>
+        <p:nvSpPr>
+          <p:cNvPr id="3" name="Content Placeholder 2"/>
+          <p:cNvSpPr>
+            <a:spLocks noGrp="1"/>
+          </p:cNvSpPr>
+          <p:nvPr>
+            <p:ph idx="1"/>
+          </p:nvPr>
+        </p:nvSpPr>
+        <p:spPr/>
+        <p:txBody>
+          <a:bodyPr/>
+          <a:lstStyle/>
+          <a:p>
+            <a:pPr lvl="0" indent="0">
+              <a:buNone/>
+            </a:pPr>
+            <a:r>
+              <a:rPr>
+                <a:solidFill>
+                  <a:srgbClr val="003B4F"/>
+                </a:solidFill>
+                <a:latin typeface="Courier"/>
+              </a:rPr>
+              <a:t>df &lt;- </a:t>
+            </a:r>
+            <a:r>
+              <a:rPr>
+                <a:solidFill>
+                  <a:srgbClr val="4758AB"/>
+                </a:solidFill>
+                <a:latin typeface="Courier"/>
+              </a:rPr>
+              <a:t>read_feather</a:t>
+            </a:r>
+            <a:r>
+              <a:rPr>
+                <a:solidFill>
+                  <a:srgbClr val="003B4F"/>
+                </a:solidFill>
+                <a:latin typeface="Courier"/>
+              </a:rPr>
+              <a:t>(</a:t>
+            </a:r>
+            <a:r>
+              <a:rPr>
+                <a:solidFill>
+                  <a:srgbClr val="20794D"/>
+                </a:solidFill>
+                <a:latin typeface="Courier"/>
+              </a:rPr>
+              <a:t>"../data/nla_big.feather"</a:t>
+            </a:r>
+            <a:r>
+              <a:rPr>
+                <a:solidFill>
+                  <a:srgbClr val="003B4F"/>
+                </a:solidFill>
+                <a:latin typeface="Courier"/>
+              </a:rPr>
+              <a:t>, </a:t>
+            </a:r>
+            <a:r>
+              <a:rPr>
+                <a:solidFill>
+                  <a:srgbClr val="657422"/>
+                </a:solidFill>
+                <a:latin typeface="Courier"/>
+              </a:rPr>
+              <a:t>as_data_frame =</a:t>
+            </a:r>
+            <a:r>
+              <a:rPr>
+                <a:solidFill>
+                  <a:srgbClr val="003B4F"/>
+                </a:solidFill>
+                <a:latin typeface="Courier"/>
+              </a:rPr>
+              <a:t> </a:t>
+            </a:r>
+            <a:r>
+              <a:rPr>
+                <a:solidFill>
+                  <a:srgbClr val="8F5902"/>
+                </a:solidFill>
+                <a:latin typeface="Courier"/>
+              </a:rPr>
+              <a:t>FALSE</a:t>
+            </a:r>
+            <a:r>
+              <a:rPr>
+                <a:solidFill>
+                  <a:srgbClr val="003B4F"/>
+                </a:solidFill>
+                <a:latin typeface="Courier"/>
+              </a:rPr>
+              <a:t>)</a:t>
+            </a:r>
+            <a:br/>
+            <a:r>
+              <a:rPr>
+                <a:solidFill>
+                  <a:srgbClr val="4758AB"/>
+                </a:solidFill>
+                <a:latin typeface="Courier"/>
+              </a:rPr>
+              <a:t>tic</a:t>
+            </a:r>
+            <a:r>
+              <a:rPr>
+                <a:solidFill>
+                  <a:srgbClr val="003B4F"/>
+                </a:solidFill>
+                <a:latin typeface="Courier"/>
+              </a:rPr>
+              <a:t>()</a:t>
+            </a:r>
+            <a:br/>
+            <a:r>
+              <a:rPr>
+                <a:solidFill>
+                  <a:srgbClr val="003B4F"/>
+                </a:solidFill>
+                <a:latin typeface="Courier"/>
+              </a:rPr>
+              <a:t>df_f_sum &lt;- df </a:t>
+            </a:r>
+            <a:r>
+              <a:rPr>
+                <a:solidFill>
+                  <a:srgbClr val="5E5E5E"/>
+                </a:solidFill>
+                <a:latin typeface="Courier"/>
+              </a:rPr>
+              <a:t>|&gt;</a:t>
+            </a:r>
+            <a:br/>
+            <a:r>
+              <a:rPr>
+                <a:solidFill>
+                  <a:srgbClr val="003B4F"/>
+                </a:solidFill>
+                <a:latin typeface="Courier"/>
+              </a:rPr>
+              <a:t>  </a:t>
+            </a:r>
+            <a:r>
+              <a:rPr>
+                <a:solidFill>
+                  <a:srgbClr val="4758AB"/>
+                </a:solidFill>
+                <a:latin typeface="Courier"/>
+              </a:rPr>
+              <a:t>group_by</a:t>
+            </a:r>
+            <a:r>
+              <a:rPr>
+                <a:solidFill>
+                  <a:srgbClr val="003B4F"/>
+                </a:solidFill>
+                <a:latin typeface="Courier"/>
+              </a:rPr>
+              <a:t>(state, analyte) </a:t>
+            </a:r>
+            <a:r>
+              <a:rPr>
+                <a:solidFill>
+                  <a:srgbClr val="5E5E5E"/>
+                </a:solidFill>
+                <a:latin typeface="Courier"/>
+              </a:rPr>
+              <a:t>|&gt;</a:t>
+            </a:r>
+            <a:br/>
+            <a:r>
+              <a:rPr>
+                <a:solidFill>
+                  <a:srgbClr val="003B4F"/>
+                </a:solidFill>
+                <a:latin typeface="Courier"/>
+              </a:rPr>
+              <a:t>  </a:t>
+            </a:r>
+            <a:r>
+              <a:rPr>
+                <a:solidFill>
+                  <a:srgbClr val="4758AB"/>
+                </a:solidFill>
+                <a:latin typeface="Courier"/>
+              </a:rPr>
+              <a:t>summarize</a:t>
+            </a:r>
+            <a:r>
+              <a:rPr>
+                <a:solidFill>
+                  <a:srgbClr val="003B4F"/>
+                </a:solidFill>
+                <a:latin typeface="Courier"/>
+              </a:rPr>
+              <a:t>(</a:t>
+            </a:r>
+            <a:r>
+              <a:rPr>
+                <a:solidFill>
+                  <a:srgbClr val="657422"/>
+                </a:solidFill>
+                <a:latin typeface="Courier"/>
+              </a:rPr>
+              <a:t>avg_result =</a:t>
+            </a:r>
+            <a:r>
+              <a:rPr>
+                <a:solidFill>
+                  <a:srgbClr val="003B4F"/>
+                </a:solidFill>
+                <a:latin typeface="Courier"/>
+              </a:rPr>
+              <a:t> </a:t>
+            </a:r>
+            <a:r>
+              <a:rPr>
+                <a:solidFill>
+                  <a:srgbClr val="4758AB"/>
+                </a:solidFill>
+                <a:latin typeface="Courier"/>
+              </a:rPr>
+              <a:t>round</a:t>
+            </a:r>
+            <a:r>
+              <a:rPr>
+                <a:solidFill>
+                  <a:srgbClr val="003B4F"/>
+                </a:solidFill>
+                <a:latin typeface="Courier"/>
+              </a:rPr>
+              <a:t>(</a:t>
+            </a:r>
+            <a:r>
+              <a:rPr>
+                <a:solidFill>
+                  <a:srgbClr val="4758AB"/>
+                </a:solidFill>
+                <a:latin typeface="Courier"/>
+              </a:rPr>
+              <a:t>mean</a:t>
+            </a:r>
+            <a:r>
+              <a:rPr>
+                <a:solidFill>
+                  <a:srgbClr val="003B4F"/>
+                </a:solidFill>
+                <a:latin typeface="Courier"/>
+              </a:rPr>
+              <a:t>(result), </a:t>
+            </a:r>
+            <a:r>
+              <a:rPr>
+                <a:solidFill>
+                  <a:srgbClr val="AD0000"/>
+                </a:solidFill>
+                <a:latin typeface="Courier"/>
+              </a:rPr>
+              <a:t>2</a:t>
+            </a:r>
+            <a:r>
+              <a:rPr>
+                <a:solidFill>
+                  <a:srgbClr val="003B4F"/>
+                </a:solidFill>
+                <a:latin typeface="Courier"/>
+              </a:rPr>
+              <a:t>),</a:t>
+            </a:r>
+            <a:br/>
+            <a:r>
+              <a:rPr>
+                <a:solidFill>
+                  <a:srgbClr val="003B4F"/>
+                </a:solidFill>
+                <a:latin typeface="Courier"/>
+              </a:rPr>
+              <a:t>            </a:t>
+            </a:r>
+            <a:r>
+              <a:rPr>
+                <a:solidFill>
+                  <a:srgbClr val="657422"/>
+                </a:solidFill>
+                <a:latin typeface="Courier"/>
+              </a:rPr>
+              <a:t>group_n =</a:t>
+            </a:r>
+            <a:r>
+              <a:rPr>
+                <a:solidFill>
+                  <a:srgbClr val="003B4F"/>
+                </a:solidFill>
+                <a:latin typeface="Courier"/>
+              </a:rPr>
+              <a:t> </a:t>
+            </a:r>
+            <a:r>
+              <a:rPr>
+                <a:solidFill>
+                  <a:srgbClr val="4758AB"/>
+                </a:solidFill>
+                <a:latin typeface="Courier"/>
+              </a:rPr>
+              <a:t>n</a:t>
+            </a:r>
+            <a:r>
+              <a:rPr>
+                <a:solidFill>
+                  <a:srgbClr val="003B4F"/>
+                </a:solidFill>
+                <a:latin typeface="Courier"/>
+              </a:rPr>
+              <a:t>()) </a:t>
+            </a:r>
+            <a:r>
+              <a:rPr>
+                <a:solidFill>
+                  <a:srgbClr val="5E5E5E"/>
+                </a:solidFill>
+                <a:latin typeface="Courier"/>
+              </a:rPr>
+              <a:t>|&gt;</a:t>
+            </a:r>
+            <a:br/>
+            <a:r>
+              <a:rPr>
+                <a:solidFill>
+                  <a:srgbClr val="003B4F"/>
+                </a:solidFill>
+                <a:latin typeface="Courier"/>
+              </a:rPr>
+              <a:t>  </a:t>
+            </a:r>
+            <a:r>
+              <a:rPr>
+                <a:solidFill>
+                  <a:srgbClr val="4758AB"/>
+                </a:solidFill>
+                <a:latin typeface="Courier"/>
+              </a:rPr>
+              <a:t>ungroup</a:t>
+            </a:r>
+            <a:r>
+              <a:rPr>
+                <a:solidFill>
+                  <a:srgbClr val="003B4F"/>
+                </a:solidFill>
+                <a:latin typeface="Courier"/>
+              </a:rPr>
+              <a:t>()</a:t>
+            </a:r>
+            <a:br/>
+            <a:r>
+              <a:rPr>
+                <a:solidFill>
+                  <a:srgbClr val="4758AB"/>
+                </a:solidFill>
+                <a:latin typeface="Courier"/>
+              </a:rPr>
+              <a:t>toc</a:t>
+            </a:r>
+            <a:r>
+              <a:rPr>
+                <a:solidFill>
+                  <a:srgbClr val="003B4F"/>
+                </a:solidFill>
+                <a:latin typeface="Courier"/>
+              </a:rPr>
+              <a:t>()</a:t>
+            </a:r>
+          </a:p>
+          <a:p>
+            <a:pPr lvl="0" indent="0">
+              <a:buNone/>
+            </a:pPr>
+            <a:r>
+              <a:rPr>
+                <a:latin typeface="Courier"/>
+              </a:rPr>
+              <a:t>0.08 sec elapsed</a:t>
+            </a:r>
+          </a:p>
+        </p:txBody>
+      </p:sp>
+    </p:spTree>
+  </p:cSld>
+</p:sld>
+</file>
+
+<file path=ppt/slides/slide29.xml><?xml version="1.0" encoding="utf-8"?>
+<p:sld xmlns:a="http://schemas.openxmlformats.org/drawingml/2006/main" xmlns:r="http://schemas.openxmlformats.org/officeDocument/2006/relationships" xmlns:p="http://schemas.openxmlformats.org/presentationml/2006/main">
+  <p:cSld>
+    <p:spTree>
+      <p:nvGrpSpPr>
+        <p:cNvPr id="1" name=""/>
+        <p:cNvGrpSpPr/>
+        <p:nvPr/>
+      </p:nvGrpSpPr>
+      <p:grpSpPr>
+        <a:xfrm>
+          <a:off x="0" y="0"/>
+          <a:ext cx="0" cy="0"/>
+          <a:chOff x="0" y="0"/>
+          <a:chExt cx="0" cy="0"/>
+        </a:xfrm>
+      </p:grpSpPr>
+      <p:sp>
+        <p:nvSpPr>
+          <p:cNvPr id="2" name="Title 1"/>
+          <p:cNvSpPr>
+            <a:spLocks noGrp="1"/>
+          </p:cNvSpPr>
+          <p:nvPr>
+            <p:ph type="title"/>
+          </p:nvPr>
+        </p:nvSpPr>
+        <p:spPr/>
+        <p:txBody>
+          <a:bodyPr/>
+          <a:lstStyle/>
+          <a:p>
+            <a:pPr lvl="0" indent="0" marL="0">
+              <a:buNone/>
+            </a:pPr>
+            <a:r>
+              <a:rPr/>
+              <a:t>Summarizing data - arrow::open_dataset parquet multiple partitions</a:t>
+            </a:r>
+          </a:p>
+        </p:txBody>
+      </p:sp>
+      <p:sp>
+        <p:nvSpPr>
+          <p:cNvPr id="3" name="Content Placeholder 2"/>
+          <p:cNvSpPr>
+            <a:spLocks noGrp="1"/>
+          </p:cNvSpPr>
+          <p:nvPr>
+            <p:ph idx="1"/>
+          </p:nvPr>
+        </p:nvSpPr>
+        <p:spPr/>
+        <p:txBody>
+          <a:bodyPr/>
+          <a:lstStyle/>
+          <a:p>
+            <a:pPr lvl="0" indent="0">
+              <a:buNone/>
+            </a:pPr>
+            <a:r>
+              <a:rPr>
+                <a:solidFill>
+                  <a:srgbClr val="003B4F"/>
+                </a:solidFill>
+                <a:latin typeface="Courier"/>
+              </a:rPr>
+              <a:t>df &lt;- </a:t>
+            </a:r>
+            <a:r>
+              <a:rPr>
+                <a:solidFill>
+                  <a:srgbClr val="4758AB"/>
+                </a:solidFill>
+                <a:latin typeface="Courier"/>
+              </a:rPr>
+              <a:t>open_dataset</a:t>
+            </a:r>
+            <a:r>
+              <a:rPr>
+                <a:solidFill>
+                  <a:srgbClr val="003B4F"/>
+                </a:solidFill>
+                <a:latin typeface="Courier"/>
+              </a:rPr>
+              <a:t>(</a:t>
+            </a:r>
+            <a:r>
+              <a:rPr>
+                <a:solidFill>
+                  <a:srgbClr val="20794D"/>
+                </a:solidFill>
+                <a:latin typeface="Courier"/>
+              </a:rPr>
+              <a:t>"../data/nla_big"</a:t>
+            </a:r>
+            <a:r>
+              <a:rPr>
+                <a:solidFill>
+                  <a:srgbClr val="003B4F"/>
+                </a:solidFill>
+                <a:latin typeface="Courier"/>
+              </a:rPr>
+              <a:t>)</a:t>
+            </a:r>
+            <a:br/>
+            <a:r>
+              <a:rPr>
+                <a:solidFill>
+                  <a:srgbClr val="4758AB"/>
+                </a:solidFill>
+                <a:latin typeface="Courier"/>
+              </a:rPr>
+              <a:t>tic</a:t>
+            </a:r>
+            <a:r>
+              <a:rPr>
+                <a:solidFill>
+                  <a:srgbClr val="003B4F"/>
+                </a:solidFill>
+                <a:latin typeface="Courier"/>
+              </a:rPr>
+              <a:t>()</a:t>
+            </a:r>
+            <a:br/>
+            <a:r>
+              <a:rPr>
+                <a:solidFill>
+                  <a:srgbClr val="003B4F"/>
+                </a:solidFill>
+                <a:latin typeface="Courier"/>
+              </a:rPr>
+              <a:t>df_f_sum &lt;- df </a:t>
+            </a:r>
+            <a:r>
+              <a:rPr>
+                <a:solidFill>
+                  <a:srgbClr val="5E5E5E"/>
+                </a:solidFill>
+                <a:latin typeface="Courier"/>
+              </a:rPr>
+              <a:t>|&gt;</a:t>
+            </a:r>
+            <a:br/>
+            <a:r>
+              <a:rPr>
+                <a:solidFill>
+                  <a:srgbClr val="003B4F"/>
+                </a:solidFill>
+                <a:latin typeface="Courier"/>
+              </a:rPr>
+              <a:t>  </a:t>
+            </a:r>
+            <a:r>
+              <a:rPr>
+                <a:solidFill>
+                  <a:srgbClr val="4758AB"/>
+                </a:solidFill>
+                <a:latin typeface="Courier"/>
+              </a:rPr>
+              <a:t>group_by</a:t>
+            </a:r>
+            <a:r>
+              <a:rPr>
+                <a:solidFill>
+                  <a:srgbClr val="003B4F"/>
+                </a:solidFill>
+                <a:latin typeface="Courier"/>
+              </a:rPr>
+              <a:t>(state, analyte) </a:t>
+            </a:r>
+            <a:r>
+              <a:rPr>
+                <a:solidFill>
+                  <a:srgbClr val="5E5E5E"/>
+                </a:solidFill>
+                <a:latin typeface="Courier"/>
+              </a:rPr>
+              <a:t>|&gt;</a:t>
+            </a:r>
+            <a:br/>
+            <a:r>
+              <a:rPr>
+                <a:solidFill>
+                  <a:srgbClr val="003B4F"/>
+                </a:solidFill>
+                <a:latin typeface="Courier"/>
+              </a:rPr>
+              <a:t>  </a:t>
+            </a:r>
+            <a:r>
+              <a:rPr>
+                <a:solidFill>
+                  <a:srgbClr val="4758AB"/>
+                </a:solidFill>
+                <a:latin typeface="Courier"/>
+              </a:rPr>
+              <a:t>summarize</a:t>
+            </a:r>
+            <a:r>
+              <a:rPr>
+                <a:solidFill>
+                  <a:srgbClr val="003B4F"/>
+                </a:solidFill>
+                <a:latin typeface="Courier"/>
+              </a:rPr>
+              <a:t>(</a:t>
+            </a:r>
+            <a:r>
+              <a:rPr>
+                <a:solidFill>
+                  <a:srgbClr val="657422"/>
+                </a:solidFill>
+                <a:latin typeface="Courier"/>
+              </a:rPr>
+              <a:t>avg_result =</a:t>
+            </a:r>
+            <a:r>
+              <a:rPr>
+                <a:solidFill>
+                  <a:srgbClr val="003B4F"/>
+                </a:solidFill>
+                <a:latin typeface="Courier"/>
+              </a:rPr>
+              <a:t> </a:t>
+            </a:r>
+            <a:r>
+              <a:rPr>
+                <a:solidFill>
+                  <a:srgbClr val="4758AB"/>
+                </a:solidFill>
+                <a:latin typeface="Courier"/>
+              </a:rPr>
+              <a:t>round</a:t>
+            </a:r>
+            <a:r>
+              <a:rPr>
+                <a:solidFill>
+                  <a:srgbClr val="003B4F"/>
+                </a:solidFill>
+                <a:latin typeface="Courier"/>
+              </a:rPr>
+              <a:t>(</a:t>
+            </a:r>
+            <a:r>
+              <a:rPr>
+                <a:solidFill>
+                  <a:srgbClr val="4758AB"/>
+                </a:solidFill>
+                <a:latin typeface="Courier"/>
+              </a:rPr>
+              <a:t>mean</a:t>
+            </a:r>
+            <a:r>
+              <a:rPr>
+                <a:solidFill>
+                  <a:srgbClr val="003B4F"/>
+                </a:solidFill>
+                <a:latin typeface="Courier"/>
+              </a:rPr>
+              <a:t>(result), </a:t>
+            </a:r>
+            <a:r>
+              <a:rPr>
+                <a:solidFill>
+                  <a:srgbClr val="AD0000"/>
+                </a:solidFill>
+                <a:latin typeface="Courier"/>
+              </a:rPr>
+              <a:t>2</a:t>
+            </a:r>
+            <a:r>
+              <a:rPr>
+                <a:solidFill>
+                  <a:srgbClr val="003B4F"/>
+                </a:solidFill>
+                <a:latin typeface="Courier"/>
+              </a:rPr>
+              <a:t>),</a:t>
+            </a:r>
+            <a:br/>
+            <a:r>
+              <a:rPr>
+                <a:solidFill>
+                  <a:srgbClr val="003B4F"/>
+                </a:solidFill>
+                <a:latin typeface="Courier"/>
+              </a:rPr>
+              <a:t>            </a:t>
+            </a:r>
+            <a:r>
+              <a:rPr>
+                <a:solidFill>
+                  <a:srgbClr val="657422"/>
+                </a:solidFill>
+                <a:latin typeface="Courier"/>
+              </a:rPr>
+              <a:t>group_n =</a:t>
+            </a:r>
+            <a:r>
+              <a:rPr>
+                <a:solidFill>
+                  <a:srgbClr val="003B4F"/>
+                </a:solidFill>
+                <a:latin typeface="Courier"/>
+              </a:rPr>
+              <a:t> </a:t>
+            </a:r>
+            <a:r>
+              <a:rPr>
+                <a:solidFill>
+                  <a:srgbClr val="4758AB"/>
+                </a:solidFill>
+                <a:latin typeface="Courier"/>
+              </a:rPr>
+              <a:t>n</a:t>
+            </a:r>
+            <a:r>
+              <a:rPr>
+                <a:solidFill>
+                  <a:srgbClr val="003B4F"/>
+                </a:solidFill>
+                <a:latin typeface="Courier"/>
+              </a:rPr>
+              <a:t>()) </a:t>
+            </a:r>
+            <a:r>
+              <a:rPr>
+                <a:solidFill>
+                  <a:srgbClr val="5E5E5E"/>
+                </a:solidFill>
+                <a:latin typeface="Courier"/>
+              </a:rPr>
+              <a:t>|&gt;</a:t>
+            </a:r>
+            <a:br/>
+            <a:r>
+              <a:rPr>
+                <a:solidFill>
+                  <a:srgbClr val="003B4F"/>
+                </a:solidFill>
+                <a:latin typeface="Courier"/>
+              </a:rPr>
+              <a:t>  </a:t>
+            </a:r>
+            <a:r>
+              <a:rPr>
+                <a:solidFill>
+                  <a:srgbClr val="4758AB"/>
+                </a:solidFill>
+                <a:latin typeface="Courier"/>
+              </a:rPr>
+              <a:t>ungroup</a:t>
+            </a:r>
+            <a:r>
+              <a:rPr>
+                <a:solidFill>
+                  <a:srgbClr val="003B4F"/>
+                </a:solidFill>
+                <a:latin typeface="Courier"/>
+              </a:rPr>
+              <a:t>() </a:t>
+            </a:r>
+            <a:r>
+              <a:rPr>
+                <a:solidFill>
+                  <a:srgbClr val="5E5E5E"/>
+                </a:solidFill>
+                <a:latin typeface="Courier"/>
+              </a:rPr>
+              <a:t>|&gt;</a:t>
+            </a:r>
+            <a:br/>
+            <a:r>
+              <a:rPr>
+                <a:solidFill>
+                  <a:srgbClr val="003B4F"/>
+                </a:solidFill>
+                <a:latin typeface="Courier"/>
+              </a:rPr>
+              <a:t>  </a:t>
+            </a:r>
+            <a:r>
+              <a:rPr>
+                <a:solidFill>
+                  <a:srgbClr val="4758AB"/>
+                </a:solidFill>
+                <a:latin typeface="Courier"/>
+              </a:rPr>
+              <a:t>collect</a:t>
+            </a:r>
+            <a:r>
+              <a:rPr>
+                <a:solidFill>
+                  <a:srgbClr val="003B4F"/>
+                </a:solidFill>
+                <a:latin typeface="Courier"/>
+              </a:rPr>
+              <a:t>()</a:t>
+            </a:r>
+            <a:br/>
+            <a:r>
+              <a:rPr>
+                <a:solidFill>
+                  <a:srgbClr val="4758AB"/>
+                </a:solidFill>
+                <a:latin typeface="Courier"/>
+              </a:rPr>
+              <a:t>toc</a:t>
+            </a:r>
+            <a:r>
+              <a:rPr>
+                <a:solidFill>
+                  <a:srgbClr val="003B4F"/>
+                </a:solidFill>
+                <a:latin typeface="Courier"/>
+              </a:rPr>
+              <a:t>()</a:t>
+            </a:r>
+          </a:p>
+          <a:p>
+            <a:pPr lvl="0" indent="0">
+              <a:buNone/>
+            </a:pPr>
+            <a:r>
+              <a:rPr>
+                <a:latin typeface="Courier"/>
+              </a:rPr>
+              <a:t>0.23 sec elapsed</a:t>
+            </a:r>
+          </a:p>
+        </p:txBody>
+      </p:sp>
+    </p:spTree>
+  </p:cSld>
+</p:sld>
+</file>
+
+<file path=ppt/slides/slide3.xml><?xml version="1.0" encoding="utf-8"?>
+<p:sld xmlns:a="http://schemas.openxmlformats.org/drawingml/2006/main" xmlns:r="http://schemas.openxmlformats.org/officeDocument/2006/relationships" xmlns:p="http://schemas.openxmlformats.org/presentationml/2006/main">
+  <p:cSld>
+    <p:spTree>
+      <p:nvGrpSpPr>
+        <p:cNvPr id="1" name=""/>
+        <p:cNvGrpSpPr/>
+        <p:nvPr/>
+      </p:nvGrpSpPr>
+      <p:grpSpPr>
+        <a:xfrm>
+          <a:off x="0" y="0"/>
+          <a:ext cx="0" cy="0"/>
+          <a:chOff x="0" y="0"/>
+          <a:chExt cx="0" cy="0"/>
+        </a:xfrm>
+      </p:grpSpPr>
+      <p:sp>
+        <p:nvSpPr>
+          <p:cNvPr id="2" name="Title 1"/>
+          <p:cNvSpPr>
+            <a:spLocks noGrp="1"/>
+          </p:cNvSpPr>
+          <p:nvPr>
+            <p:ph type="title"/>
+          </p:nvPr>
+        </p:nvSpPr>
+        <p:spPr/>
+        <p:txBody>
+          <a:bodyPr/>
+          <a:lstStyle/>
+          <a:p>
+            <a:pPr lvl="0" indent="0" marL="0">
+              <a:buNone/>
+            </a:pPr>
+            <a:r>
+              <a:rPr/>
+              <a:t>Outline</a:t>
+            </a:r>
+          </a:p>
+        </p:txBody>
+      </p:sp>
+      <p:sp>
+        <p:nvSpPr>
+          <p:cNvPr id="3" name="Content Placeholder 2"/>
+          <p:cNvSpPr>
+            <a:spLocks noGrp="1"/>
+          </p:cNvSpPr>
+          <p:nvPr>
+            <p:ph idx="1"/>
+          </p:nvPr>
+        </p:nvSpPr>
+        <p:spPr/>
+        <p:txBody>
+          <a:bodyPr/>
+          <a:lstStyle/>
+          <a:p>
+            <a:pPr lvl="0"/>
+            <a:r>
+              <a:rPr/>
+              <a:t>The examples</a:t>
+            </a:r>
+          </a:p>
+          <a:p>
+            <a:pPr lvl="0"/>
+            <a:r>
+              <a:rPr/>
+              <a:t>Writing data</a:t>
+            </a:r>
+          </a:p>
+          <a:p>
+            <a:pPr lvl="0"/>
+            <a:r>
+              <a:rPr/>
+              <a:t>Reading data</a:t>
+            </a:r>
+          </a:p>
+          <a:p>
+            <a:pPr lvl="0"/>
+            <a:r>
+              <a:rPr/>
+              <a:t>File sizes</a:t>
+            </a:r>
+          </a:p>
+          <a:p>
+            <a:pPr lvl="0"/>
+            <a:r>
+              <a:rPr/>
+              <a:t>Summarizing data</a:t>
+            </a:r>
+          </a:p>
+          <a:p>
+            <a:pPr lvl="0"/>
+            <a:r>
+              <a:rPr/>
+              <a:t>S3</a:t>
+            </a:r>
+          </a:p>
+        </p:txBody>
+      </p:sp>
+    </p:spTree>
+  </p:cSld>
+</p:sld>
+</file>
+
+<file path=ppt/slides/slide30.xml><?xml version="1.0" encoding="utf-8"?>
+<p:sld xmlns:a="http://schemas.openxmlformats.org/drawingml/2006/main" xmlns:r="http://schemas.openxmlformats.org/officeDocument/2006/relationships" xmlns:p="http://schemas.openxmlformats.org/presentationml/2006/main">
+  <p:cSld>
+    <p:spTree>
+      <p:nvGrpSpPr>
+        <p:cNvPr id="1" name=""/>
+        <p:cNvGrpSpPr/>
+        <p:nvPr/>
+      </p:nvGrpSpPr>
+      <p:grpSpPr>
+        <a:xfrm>
+          <a:off x="0" y="0"/>
+          <a:ext cx="0" cy="0"/>
+          <a:chOff x="0" y="0"/>
+          <a:chExt cx="0" cy="0"/>
+        </a:xfrm>
+      </p:grpSpPr>
+      <p:sp>
+        <p:nvSpPr>
+          <p:cNvPr id="2" name="Title 1"/>
+          <p:cNvSpPr>
+            <a:spLocks noGrp="1"/>
+          </p:cNvSpPr>
+          <p:nvPr>
+            <p:ph type="title"/>
+          </p:nvPr>
+        </p:nvSpPr>
+        <p:spPr/>
+        <p:txBody>
+          <a:bodyPr/>
+          <a:lstStyle/>
+          <a:p>
+            <a:pPr lvl="0" indent="0" marL="0">
+              <a:buNone/>
+            </a:pPr>
+            <a:r>
+              <a:rPr/>
+              <a:t>Summarizing data - arrow::open_dataset parquet</a:t>
+            </a:r>
+          </a:p>
+        </p:txBody>
+      </p:sp>
+      <p:sp>
+        <p:nvSpPr>
+          <p:cNvPr id="3" name="Content Placeholder 2"/>
+          <p:cNvSpPr>
+            <a:spLocks noGrp="1"/>
+          </p:cNvSpPr>
+          <p:nvPr>
+            <p:ph idx="1"/>
+          </p:nvPr>
+        </p:nvSpPr>
+        <p:spPr/>
+        <p:txBody>
+          <a:bodyPr/>
+          <a:lstStyle/>
+          <a:p>
+            <a:pPr lvl="0" indent="0">
+              <a:buNone/>
+            </a:pPr>
+            <a:r>
+              <a:rPr>
+                <a:solidFill>
+                  <a:srgbClr val="003B4F"/>
+                </a:solidFill>
+                <a:latin typeface="Courier"/>
+              </a:rPr>
+              <a:t>df &lt;- </a:t>
+            </a:r>
+            <a:r>
+              <a:rPr>
+                <a:solidFill>
+                  <a:srgbClr val="4758AB"/>
+                </a:solidFill>
+                <a:latin typeface="Courier"/>
+              </a:rPr>
+              <a:t>open_dataset</a:t>
+            </a:r>
+            <a:r>
+              <a:rPr>
+                <a:solidFill>
+                  <a:srgbClr val="003B4F"/>
+                </a:solidFill>
+                <a:latin typeface="Courier"/>
+              </a:rPr>
+              <a:t>(</a:t>
+            </a:r>
+            <a:r>
+              <a:rPr>
+                <a:solidFill>
+                  <a:srgbClr val="20794D"/>
+                </a:solidFill>
+                <a:latin typeface="Courier"/>
+              </a:rPr>
+              <a:t>"../data/nla_big.parquet"</a:t>
+            </a:r>
+            <a:r>
+              <a:rPr>
+                <a:solidFill>
+                  <a:srgbClr val="003B4F"/>
+                </a:solidFill>
+                <a:latin typeface="Courier"/>
+              </a:rPr>
+              <a:t>)</a:t>
+            </a:r>
+            <a:br/>
+            <a:r>
+              <a:rPr>
+                <a:solidFill>
+                  <a:srgbClr val="4758AB"/>
+                </a:solidFill>
+                <a:latin typeface="Courier"/>
+              </a:rPr>
+              <a:t>tic</a:t>
+            </a:r>
+            <a:r>
+              <a:rPr>
+                <a:solidFill>
+                  <a:srgbClr val="003B4F"/>
+                </a:solidFill>
+                <a:latin typeface="Courier"/>
+              </a:rPr>
+              <a:t>()</a:t>
+            </a:r>
+            <a:br/>
+            <a:r>
+              <a:rPr>
+                <a:solidFill>
+                  <a:srgbClr val="003B4F"/>
+                </a:solidFill>
+                <a:latin typeface="Courier"/>
+              </a:rPr>
+              <a:t>df_f_sum &lt;- df </a:t>
+            </a:r>
+            <a:r>
+              <a:rPr>
+                <a:solidFill>
+                  <a:srgbClr val="5E5E5E"/>
+                </a:solidFill>
+                <a:latin typeface="Courier"/>
+              </a:rPr>
+              <a:t>|&gt;</a:t>
+            </a:r>
+            <a:br/>
+            <a:r>
+              <a:rPr>
+                <a:solidFill>
+                  <a:srgbClr val="003B4F"/>
+                </a:solidFill>
+                <a:latin typeface="Courier"/>
+              </a:rPr>
+              <a:t>  </a:t>
+            </a:r>
+            <a:r>
+              <a:rPr>
+                <a:solidFill>
+                  <a:srgbClr val="4758AB"/>
+                </a:solidFill>
+                <a:latin typeface="Courier"/>
+              </a:rPr>
+              <a:t>group_by</a:t>
+            </a:r>
+            <a:r>
+              <a:rPr>
+                <a:solidFill>
+                  <a:srgbClr val="003B4F"/>
+                </a:solidFill>
+                <a:latin typeface="Courier"/>
+              </a:rPr>
+              <a:t>(state, analyte) </a:t>
+            </a:r>
+            <a:r>
+              <a:rPr>
+                <a:solidFill>
+                  <a:srgbClr val="5E5E5E"/>
+                </a:solidFill>
+                <a:latin typeface="Courier"/>
+              </a:rPr>
+              <a:t>|&gt;</a:t>
+            </a:r>
+            <a:br/>
+            <a:r>
+              <a:rPr>
+                <a:solidFill>
+                  <a:srgbClr val="003B4F"/>
+                </a:solidFill>
+                <a:latin typeface="Courier"/>
+              </a:rPr>
+              <a:t>  </a:t>
+            </a:r>
+            <a:r>
+              <a:rPr>
+                <a:solidFill>
+                  <a:srgbClr val="4758AB"/>
+                </a:solidFill>
+                <a:latin typeface="Courier"/>
+              </a:rPr>
+              <a:t>summarize</a:t>
+            </a:r>
+            <a:r>
+              <a:rPr>
+                <a:solidFill>
+                  <a:srgbClr val="003B4F"/>
+                </a:solidFill>
+                <a:latin typeface="Courier"/>
+              </a:rPr>
+              <a:t>(</a:t>
+            </a:r>
+            <a:r>
+              <a:rPr>
+                <a:solidFill>
+                  <a:srgbClr val="657422"/>
+                </a:solidFill>
+                <a:latin typeface="Courier"/>
+              </a:rPr>
+              <a:t>avg_result =</a:t>
+            </a:r>
+            <a:r>
+              <a:rPr>
+                <a:solidFill>
+                  <a:srgbClr val="003B4F"/>
+                </a:solidFill>
+                <a:latin typeface="Courier"/>
+              </a:rPr>
+              <a:t> </a:t>
+            </a:r>
+            <a:r>
+              <a:rPr>
+                <a:solidFill>
+                  <a:srgbClr val="4758AB"/>
+                </a:solidFill>
+                <a:latin typeface="Courier"/>
+              </a:rPr>
+              <a:t>round</a:t>
+            </a:r>
+            <a:r>
+              <a:rPr>
+                <a:solidFill>
+                  <a:srgbClr val="003B4F"/>
+                </a:solidFill>
+                <a:latin typeface="Courier"/>
+              </a:rPr>
+              <a:t>(</a:t>
+            </a:r>
+            <a:r>
+              <a:rPr>
+                <a:solidFill>
+                  <a:srgbClr val="4758AB"/>
+                </a:solidFill>
+                <a:latin typeface="Courier"/>
+              </a:rPr>
+              <a:t>mean</a:t>
+            </a:r>
+            <a:r>
+              <a:rPr>
+                <a:solidFill>
+                  <a:srgbClr val="003B4F"/>
+                </a:solidFill>
+                <a:latin typeface="Courier"/>
+              </a:rPr>
+              <a:t>(result), </a:t>
+            </a:r>
+            <a:r>
+              <a:rPr>
+                <a:solidFill>
+                  <a:srgbClr val="AD0000"/>
+                </a:solidFill>
+                <a:latin typeface="Courier"/>
+              </a:rPr>
+              <a:t>2</a:t>
+            </a:r>
+            <a:r>
+              <a:rPr>
+                <a:solidFill>
+                  <a:srgbClr val="003B4F"/>
+                </a:solidFill>
+                <a:latin typeface="Courier"/>
+              </a:rPr>
+              <a:t>),</a:t>
+            </a:r>
+            <a:br/>
+            <a:r>
+              <a:rPr>
+                <a:solidFill>
+                  <a:srgbClr val="003B4F"/>
+                </a:solidFill>
+                <a:latin typeface="Courier"/>
+              </a:rPr>
+              <a:t>            </a:t>
+            </a:r>
+            <a:r>
+              <a:rPr>
+                <a:solidFill>
+                  <a:srgbClr val="657422"/>
+                </a:solidFill>
+                <a:latin typeface="Courier"/>
+              </a:rPr>
+              <a:t>group_n =</a:t>
+            </a:r>
+            <a:r>
+              <a:rPr>
+                <a:solidFill>
+                  <a:srgbClr val="003B4F"/>
+                </a:solidFill>
+                <a:latin typeface="Courier"/>
+              </a:rPr>
+              <a:t> </a:t>
+            </a:r>
+            <a:r>
+              <a:rPr>
+                <a:solidFill>
+                  <a:srgbClr val="4758AB"/>
+                </a:solidFill>
+                <a:latin typeface="Courier"/>
+              </a:rPr>
+              <a:t>n</a:t>
+            </a:r>
+            <a:r>
+              <a:rPr>
+                <a:solidFill>
+                  <a:srgbClr val="003B4F"/>
+                </a:solidFill>
+                <a:latin typeface="Courier"/>
+              </a:rPr>
+              <a:t>()) </a:t>
+            </a:r>
+            <a:r>
+              <a:rPr>
+                <a:solidFill>
+                  <a:srgbClr val="5E5E5E"/>
+                </a:solidFill>
+                <a:latin typeface="Courier"/>
+              </a:rPr>
+              <a:t>|&gt;</a:t>
+            </a:r>
+            <a:br/>
+            <a:r>
+              <a:rPr>
+                <a:solidFill>
+                  <a:srgbClr val="003B4F"/>
+                </a:solidFill>
+                <a:latin typeface="Courier"/>
+              </a:rPr>
+              <a:t>  </a:t>
+            </a:r>
+            <a:r>
+              <a:rPr>
+                <a:solidFill>
+                  <a:srgbClr val="4758AB"/>
+                </a:solidFill>
+                <a:latin typeface="Courier"/>
+              </a:rPr>
+              <a:t>ungroup</a:t>
+            </a:r>
+            <a:r>
+              <a:rPr>
+                <a:solidFill>
+                  <a:srgbClr val="003B4F"/>
+                </a:solidFill>
+                <a:latin typeface="Courier"/>
+              </a:rPr>
+              <a:t>() </a:t>
+            </a:r>
+            <a:r>
+              <a:rPr>
+                <a:solidFill>
+                  <a:srgbClr val="5E5E5E"/>
+                </a:solidFill>
+                <a:latin typeface="Courier"/>
+              </a:rPr>
+              <a:t>|&gt;</a:t>
+            </a:r>
+            <a:br/>
+            <a:r>
+              <a:rPr>
+                <a:solidFill>
+                  <a:srgbClr val="003B4F"/>
+                </a:solidFill>
+                <a:latin typeface="Courier"/>
+              </a:rPr>
+              <a:t>  </a:t>
+            </a:r>
+            <a:r>
+              <a:rPr>
+                <a:solidFill>
+                  <a:srgbClr val="4758AB"/>
+                </a:solidFill>
+                <a:latin typeface="Courier"/>
+              </a:rPr>
+              <a:t>collect</a:t>
+            </a:r>
+            <a:r>
+              <a:rPr>
+                <a:solidFill>
+                  <a:srgbClr val="003B4F"/>
+                </a:solidFill>
+                <a:latin typeface="Courier"/>
+              </a:rPr>
+              <a:t>()</a:t>
+            </a:r>
+            <a:br/>
+            <a:r>
+              <a:rPr>
+                <a:solidFill>
+                  <a:srgbClr val="4758AB"/>
+                </a:solidFill>
+                <a:latin typeface="Courier"/>
+              </a:rPr>
+              <a:t>toc</a:t>
+            </a:r>
+            <a:r>
+              <a:rPr>
+                <a:solidFill>
+                  <a:srgbClr val="003B4F"/>
+                </a:solidFill>
+                <a:latin typeface="Courier"/>
+              </a:rPr>
+              <a:t>()</a:t>
+            </a:r>
+          </a:p>
+          <a:p>
+            <a:pPr lvl="0" indent="0">
+              <a:buNone/>
+            </a:pPr>
+            <a:r>
+              <a:rPr>
+                <a:latin typeface="Courier"/>
+              </a:rPr>
+              <a:t>0.11 sec elapsed</a:t>
+            </a:r>
+          </a:p>
+        </p:txBody>
+      </p:sp>
+    </p:spTree>
+  </p:cSld>
+</p:sld>
+</file>
+
+<file path=ppt/slides/slide31.xml><?xml version="1.0" encoding="utf-8"?>
+<p:sld xmlns:a="http://schemas.openxmlformats.org/drawingml/2006/main" xmlns:r="http://schemas.openxmlformats.org/officeDocument/2006/relationships" xmlns:p="http://schemas.openxmlformats.org/presentationml/2006/main">
+  <p:cSld>
+    <p:spTree>
+      <p:nvGrpSpPr>
+        <p:cNvPr id="1" name=""/>
+        <p:cNvGrpSpPr/>
+        <p:nvPr/>
+      </p:nvGrpSpPr>
+      <p:grpSpPr>
+        <a:xfrm>
+          <a:off x="0" y="0"/>
+          <a:ext cx="0" cy="0"/>
+          <a:chOff x="0" y="0"/>
+          <a:chExt cx="0" cy="0"/>
+        </a:xfrm>
+      </p:grpSpPr>
+      <p:sp>
+        <p:nvSpPr>
+          <p:cNvPr id="2" name="Title 1"/>
+          <p:cNvSpPr>
+            <a:spLocks noGrp="1"/>
+          </p:cNvSpPr>
+          <p:nvPr>
+            <p:ph type="title"/>
+          </p:nvPr>
+        </p:nvSpPr>
+        <p:spPr/>
+        <p:txBody>
+          <a:bodyPr/>
+          <a:lstStyle/>
+          <a:p>
+            <a:pPr lvl="0" indent="0" marL="0">
+              <a:buNone/>
+            </a:pPr>
+            <a:r>
+              <a:rPr/>
+              <a:t>Summarizing data - Times</a:t>
+            </a:r>
+          </a:p>
+        </p:txBody>
+      </p:sp>
+      <p:graphicFrame>
+        <p:nvGraphicFramePr>
+          <p:cNvPr id="6" name="Content Placeholder 5"/>
+          <p:cNvGraphicFramePr>
+            <a:graphicFrameLocks noGrp="1"/>
+          </p:cNvGraphicFramePr>
+          <p:nvPr>
+            <p:ph idx="1"/>
+          </p:nvPr>
+        </p:nvGraphicFramePr>
+        <p:xfrm>
+          <a:off x="457200" y="1193800"/>
+          <a:ext cx="8229600" cy="3390900"/>
+        </p:xfrm>
+        <a:graphic>
+          <a:graphicData uri="http://schemas.openxmlformats.org/drawingml/2006/table">
+            <a:tbl>
+              <a:tblPr firstRow="1" bandRow="1">
+                <a:tableStyleId>{5C22544A-7EE6-4342-B048-85BDC9FD1C3A}</a:tableStyleId>
+              </a:tblPr>
+              <a:tblGrid>
+                <a:gridCol w="4114800"/>
+                <a:gridCol w="4114800"/>
+              </a:tblGrid>
+              <a:tr h="0">
+                <a:tc>
+                  <a:txBody>
+                    <a:bodyPr/>
+                    <a:lstStyle/>
+                    <a:p>
+                      <a:pPr lvl="0" indent="0" marL="0" algn="l">
+                        <a:buNone/>
+                      </a:pPr>
+                      <a:r>
+                        <a:rPr/>
+                        <a:t>function</a:t>
+                      </a:r>
+                    </a:p>
+                  </a:txBody>
+                  <a:tcPr/>
+                </a:tc>
+                <a:tc>
+                  <a:txBody>
+                    <a:bodyPr/>
+                    <a:lstStyle/>
+                    <a:p>
+                      <a:pPr lvl="0" indent="0" marL="0" algn="r">
+                        <a:buNone/>
+                      </a:pPr>
+                      <a:r>
+                        <a:rPr/>
+                        <a:t>time</a:t>
+                      </a:r>
+                    </a:p>
+                  </a:txBody>
+                  <a:tcPr/>
+                </a:tc>
+              </a:tr>
+              <a:tr h="0">
+                <a:tc>
+                  <a:txBody>
+                    <a:bodyPr/>
+                    <a:lstStyle/>
+                    <a:p>
+                      <a:pPr lvl="0" indent="0" marL="0" algn="l">
+                        <a:buNone/>
+                      </a:pPr>
+                      <a:r>
+                        <a:rPr/>
+                        <a:t>arrow::open_dataset multiple partitions</a:t>
+                      </a:r>
+                    </a:p>
+                  </a:txBody>
+                </a:tc>
+                <a:tc>
+                  <a:txBody>
+                    <a:bodyPr/>
+                    <a:lstStyle/>
+                    <a:p>
+                      <a:pPr lvl="0" indent="0" marL="0" algn="r">
+                        <a:buNone/>
+                      </a:pPr>
+                      <a:r>
+                        <a:rPr/>
+                        <a:t>0.2 [s]</a:t>
+                      </a:r>
+                    </a:p>
+                  </a:txBody>
+                </a:tc>
+              </a:tr>
+              <a:tr h="0">
+                <a:tc>
+                  <a:txBody>
+                    <a:bodyPr/>
+                    <a:lstStyle/>
+                    <a:p>
+                      <a:pPr lvl="0" indent="0" marL="0" algn="l">
+                        <a:buNone/>
+                      </a:pPr>
+                      <a:r>
+                        <a:rPr/>
+                        <a:t>readr::read_csv</a:t>
+                      </a:r>
+                    </a:p>
+                  </a:txBody>
+                </a:tc>
+                <a:tc>
+                  <a:txBody>
+                    <a:bodyPr/>
+                    <a:lstStyle/>
+                    <a:p>
+                      <a:pPr lvl="0" indent="0" marL="0" algn="r">
+                        <a:buNone/>
+                      </a:pPr>
+                      <a:r>
+                        <a:rPr/>
+                        <a:t>0.1 [s]</a:t>
+                      </a:r>
+                    </a:p>
+                  </a:txBody>
+                </a:tc>
+              </a:tr>
+              <a:tr h="0">
+                <a:tc>
+                  <a:txBody>
+                    <a:bodyPr/>
+                    <a:lstStyle/>
+                    <a:p>
+                      <a:pPr lvl="0" indent="0" marL="0" algn="l">
+                        <a:buNone/>
+                      </a:pPr>
+                      <a:r>
+                        <a:rPr/>
+                        <a:t>data.table::fread</a:t>
+                      </a:r>
+                    </a:p>
+                  </a:txBody>
+                </a:tc>
+                <a:tc>
+                  <a:txBody>
+                    <a:bodyPr/>
+                    <a:lstStyle/>
+                    <a:p>
+                      <a:pPr lvl="0" indent="0" marL="0" algn="r">
+                        <a:buNone/>
+                      </a:pPr>
+                      <a:r>
+                        <a:rPr/>
+                        <a:t>0.1 [s]</a:t>
                       </a:r>
                     </a:p>
                   </a:txBody>
@@ -6381,7 +9186,7 @@
                       </a:pPr>
                       <a:r>
                         <a:rPr/>
-                        <a:t>16.1 [s]</a:t>
+                        <a:t>0.1 [s]</a:t>
                       </a:r>
                     </a:p>
                   </a:txBody>
@@ -6413,7 +9218,7 @@
                       </a:pPr>
                       <a:r>
                         <a:rPr/>
-                        <a:t>0.2 [s]</a:t>
+                        <a:t>0.1 [s]</a:t>
                       </a:r>
                     </a:p>
                   </a:txBody>
@@ -6423,637 +9228,6 @@
           </a:graphicData>
         </a:graphic>
       </p:graphicFrame>
-    </p:spTree>
-  </p:cSld>
-</p:sld>
-</file>
-
-<file path=ppt/slides/slide26.xml><?xml version="1.0" encoding="utf-8"?>
-<p:sld xmlns:a="http://schemas.openxmlformats.org/drawingml/2006/main" xmlns:r="http://schemas.openxmlformats.org/officeDocument/2006/relationships" xmlns:p="http://schemas.openxmlformats.org/presentationml/2006/main">
-  <p:cSld>
-    <p:spTree>
-      <p:nvGrpSpPr>
-        <p:cNvPr id="1" name=""/>
-        <p:cNvGrpSpPr/>
-        <p:nvPr/>
-      </p:nvGrpSpPr>
-      <p:grpSpPr>
-        <a:xfrm>
-          <a:off x="0" y="0"/>
-          <a:ext cx="0" cy="0"/>
-          <a:chOff x="0" y="0"/>
-          <a:chExt cx="0" cy="0"/>
-        </a:xfrm>
-      </p:grpSpPr>
-      <p:sp>
-        <p:nvSpPr>
-          <p:cNvPr id="2" name="Title 1"/>
-          <p:cNvSpPr>
-            <a:spLocks noGrp="1"/>
-          </p:cNvSpPr>
-          <p:nvPr>
-            <p:ph type="title"/>
-          </p:nvPr>
-        </p:nvSpPr>
-        <p:spPr/>
-        <p:txBody>
-          <a:bodyPr/>
-          <a:lstStyle/>
-          <a:p>
-            <a:pPr lvl="0" indent="0" marL="0">
-              <a:buNone/>
-            </a:pPr>
-            <a:r>
-              <a:rPr/>
-              <a:t>Summarizing data</a:t>
-            </a:r>
-          </a:p>
-        </p:txBody>
-      </p:sp>
-      <p:sp>
-        <p:nvSpPr>
-          <p:cNvPr id="3" name="Content Placeholder 2"/>
-          <p:cNvSpPr>
-            <a:spLocks noGrp="1"/>
-          </p:cNvSpPr>
-          <p:nvPr>
-            <p:ph idx="1"/>
-          </p:nvPr>
-        </p:nvSpPr>
-        <p:spPr/>
-        <p:txBody>
-          <a:bodyPr/>
-          <a:lstStyle/>
-          <a:p>
-            <a:pPr lvl="0"/>
-            <a:r>
-              <a:rPr/>
-              <a:t>Take our 11 million+ rows and</a:t>
-            </a:r>
-          </a:p>
-          <a:p>
-            <a:pPr lvl="1"/>
-            <a:r>
-              <a:rPr/>
-              <a:t>group on state and analyte</a:t>
-            </a:r>
-          </a:p>
-          <a:p>
-            <a:pPr lvl="1"/>
-            <a:r>
-              <a:rPr/>
-              <a:t>provide state average for each analyte</a:t>
-            </a:r>
-          </a:p>
-          <a:p>
-            <a:pPr lvl="1"/>
-            <a:r>
-              <a:rPr/>
-              <a:t>count number of samples per group</a:t>
-            </a:r>
-          </a:p>
-        </p:txBody>
-      </p:sp>
-    </p:spTree>
-  </p:cSld>
-</p:sld>
-</file>
-
-<file path=ppt/slides/slide27.xml><?xml version="1.0" encoding="utf-8"?>
-<p:sld xmlns:a="http://schemas.openxmlformats.org/drawingml/2006/main" xmlns:r="http://schemas.openxmlformats.org/officeDocument/2006/relationships" xmlns:p="http://schemas.openxmlformats.org/presentationml/2006/main">
-  <p:cSld>
-    <p:spTree>
-      <p:nvGrpSpPr>
-        <p:cNvPr id="1" name=""/>
-        <p:cNvGrpSpPr/>
-        <p:nvPr/>
-      </p:nvGrpSpPr>
-      <p:grpSpPr>
-        <a:xfrm>
-          <a:off x="0" y="0"/>
-          <a:ext cx="0" cy="0"/>
-          <a:chOff x="0" y="0"/>
-          <a:chExt cx="0" cy="0"/>
-        </a:xfrm>
-      </p:grpSpPr>
-      <p:sp>
-        <p:nvSpPr>
-          <p:cNvPr id="2" name="Title 1"/>
-          <p:cNvSpPr>
-            <a:spLocks noGrp="1"/>
-          </p:cNvSpPr>
-          <p:nvPr>
-            <p:ph type="title"/>
-          </p:nvPr>
-        </p:nvSpPr>
-        <p:spPr/>
-        <p:txBody>
-          <a:bodyPr/>
-          <a:lstStyle/>
-          <a:p>
-            <a:pPr lvl="0" indent="0" marL="0">
-              <a:buNone/>
-            </a:pPr>
-            <a:r>
-              <a:rPr/>
-              <a:t>Summarizing data - readr::read_csv - in memory</a:t>
-            </a:r>
-          </a:p>
-        </p:txBody>
-      </p:sp>
-      <p:sp>
-        <p:nvSpPr>
-          <p:cNvPr id="3" name="Content Placeholder 2"/>
-          <p:cNvSpPr>
-            <a:spLocks noGrp="1"/>
-          </p:cNvSpPr>
-          <p:nvPr>
-            <p:ph idx="1"/>
-          </p:nvPr>
-        </p:nvSpPr>
-        <p:spPr/>
-        <p:txBody>
-          <a:bodyPr/>
-          <a:lstStyle/>
-          <a:p>
-            <a:pPr lvl="0" indent="0">
-              <a:buNone/>
-            </a:pPr>
-            <a:r>
-              <a:rPr>
-                <a:latin typeface="Courier"/>
-              </a:rPr>
-              <a:t>2.37 sec elapsed</a:t>
-            </a:r>
-          </a:p>
-          <a:p>
-            <a:pPr lvl="0" indent="0">
-              <a:buNone/>
-            </a:pPr>
-            <a:r>
-              <a:rPr>
-                <a:latin typeface="Courier"/>
-              </a:rPr>
-              <a:t>            used   (Mb) gc trigger   (Mb)   max used   (Mb)
-Ncells   1313596   70.2    2175608  116.2    2175608  116.2
-Vcells 541528256 4131.6 1242138249 9476.8 1134837638 8658.2</a:t>
-            </a:r>
-          </a:p>
-        </p:txBody>
-      </p:sp>
-    </p:spTree>
-  </p:cSld>
-</p:sld>
-</file>
-
-<file path=ppt/slides/slide28.xml><?xml version="1.0" encoding="utf-8"?>
-<p:sld xmlns:a="http://schemas.openxmlformats.org/drawingml/2006/main" xmlns:r="http://schemas.openxmlformats.org/officeDocument/2006/relationships" xmlns:p="http://schemas.openxmlformats.org/presentationml/2006/main">
-  <p:cSld>
-    <p:spTree>
-      <p:nvGrpSpPr>
-        <p:cNvPr id="1" name=""/>
-        <p:cNvGrpSpPr/>
-        <p:nvPr/>
-      </p:nvGrpSpPr>
-      <p:grpSpPr>
-        <a:xfrm>
-          <a:off x="0" y="0"/>
-          <a:ext cx="0" cy="0"/>
-          <a:chOff x="0" y="0"/>
-          <a:chExt cx="0" cy="0"/>
-        </a:xfrm>
-      </p:grpSpPr>
-      <p:sp>
-        <p:nvSpPr>
-          <p:cNvPr id="2" name="Title 1"/>
-          <p:cNvSpPr>
-            <a:spLocks noGrp="1"/>
-          </p:cNvSpPr>
-          <p:nvPr>
-            <p:ph type="title"/>
-          </p:nvPr>
-        </p:nvSpPr>
-        <p:spPr/>
-        <p:txBody>
-          <a:bodyPr/>
-          <a:lstStyle/>
-          <a:p>
-            <a:pPr lvl="0" indent="0" marL="0">
-              <a:buNone/>
-            </a:pPr>
-            <a:r>
-              <a:rPr/>
-              <a:t>Summarizing data - readr::read_csv - in memory</a:t>
-            </a:r>
-          </a:p>
-        </p:txBody>
-      </p:sp>
-      <p:sp>
-        <p:nvSpPr>
-          <p:cNvPr id="3" name="Content Placeholder 2"/>
-          <p:cNvSpPr>
-            <a:spLocks noGrp="1"/>
-          </p:cNvSpPr>
-          <p:nvPr>
-            <p:ph idx="1"/>
-          </p:nvPr>
-        </p:nvSpPr>
-        <p:spPr/>
-        <p:txBody>
-          <a:bodyPr/>
-          <a:lstStyle/>
-          <a:p>
-            <a:pPr lvl="0" indent="0">
-              <a:buNone/>
-            </a:pPr>
-            <a:r>
-              <a:rPr>
-                <a:latin typeface="Courier"/>
-              </a:rPr>
-              <a:t>1.33 sec elapsed</a:t>
-            </a:r>
-          </a:p>
-          <a:p>
-            <a:pPr lvl="0" indent="0">
-              <a:buNone/>
-            </a:pPr>
-            <a:r>
-              <a:rPr>
-                <a:latin typeface="Courier"/>
-              </a:rPr>
-              <a:t>            used   (Mb) gc trigger   (Mb)   max used   (Mb)
-Ncells   1318697   70.5    2175608  116.2    2175608  116.2
-Vcells 541543060 4131.7 1242138249 9476.8 1197634929 9137.3</a:t>
-            </a:r>
-          </a:p>
-        </p:txBody>
-      </p:sp>
-    </p:spTree>
-  </p:cSld>
-</p:sld>
-</file>
-
-<file path=ppt/slides/slide29.xml><?xml version="1.0" encoding="utf-8"?>
-<p:sld xmlns:a="http://schemas.openxmlformats.org/drawingml/2006/main" xmlns:r="http://schemas.openxmlformats.org/officeDocument/2006/relationships" xmlns:p="http://schemas.openxmlformats.org/presentationml/2006/main">
-  <p:cSld>
-    <p:spTree>
-      <p:nvGrpSpPr>
-        <p:cNvPr id="1" name=""/>
-        <p:cNvGrpSpPr/>
-        <p:nvPr/>
-      </p:nvGrpSpPr>
-      <p:grpSpPr>
-        <a:xfrm>
-          <a:off x="0" y="0"/>
-          <a:ext cx="0" cy="0"/>
-          <a:chOff x="0" y="0"/>
-          <a:chExt cx="0" cy="0"/>
-        </a:xfrm>
-      </p:grpSpPr>
-      <p:sp>
-        <p:nvSpPr>
-          <p:cNvPr id="2" name="Title 1"/>
-          <p:cNvSpPr>
-            <a:spLocks noGrp="1"/>
-          </p:cNvSpPr>
-          <p:nvPr>
-            <p:ph type="title"/>
-          </p:nvPr>
-        </p:nvSpPr>
-        <p:spPr/>
-        <p:txBody>
-          <a:bodyPr/>
-          <a:lstStyle/>
-          <a:p>
-            <a:pPr lvl="0" indent="0" marL="0">
-              <a:buNone/>
-            </a:pPr>
-            <a:r>
-              <a:rPr/>
-              <a:t>Summarizing data - readr::read_csv - in memory</a:t>
-            </a:r>
-          </a:p>
-        </p:txBody>
-      </p:sp>
-      <p:sp>
-        <p:nvSpPr>
-          <p:cNvPr id="3" name="Content Placeholder 2"/>
-          <p:cNvSpPr>
-            <a:spLocks noGrp="1"/>
-          </p:cNvSpPr>
-          <p:nvPr>
-            <p:ph idx="1"/>
-          </p:nvPr>
-        </p:nvSpPr>
-        <p:spPr/>
-        <p:txBody>
-          <a:bodyPr/>
-          <a:lstStyle/>
-          <a:p>
-            <a:pPr lvl="0" indent="0">
-              <a:buNone/>
-            </a:pPr>
-            <a:r>
-              <a:rPr>
-                <a:latin typeface="Courier"/>
-              </a:rPr>
-              <a:t>0.16 sec elapsed</a:t>
-            </a:r>
-          </a:p>
-          <a:p>
-            <a:pPr lvl="0" indent="0">
-              <a:buNone/>
-            </a:pPr>
-            <a:r>
-              <a:rPr>
-                <a:latin typeface="Courier"/>
-              </a:rPr>
-              <a:t>            used   (Mb) gc trigger   (Mb)   max used   (Mb)
-Ncells   1384096   74.0    2175608  116.2    2175608  116.2
-Vcells 541653553 4132.5 1242138249 9476.8 1197634929 9137.3</a:t>
-            </a:r>
-          </a:p>
-        </p:txBody>
-      </p:sp>
-    </p:spTree>
-  </p:cSld>
-</p:sld>
-</file>
-
-<file path=ppt/slides/slide3.xml><?xml version="1.0" encoding="utf-8"?>
-<p:sld xmlns:a="http://schemas.openxmlformats.org/drawingml/2006/main" xmlns:r="http://schemas.openxmlformats.org/officeDocument/2006/relationships" xmlns:p="http://schemas.openxmlformats.org/presentationml/2006/main">
-  <p:cSld>
-    <p:spTree>
-      <p:nvGrpSpPr>
-        <p:cNvPr id="1" name=""/>
-        <p:cNvGrpSpPr/>
-        <p:nvPr/>
-      </p:nvGrpSpPr>
-      <p:grpSpPr>
-        <a:xfrm>
-          <a:off x="0" y="0"/>
-          <a:ext cx="0" cy="0"/>
-          <a:chOff x="0" y="0"/>
-          <a:chExt cx="0" cy="0"/>
-        </a:xfrm>
-      </p:grpSpPr>
-      <p:sp>
-        <p:nvSpPr>
-          <p:cNvPr id="2" name="Title 1"/>
-          <p:cNvSpPr>
-            <a:spLocks noGrp="1"/>
-          </p:cNvSpPr>
-          <p:nvPr>
-            <p:ph type="title"/>
-          </p:nvPr>
-        </p:nvSpPr>
-        <p:spPr/>
-        <p:txBody>
-          <a:bodyPr/>
-          <a:lstStyle/>
-          <a:p>
-            <a:pPr lvl="0" indent="0" marL="0">
-              <a:buNone/>
-            </a:pPr>
-            <a:r>
-              <a:rPr/>
-              <a:t>Outline</a:t>
-            </a:r>
-          </a:p>
-        </p:txBody>
-      </p:sp>
-      <p:sp>
-        <p:nvSpPr>
-          <p:cNvPr id="3" name="Content Placeholder 2"/>
-          <p:cNvSpPr>
-            <a:spLocks noGrp="1"/>
-          </p:cNvSpPr>
-          <p:nvPr>
-            <p:ph idx="1"/>
-          </p:nvPr>
-        </p:nvSpPr>
-        <p:spPr/>
-        <p:txBody>
-          <a:bodyPr/>
-          <a:lstStyle/>
-          <a:p>
-            <a:pPr lvl="0"/>
-            <a:r>
-              <a:rPr/>
-              <a:t>The examples</a:t>
-            </a:r>
-          </a:p>
-          <a:p>
-            <a:pPr lvl="0"/>
-            <a:r>
-              <a:rPr/>
-              <a:t>Writing data</a:t>
-            </a:r>
-          </a:p>
-          <a:p>
-            <a:pPr lvl="0"/>
-            <a:r>
-              <a:rPr/>
-              <a:t>Reading data</a:t>
-            </a:r>
-          </a:p>
-          <a:p>
-            <a:pPr lvl="0"/>
-            <a:r>
-              <a:rPr/>
-              <a:t>File sizes</a:t>
-            </a:r>
-          </a:p>
-          <a:p>
-            <a:pPr lvl="0"/>
-            <a:r>
-              <a:rPr/>
-              <a:t>Summarizing data</a:t>
-            </a:r>
-          </a:p>
-          <a:p>
-            <a:pPr lvl="0"/>
-            <a:r>
-              <a:rPr/>
-              <a:t>S3</a:t>
-            </a:r>
-          </a:p>
-        </p:txBody>
-      </p:sp>
-    </p:spTree>
-  </p:cSld>
-</p:sld>
-</file>
-
-<file path=ppt/slides/slide30.xml><?xml version="1.0" encoding="utf-8"?>
-<p:sld xmlns:a="http://schemas.openxmlformats.org/drawingml/2006/main" xmlns:r="http://schemas.openxmlformats.org/officeDocument/2006/relationships" xmlns:p="http://schemas.openxmlformats.org/presentationml/2006/main">
-  <p:cSld>
-    <p:spTree>
-      <p:nvGrpSpPr>
-        <p:cNvPr id="1" name=""/>
-        <p:cNvGrpSpPr/>
-        <p:nvPr/>
-      </p:nvGrpSpPr>
-      <p:grpSpPr>
-        <a:xfrm>
-          <a:off x="0" y="0"/>
-          <a:ext cx="0" cy="0"/>
-          <a:chOff x="0" y="0"/>
-          <a:chExt cx="0" cy="0"/>
-        </a:xfrm>
-      </p:grpSpPr>
-      <p:sp>
-        <p:nvSpPr>
-          <p:cNvPr id="2" name="Title 1"/>
-          <p:cNvSpPr>
-            <a:spLocks noGrp="1"/>
-          </p:cNvSpPr>
-          <p:nvPr>
-            <p:ph type="title"/>
-          </p:nvPr>
-        </p:nvSpPr>
-        <p:spPr/>
-        <p:txBody>
-          <a:bodyPr/>
-          <a:lstStyle/>
-          <a:p>
-            <a:pPr lvl="0" indent="0" marL="0">
-              <a:buNone/>
-            </a:pPr>
-            <a:r>
-              <a:rPr/>
-              <a:t>Summarizing data - readr::read_csv - in memory</a:t>
-            </a:r>
-          </a:p>
-        </p:txBody>
-      </p:sp>
-      <p:sp>
-        <p:nvSpPr>
-          <p:cNvPr id="3" name="Content Placeholder 2"/>
-          <p:cNvSpPr>
-            <a:spLocks noGrp="1"/>
-          </p:cNvSpPr>
-          <p:nvPr>
-            <p:ph idx="1"/>
-          </p:nvPr>
-        </p:nvSpPr>
-        <p:spPr/>
-        <p:txBody>
-          <a:bodyPr/>
-          <a:lstStyle/>
-          <a:p>
-            <a:pPr lvl="0" indent="0">
-              <a:buNone/>
-            </a:pPr>
-            <a:r>
-              <a:rPr>
-                <a:latin typeface="Courier"/>
-              </a:rPr>
-              <a:t>16.1 sec elapsed</a:t>
-            </a:r>
-          </a:p>
-          <a:p>
-            <a:pPr lvl="0" indent="0">
-              <a:buNone/>
-            </a:pPr>
-            <a:r>
-              <a:rPr>
-                <a:latin typeface="Courier"/>
-              </a:rPr>
-              <a:t>            used   (Mb) gc trigger   (Mb)   max used   (Mb)
-Ncells   1828803   97.7    5308501  283.6    5308501  283.6
-Vcells 542159956 4136.4 1242138249 9476.8 1197634929 9137.3</a:t>
-            </a:r>
-          </a:p>
-        </p:txBody>
-      </p:sp>
-    </p:spTree>
-  </p:cSld>
-</p:sld>
-</file>
-
-<file path=ppt/slides/slide31.xml><?xml version="1.0" encoding="utf-8"?>
-<p:sld xmlns:a="http://schemas.openxmlformats.org/drawingml/2006/main" xmlns:r="http://schemas.openxmlformats.org/officeDocument/2006/relationships" xmlns:p="http://schemas.openxmlformats.org/presentationml/2006/main">
-  <p:cSld>
-    <p:spTree>
-      <p:nvGrpSpPr>
-        <p:cNvPr id="1" name=""/>
-        <p:cNvGrpSpPr/>
-        <p:nvPr/>
-      </p:nvGrpSpPr>
-      <p:grpSpPr>
-        <a:xfrm>
-          <a:off x="0" y="0"/>
-          <a:ext cx="0" cy="0"/>
-          <a:chOff x="0" y="0"/>
-          <a:chExt cx="0" cy="0"/>
-        </a:xfrm>
-      </p:grpSpPr>
-      <p:sp>
-        <p:nvSpPr>
-          <p:cNvPr id="2" name="Title 1"/>
-          <p:cNvSpPr>
-            <a:spLocks noGrp="1"/>
-          </p:cNvSpPr>
-          <p:nvPr>
-            <p:ph type="title"/>
-          </p:nvPr>
-        </p:nvSpPr>
-        <p:spPr/>
-        <p:txBody>
-          <a:bodyPr/>
-          <a:lstStyle/>
-          <a:p>
-            <a:pPr lvl="0" indent="0" marL="0">
-              <a:buNone/>
-            </a:pPr>
-            <a:r>
-              <a:rPr/>
-              <a:t>Summarizing data - readr::read_csv - in memory</a:t>
-            </a:r>
-          </a:p>
-        </p:txBody>
-      </p:sp>
-      <p:sp>
-        <p:nvSpPr>
-          <p:cNvPr id="3" name="Content Placeholder 2"/>
-          <p:cNvSpPr>
-            <a:spLocks noGrp="1"/>
-          </p:cNvSpPr>
-          <p:nvPr>
-            <p:ph idx="1"/>
-          </p:nvPr>
-        </p:nvSpPr>
-        <p:spPr/>
-        <p:txBody>
-          <a:bodyPr/>
-          <a:lstStyle/>
-          <a:p>
-            <a:pPr lvl="0" indent="0">
-              <a:buNone/>
-            </a:pPr>
-            <a:r>
-              <a:rPr>
-                <a:latin typeface="Courier"/>
-              </a:rPr>
-              <a:t>4.67 sec elapsed</a:t>
-            </a:r>
-          </a:p>
-          <a:p>
-            <a:pPr lvl="0" indent="0">
-              <a:buNone/>
-            </a:pPr>
-            <a:r>
-              <a:rPr>
-                <a:latin typeface="Courier"/>
-              </a:rPr>
-              <a:t>            used   (Mb) gc trigger   (Mb)   max used   (Mb)
-Ncells   1778552   95.0    5308501  283.6    5308501  283.6
-Vcells 542076276 4135.8 1242138249 9476.8 1197634929 9137.3</a:t>
-            </a:r>
-          </a:p>
-        </p:txBody>
-      </p:sp>
     </p:spTree>
   </p:cSld>
 </p:sld>
@@ -7096,7 +9270,7 @@
             </a:pPr>
             <a:r>
               <a:rPr/>
-              <a:t>Summarizing data - readr::read_csv - in memory</a:t>
+              <a:t>Another examples - NYC Taxi on S3</a:t>
             </a:r>
           </a:p>
         </p:txBody>
@@ -7116,14 +9290,282 @@
           <a:bodyPr/>
           <a:lstStyle/>
           <a:p>
+            <a:pPr lvl="0"/>
+            <a:r>
+              <a:rPr/>
+              <a:t>OK, this might be “big” data…</a:t>
+            </a:r>
+          </a:p>
+          <a:p>
             <a:pPr lvl="0" indent="0">
               <a:buNone/>
             </a:pPr>
             <a:r>
               <a:rPr>
-                <a:latin typeface="Courier"/>
-              </a:rPr>
-              <a:t>1.64 sec elapsed</a:t>
+                <a:solidFill>
+                  <a:srgbClr val="4758AB"/>
+                </a:solidFill>
+                <a:latin typeface="Courier"/>
+              </a:rPr>
+              <a:t>library</a:t>
+            </a:r>
+            <a:r>
+              <a:rPr>
+                <a:solidFill>
+                  <a:srgbClr val="003B4F"/>
+                </a:solidFill>
+                <a:latin typeface="Courier"/>
+              </a:rPr>
+              <a:t>(arrow)</a:t>
+            </a:r>
+            <a:br/>
+            <a:r>
+              <a:rPr>
+                <a:solidFill>
+                  <a:srgbClr val="003B4F"/>
+                </a:solidFill>
+                <a:latin typeface="Courier"/>
+              </a:rPr>
+              <a:t>bucket &lt;- </a:t>
+            </a:r>
+            <a:r>
+              <a:rPr>
+                <a:solidFill>
+                  <a:srgbClr val="4758AB"/>
+                </a:solidFill>
+                <a:latin typeface="Courier"/>
+              </a:rPr>
+              <a:t>s3_bucket</a:t>
+            </a:r>
+            <a:r>
+              <a:rPr>
+                <a:solidFill>
+                  <a:srgbClr val="003B4F"/>
+                </a:solidFill>
+                <a:latin typeface="Courier"/>
+              </a:rPr>
+              <a:t>(</a:t>
+            </a:r>
+            <a:r>
+              <a:rPr>
+                <a:solidFill>
+                  <a:srgbClr val="20794D"/>
+                </a:solidFill>
+                <a:latin typeface="Courier"/>
+              </a:rPr>
+              <a:t>"voltrondata-labs-datasets"</a:t>
+            </a:r>
+            <a:r>
+              <a:rPr>
+                <a:solidFill>
+                  <a:srgbClr val="003B4F"/>
+                </a:solidFill>
+                <a:latin typeface="Courier"/>
+              </a:rPr>
+              <a:t>, </a:t>
+            </a:r>
+            <a:br/>
+            <a:r>
+              <a:rPr>
+                <a:solidFill>
+                  <a:srgbClr val="003B4F"/>
+                </a:solidFill>
+                <a:latin typeface="Courier"/>
+              </a:rPr>
+              <a:t>                    </a:t>
+            </a:r>
+            <a:r>
+              <a:rPr>
+                <a:solidFill>
+                  <a:srgbClr val="657422"/>
+                </a:solidFill>
+                <a:latin typeface="Courier"/>
+              </a:rPr>
+              <a:t>anonymous =</a:t>
+            </a:r>
+            <a:r>
+              <a:rPr>
+                <a:solidFill>
+                  <a:srgbClr val="003B4F"/>
+                </a:solidFill>
+                <a:latin typeface="Courier"/>
+              </a:rPr>
+              <a:t> </a:t>
+            </a:r>
+            <a:r>
+              <a:rPr>
+                <a:solidFill>
+                  <a:srgbClr val="8F5902"/>
+                </a:solidFill>
+                <a:latin typeface="Courier"/>
+              </a:rPr>
+              <a:t>TRUE</a:t>
+            </a:r>
+            <a:r>
+              <a:rPr>
+                <a:solidFill>
+                  <a:srgbClr val="003B4F"/>
+                </a:solidFill>
+                <a:latin typeface="Courier"/>
+              </a:rPr>
+              <a:t>, </a:t>
+            </a:r>
+            <a:br/>
+            <a:r>
+              <a:rPr>
+                <a:solidFill>
+                  <a:srgbClr val="003B4F"/>
+                </a:solidFill>
+                <a:latin typeface="Courier"/>
+              </a:rPr>
+              <a:t>                    </a:t>
+            </a:r>
+            <a:r>
+              <a:rPr>
+                <a:solidFill>
+                  <a:srgbClr val="657422"/>
+                </a:solidFill>
+                <a:latin typeface="Courier"/>
+              </a:rPr>
+              <a:t>region =</a:t>
+            </a:r>
+            <a:r>
+              <a:rPr>
+                <a:solidFill>
+                  <a:srgbClr val="003B4F"/>
+                </a:solidFill>
+                <a:latin typeface="Courier"/>
+              </a:rPr>
+              <a:t> </a:t>
+            </a:r>
+            <a:r>
+              <a:rPr>
+                <a:solidFill>
+                  <a:srgbClr val="20794D"/>
+                </a:solidFill>
+                <a:latin typeface="Courier"/>
+              </a:rPr>
+              <a:t>'us-east-2'</a:t>
+            </a:r>
+            <a:r>
+              <a:rPr>
+                <a:solidFill>
+                  <a:srgbClr val="003B4F"/>
+                </a:solidFill>
+                <a:latin typeface="Courier"/>
+              </a:rPr>
+              <a:t>)</a:t>
+            </a:r>
+            <a:br/>
+            <a:r>
+              <a:rPr>
+                <a:solidFill>
+                  <a:srgbClr val="4758AB"/>
+                </a:solidFill>
+                <a:latin typeface="Courier"/>
+              </a:rPr>
+              <a:t>tic</a:t>
+            </a:r>
+            <a:r>
+              <a:rPr>
+                <a:solidFill>
+                  <a:srgbClr val="003B4F"/>
+                </a:solidFill>
+                <a:latin typeface="Courier"/>
+              </a:rPr>
+              <a:t>()</a:t>
+            </a:r>
+            <a:br/>
+            <a:r>
+              <a:rPr>
+                <a:solidFill>
+                  <a:srgbClr val="003B4F"/>
+                </a:solidFill>
+                <a:latin typeface="Courier"/>
+              </a:rPr>
+              <a:t>nyc_taxi &lt;- </a:t>
+            </a:r>
+            <a:r>
+              <a:rPr>
+                <a:solidFill>
+                  <a:srgbClr val="4758AB"/>
+                </a:solidFill>
+                <a:latin typeface="Courier"/>
+              </a:rPr>
+              <a:t>open_dataset</a:t>
+            </a:r>
+            <a:r>
+              <a:rPr>
+                <a:solidFill>
+                  <a:srgbClr val="003B4F"/>
+                </a:solidFill>
+                <a:latin typeface="Courier"/>
+              </a:rPr>
+              <a:t>(bucket</a:t>
+            </a:r>
+            <a:r>
+              <a:rPr>
+                <a:solidFill>
+                  <a:srgbClr val="5E5E5E"/>
+                </a:solidFill>
+                <a:latin typeface="Courier"/>
+              </a:rPr>
+              <a:t>$</a:t>
+            </a:r>
+            <a:r>
+              <a:rPr>
+                <a:solidFill>
+                  <a:srgbClr val="4758AB"/>
+                </a:solidFill>
+                <a:latin typeface="Courier"/>
+              </a:rPr>
+              <a:t>path</a:t>
+            </a:r>
+            <a:r>
+              <a:rPr>
+                <a:solidFill>
+                  <a:srgbClr val="003B4F"/>
+                </a:solidFill>
+                <a:latin typeface="Courier"/>
+              </a:rPr>
+              <a:t>(</a:t>
+            </a:r>
+            <a:r>
+              <a:rPr>
+                <a:solidFill>
+                  <a:srgbClr val="20794D"/>
+                </a:solidFill>
+                <a:latin typeface="Courier"/>
+              </a:rPr>
+              <a:t>"nyc-taxi"</a:t>
+            </a:r>
+            <a:r>
+              <a:rPr>
+                <a:solidFill>
+                  <a:srgbClr val="003B4F"/>
+                </a:solidFill>
+                <a:latin typeface="Courier"/>
+              </a:rPr>
+              <a:t>))</a:t>
+            </a:r>
+            <a:br/>
+            <a:r>
+              <a:rPr>
+                <a:solidFill>
+                  <a:srgbClr val="4758AB"/>
+                </a:solidFill>
+                <a:latin typeface="Courier"/>
+              </a:rPr>
+              <a:t>nrow</a:t>
+            </a:r>
+            <a:r>
+              <a:rPr>
+                <a:solidFill>
+                  <a:srgbClr val="003B4F"/>
+                </a:solidFill>
+                <a:latin typeface="Courier"/>
+              </a:rPr>
+              <a:t>(nyc_taxi)</a:t>
             </a:r>
           </a:p>
           <a:p>
@@ -7134,9 +9576,41 @@
               <a:rPr>
                 <a:latin typeface="Courier"/>
               </a:rPr>
-              <a:t>            used   (Mb) gc trigger   (Mb)   max used   (Mb)
-Ncells   1778880   95.1    5308501  283.6    5308501  283.6
-Vcells 542077059 4135.8 1242138249 9476.8 1197634929 9137.3</a:t>
+              <a:t>[1] 1672590319</a:t>
+            </a:r>
+          </a:p>
+          <a:p>
+            <a:pPr lvl="0" indent="0">
+              <a:buNone/>
+            </a:pPr>
+            <a:r>
+              <a:rPr>
+                <a:solidFill>
+                  <a:srgbClr val="4758AB"/>
+                </a:solidFill>
+                <a:latin typeface="Courier"/>
+              </a:rPr>
+              <a:t>toc</a:t>
+            </a:r>
+            <a:r>
+              <a:rPr>
+                <a:solidFill>
+                  <a:srgbClr val="003B4F"/>
+                </a:solidFill>
+                <a:latin typeface="Courier"/>
+              </a:rPr>
+              <a:t>()</a:t>
+            </a:r>
+          </a:p>
+          <a:p>
+            <a:pPr lvl="0" indent="0">
+              <a:buNone/>
+            </a:pPr>
+            <a:r>
+              <a:rPr>
+                <a:latin typeface="Courier"/>
+              </a:rPr>
+              <a:t>166.23 sec elapsed</a:t>
             </a:r>
           </a:p>
         </p:txBody>
@@ -7183,7 +9657,348 @@
             </a:pPr>
             <a:r>
               <a:rPr/>
-              <a:t>S3</a:t>
+              <a:t>Big Data Summarize - NYC Taxi on S3</a:t>
+            </a:r>
+          </a:p>
+        </p:txBody>
+      </p:sp>
+      <p:sp>
+        <p:nvSpPr>
+          <p:cNvPr id="3" name="Content Placeholder 2"/>
+          <p:cNvSpPr>
+            <a:spLocks noGrp="1"/>
+          </p:cNvSpPr>
+          <p:nvPr>
+            <p:ph idx="1"/>
+          </p:nvPr>
+        </p:nvSpPr>
+        <p:spPr/>
+        <p:txBody>
+          <a:bodyPr/>
+          <a:lstStyle/>
+          <a:p>
+            <a:pPr lvl="0" indent="0">
+              <a:buNone/>
+            </a:pPr>
+            <a:r>
+              <a:rPr>
+                <a:solidFill>
+                  <a:srgbClr val="4758AB"/>
+                </a:solidFill>
+                <a:latin typeface="Courier"/>
+              </a:rPr>
+              <a:t>tic</a:t>
+            </a:r>
+            <a:r>
+              <a:rPr>
+                <a:solidFill>
+                  <a:srgbClr val="003B4F"/>
+                </a:solidFill>
+                <a:latin typeface="Courier"/>
+              </a:rPr>
+              <a:t>()</a:t>
+            </a:r>
+            <a:br/>
+            <a:r>
+              <a:rPr>
+                <a:solidFill>
+                  <a:srgbClr val="003B4F"/>
+                </a:solidFill>
+                <a:latin typeface="Courier"/>
+              </a:rPr>
+              <a:t>years &lt;- nyc_taxi </a:t>
+            </a:r>
+            <a:r>
+              <a:rPr>
+                <a:solidFill>
+                  <a:srgbClr val="5E5E5E"/>
+                </a:solidFill>
+                <a:latin typeface="Courier"/>
+              </a:rPr>
+              <a:t>|&gt;</a:t>
+            </a:r>
+            <a:br/>
+            <a:r>
+              <a:rPr>
+                <a:solidFill>
+                  <a:srgbClr val="003B4F"/>
+                </a:solidFill>
+                <a:latin typeface="Courier"/>
+              </a:rPr>
+              <a:t>  </a:t>
+            </a:r>
+            <a:r>
+              <a:rPr>
+                <a:solidFill>
+                  <a:srgbClr val="4758AB"/>
+                </a:solidFill>
+                <a:latin typeface="Courier"/>
+              </a:rPr>
+              <a:t>group_by</a:t>
+            </a:r>
+            <a:r>
+              <a:rPr>
+                <a:solidFill>
+                  <a:srgbClr val="003B4F"/>
+                </a:solidFill>
+                <a:latin typeface="Courier"/>
+              </a:rPr>
+              <a:t>(year) </a:t>
+            </a:r>
+            <a:r>
+              <a:rPr>
+                <a:solidFill>
+                  <a:srgbClr val="5E5E5E"/>
+                </a:solidFill>
+                <a:latin typeface="Courier"/>
+              </a:rPr>
+              <a:t>|&gt;</a:t>
+            </a:r>
+            <a:br/>
+            <a:r>
+              <a:rPr>
+                <a:solidFill>
+                  <a:srgbClr val="003B4F"/>
+                </a:solidFill>
+                <a:latin typeface="Courier"/>
+              </a:rPr>
+              <a:t>  </a:t>
+            </a:r>
+            <a:r>
+              <a:rPr>
+                <a:solidFill>
+                  <a:srgbClr val="4758AB"/>
+                </a:solidFill>
+                <a:latin typeface="Courier"/>
+              </a:rPr>
+              <a:t>summarize</a:t>
+            </a:r>
+            <a:r>
+              <a:rPr>
+                <a:solidFill>
+                  <a:srgbClr val="003B4F"/>
+                </a:solidFill>
+                <a:latin typeface="Courier"/>
+              </a:rPr>
+              <a:t>(</a:t>
+            </a:r>
+            <a:r>
+              <a:rPr>
+                <a:solidFill>
+                  <a:srgbClr val="657422"/>
+                </a:solidFill>
+                <a:latin typeface="Courier"/>
+              </a:rPr>
+              <a:t>n =</a:t>
+            </a:r>
+            <a:r>
+              <a:rPr>
+                <a:solidFill>
+                  <a:srgbClr val="003B4F"/>
+                </a:solidFill>
+                <a:latin typeface="Courier"/>
+              </a:rPr>
+              <a:t> </a:t>
+            </a:r>
+            <a:r>
+              <a:rPr>
+                <a:solidFill>
+                  <a:srgbClr val="4758AB"/>
+                </a:solidFill>
+                <a:latin typeface="Courier"/>
+              </a:rPr>
+              <a:t>n</a:t>
+            </a:r>
+            <a:r>
+              <a:rPr>
+                <a:solidFill>
+                  <a:srgbClr val="003B4F"/>
+                </a:solidFill>
+                <a:latin typeface="Courier"/>
+              </a:rPr>
+              <a:t>()) </a:t>
+            </a:r>
+            <a:r>
+              <a:rPr>
+                <a:solidFill>
+                  <a:srgbClr val="5E5E5E"/>
+                </a:solidFill>
+                <a:latin typeface="Courier"/>
+              </a:rPr>
+              <a:t>|&gt;</a:t>
+            </a:r>
+            <a:br/>
+            <a:r>
+              <a:rPr>
+                <a:solidFill>
+                  <a:srgbClr val="003B4F"/>
+                </a:solidFill>
+                <a:latin typeface="Courier"/>
+              </a:rPr>
+              <a:t>  </a:t>
+            </a:r>
+            <a:r>
+              <a:rPr>
+                <a:solidFill>
+                  <a:srgbClr val="4758AB"/>
+                </a:solidFill>
+                <a:latin typeface="Courier"/>
+              </a:rPr>
+              <a:t>collect</a:t>
+            </a:r>
+            <a:r>
+              <a:rPr>
+                <a:solidFill>
+                  <a:srgbClr val="003B4F"/>
+                </a:solidFill>
+                <a:latin typeface="Courier"/>
+              </a:rPr>
+              <a:t>()</a:t>
+            </a:r>
+            <a:br/>
+            <a:r>
+              <a:rPr>
+                <a:solidFill>
+                  <a:srgbClr val="003B4F"/>
+                </a:solidFill>
+                <a:latin typeface="Courier"/>
+              </a:rPr>
+              <a:t>years</a:t>
+            </a:r>
+          </a:p>
+          <a:p>
+            <a:pPr lvl="0" indent="0">
+              <a:buNone/>
+            </a:pPr>
+            <a:r>
+              <a:rPr>
+                <a:latin typeface="Courier"/>
+              </a:rPr>
+              <a:t># A tibble: 14 × 2
+    year         n
+   &lt;int&gt;     &lt;int&gt;
+ 1  2009 170896055
+ 2  2010 169001153
+ 3  2011 176897199
+ 4  2012 178544324
+ 5  2013 173179759
+ 6  2014 165114361
+ 7  2015 146112989
+ 8  2016 131165043
+ 9  2017 113495512
+10  2018 102797401
+11  2019  84393604
+12  2020  24647055
+13  2021  30902618
+14  2022   5443246</a:t>
+            </a:r>
+          </a:p>
+          <a:p>
+            <a:pPr lvl="0" indent="0">
+              <a:buNone/>
+            </a:pPr>
+            <a:r>
+              <a:rPr>
+                <a:solidFill>
+                  <a:srgbClr val="4758AB"/>
+                </a:solidFill>
+                <a:latin typeface="Courier"/>
+              </a:rPr>
+              <a:t>toc</a:t>
+            </a:r>
+            <a:r>
+              <a:rPr>
+                <a:solidFill>
+                  <a:srgbClr val="003B4F"/>
+                </a:solidFill>
+                <a:latin typeface="Courier"/>
+              </a:rPr>
+              <a:t>()</a:t>
+            </a:r>
+          </a:p>
+          <a:p>
+            <a:pPr lvl="0" indent="0">
+              <a:buNone/>
+            </a:pPr>
+            <a:r>
+              <a:rPr>
+                <a:latin typeface="Courier"/>
+              </a:rPr>
+              <a:t>49.5 sec elapsed</a:t>
+            </a:r>
+          </a:p>
+        </p:txBody>
+      </p:sp>
+    </p:spTree>
+  </p:cSld>
+</p:sld>
+</file>
+
+<file path=ppt/slides/slide34.xml><?xml version="1.0" encoding="utf-8"?>
+<p:sld xmlns:a="http://schemas.openxmlformats.org/drawingml/2006/main" xmlns:r="http://schemas.openxmlformats.org/officeDocument/2006/relationships" xmlns:p="http://schemas.openxmlformats.org/presentationml/2006/main">
+  <p:cSld>
+    <p:spTree>
+      <p:nvGrpSpPr>
+        <p:cNvPr id="1" name=""/>
+        <p:cNvGrpSpPr/>
+        <p:nvPr/>
+      </p:nvGrpSpPr>
+      <p:grpSpPr>
+        <a:xfrm>
+          <a:off x="0" y="0"/>
+          <a:ext cx="0" cy="0"/>
+          <a:chOff x="0" y="0"/>
+          <a:chExt cx="0" cy="0"/>
+        </a:xfrm>
+      </p:grpSpPr>
+      <p:sp>
+        <p:nvSpPr>
+          <p:cNvPr id="2" name="Title 1"/>
+          <p:cNvSpPr>
+            <a:spLocks noGrp="1"/>
+          </p:cNvSpPr>
+          <p:nvPr>
+            <p:ph type="title"/>
+          </p:nvPr>
+        </p:nvSpPr>
+        <p:spPr/>
+        <p:txBody>
+          <a:bodyPr/>
+          <a:lstStyle/>
+          <a:p>
+            <a:pPr lvl="0" indent="0" marL="0">
+              <a:buNone/>
+            </a:pPr>
+            <a:r>
+              <a:rPr/>
+              <a:t>Total time</a:t>
+            </a:r>
+          </a:p>
+        </p:txBody>
+      </p:sp>
+      <p:sp>
+        <p:nvSpPr>
+          <p:cNvPr id="3" name="Content Placeholder 2"/>
+          <p:cNvSpPr>
+            <a:spLocks noGrp="1"/>
+          </p:cNvSpPr>
+          <p:nvPr>
+            <p:ph idx="1"/>
+          </p:nvPr>
+        </p:nvSpPr>
+        <p:spPr/>
+        <p:txBody>
+          <a:bodyPr/>
+          <a:lstStyle/>
+          <a:p>
+            <a:pPr lvl="0" indent="0">
+              <a:buNone/>
+            </a:pPr>
+            <a:r>
+              <a:rPr>
+                <a:latin typeface="Courier"/>
+              </a:rPr>
+              <a:t>0.32 [min]</a:t>
             </a:r>
           </a:p>
         </p:txBody>
@@ -7345,6 +10160,115 @@
                 </a:solidFill>
                 <a:latin typeface="Courier"/>
               </a:rPr>
+              <a:t>nla_big &lt;- nla17[</a:t>
+            </a:r>
+            <a:r>
+              <a:rPr>
+                <a:solidFill>
+                  <a:srgbClr val="4758AB"/>
+                </a:solidFill>
+                <a:latin typeface="Courier"/>
+              </a:rPr>
+              <a:t>sample</a:t>
+            </a:r>
+            <a:r>
+              <a:rPr>
+                <a:solidFill>
+                  <a:srgbClr val="003B4F"/>
+                </a:solidFill>
+                <a:latin typeface="Courier"/>
+              </a:rPr>
+              <a:t>(</a:t>
+            </a:r>
+            <a:r>
+              <a:rPr>
+                <a:solidFill>
+                  <a:srgbClr val="AD0000"/>
+                </a:solidFill>
+                <a:latin typeface="Courier"/>
+              </a:rPr>
+              <a:t>1</a:t>
+            </a:r>
+            <a:r>
+              <a:rPr>
+                <a:solidFill>
+                  <a:srgbClr val="5E5E5E"/>
+                </a:solidFill>
+                <a:latin typeface="Courier"/>
+              </a:rPr>
+              <a:t>:</a:t>
+            </a:r>
+            <a:r>
+              <a:rPr>
+                <a:solidFill>
+                  <a:srgbClr val="4758AB"/>
+                </a:solidFill>
+                <a:latin typeface="Courier"/>
+              </a:rPr>
+              <a:t>nrow</a:t>
+            </a:r>
+            <a:r>
+              <a:rPr>
+                <a:solidFill>
+                  <a:srgbClr val="003B4F"/>
+                </a:solidFill>
+                <a:latin typeface="Courier"/>
+              </a:rPr>
+              <a:t>(nla17),</a:t>
+            </a:r>
+            <a:r>
+              <a:rPr>
+                <a:solidFill>
+                  <a:srgbClr val="AD0000"/>
+                </a:solidFill>
+                <a:latin typeface="Courier"/>
+              </a:rPr>
+              <a:t>200000</a:t>
+            </a:r>
+            <a:r>
+              <a:rPr>
+                <a:solidFill>
+                  <a:srgbClr val="003B4F"/>
+                </a:solidFill>
+                <a:latin typeface="Courier"/>
+              </a:rPr>
+              <a:t>,</a:t>
+            </a:r>
+            <a:r>
+              <a:rPr>
+                <a:solidFill>
+                  <a:srgbClr val="657422"/>
+                </a:solidFill>
+                <a:latin typeface="Courier"/>
+              </a:rPr>
+              <a:t>replace=</a:t>
+            </a:r>
+            <a:r>
+              <a:rPr>
+                <a:solidFill>
+                  <a:srgbClr val="8F5902"/>
+                </a:solidFill>
+                <a:latin typeface="Courier"/>
+              </a:rPr>
+              <a:t>TRUE</a:t>
+            </a:r>
+            <a:r>
+              <a:rPr>
+                <a:solidFill>
+                  <a:srgbClr val="003B4F"/>
+                </a:solidFill>
+                <a:latin typeface="Courier"/>
+              </a:rPr>
+              <a:t>),]</a:t>
+            </a:r>
+            <a:br/>
+            <a:r>
+              <a:rPr>
+                <a:solidFill>
+                  <a:srgbClr val="003B4F"/>
+                </a:solidFill>
+                <a:latin typeface="Courier"/>
+              </a:rPr>
               <a:t>nla_big &lt;- </a:t>
             </a:r>
             <a:r>
@@ -7354,118 +10278,6 @@
                 </a:solidFill>
                 <a:latin typeface="Courier"/>
               </a:rPr>
-              <a:t>bind_cols</a:t>
-            </a:r>
-            <a:r>
-              <a:rPr>
-                <a:solidFill>
-                  <a:srgbClr val="003B4F"/>
-                </a:solidFill>
-                <a:latin typeface="Courier"/>
-              </a:rPr>
-              <a:t>(nla17, nla17)</a:t>
-            </a:r>
-            <a:br/>
-            <a:r>
-              <a:rPr>
-                <a:solidFill>
-                  <a:srgbClr val="003B4F"/>
-                </a:solidFill>
-                <a:latin typeface="Courier"/>
-              </a:rPr>
-              <a:t>for(i in </a:t>
-            </a:r>
-            <a:r>
-              <a:rPr>
-                <a:solidFill>
-                  <a:srgbClr val="AD0000"/>
-                </a:solidFill>
-                <a:latin typeface="Courier"/>
-              </a:rPr>
-              <a:t>1</a:t>
-            </a:r>
-            <a:r>
-              <a:rPr>
-                <a:solidFill>
-                  <a:srgbClr val="5E5E5E"/>
-                </a:solidFill>
-                <a:latin typeface="Courier"/>
-              </a:rPr>
-              <a:t>:</a:t>
-            </a:r>
-            <a:r>
-              <a:rPr>
-                <a:solidFill>
-                  <a:srgbClr val="AD0000"/>
-                </a:solidFill>
-                <a:latin typeface="Courier"/>
-              </a:rPr>
-              <a:t>9</a:t>
-            </a:r>
-            <a:r>
-              <a:rPr>
-                <a:solidFill>
-                  <a:srgbClr val="003B4F"/>
-                </a:solidFill>
-                <a:latin typeface="Courier"/>
-              </a:rPr>
-              <a:t>){</a:t>
-            </a:r>
-            <a:br/>
-            <a:r>
-              <a:rPr>
-                <a:solidFill>
-                  <a:srgbClr val="003B4F"/>
-                </a:solidFill>
-                <a:latin typeface="Courier"/>
-              </a:rPr>
-              <a:t>  nla_big &lt;- </a:t>
-            </a:r>
-            <a:r>
-              <a:rPr>
-                <a:solidFill>
-                  <a:srgbClr val="4758AB"/>
-                </a:solidFill>
-                <a:latin typeface="Courier"/>
-              </a:rPr>
-              <a:t>bind_rows</a:t>
-            </a:r>
-            <a:r>
-              <a:rPr>
-                <a:solidFill>
-                  <a:srgbClr val="003B4F"/>
-                </a:solidFill>
-                <a:latin typeface="Courier"/>
-              </a:rPr>
-              <a:t>(nla_big, nla_big)</a:t>
-            </a:r>
-            <a:br/>
-            <a:r>
-              <a:rPr>
-                <a:solidFill>
-                  <a:srgbClr val="003B4F"/>
-                </a:solidFill>
-                <a:latin typeface="Courier"/>
-              </a:rPr>
-              <a:t>}</a:t>
-            </a:r>
-            <a:br/>
-            <a:r>
-              <a:rPr>
-                <a:solidFill>
-                  <a:srgbClr val="003B4F"/>
-                </a:solidFill>
-                <a:latin typeface="Courier"/>
-              </a:rPr>
-              <a:t>nla_big &lt;- </a:t>
-            </a:r>
-            <a:r>
-              <a:rPr>
-                <a:solidFill>
-                  <a:srgbClr val="4758AB"/>
-                </a:solidFill>
-                <a:latin typeface="Courier"/>
-              </a:rPr>
               <a:t>rename</a:t>
             </a:r>
             <a:r>
@@ -7493,25 +10305,7 @@
                 </a:solidFill>
                 <a:latin typeface="Courier"/>
               </a:rPr>
-              <a:t> STATE...</a:t>
-            </a:r>
-            <a:r>
-              <a:rPr>
-                <a:solidFill>
-                  <a:srgbClr val="AD0000"/>
-                </a:solidFill>
-                <a:latin typeface="Courier"/>
-              </a:rPr>
-              <a:t>7</a:t>
-            </a:r>
-            <a:r>
-              <a:rPr>
-                <a:solidFill>
-                  <a:srgbClr val="003B4F"/>
-                </a:solidFill>
-                <a:latin typeface="Courier"/>
-              </a:rPr>
-              <a:t>, </a:t>
+              <a:t> STATE, </a:t>
             </a:r>
             <a:r>
               <a:rPr>
@@ -7529,25 +10323,7 @@
                 </a:solidFill>
                 <a:latin typeface="Courier"/>
               </a:rPr>
-              <a:t> ANALYTE...</a:t>
-            </a:r>
-            <a:r>
-              <a:rPr>
-                <a:solidFill>
-                  <a:srgbClr val="AD0000"/>
-                </a:solidFill>
-                <a:latin typeface="Courier"/>
-              </a:rPr>
-              <a:t>12</a:t>
-            </a:r>
-            <a:r>
-              <a:rPr>
-                <a:solidFill>
-                  <a:srgbClr val="003B4F"/>
-                </a:solidFill>
-                <a:latin typeface="Courier"/>
-              </a:rPr>
-              <a:t>, </a:t>
+              <a:t> ANALYTE, </a:t>
             </a:r>
             <a:r>
               <a:rPr>
@@ -7565,25 +10341,7 @@
                 </a:solidFill>
                 <a:latin typeface="Courier"/>
               </a:rPr>
-              <a:t> RESULT...</a:t>
-            </a:r>
-            <a:r>
-              <a:rPr>
-                <a:solidFill>
-                  <a:srgbClr val="AD0000"/>
-                </a:solidFill>
-                <a:latin typeface="Courier"/>
-              </a:rPr>
-              <a:t>14</a:t>
-            </a:r>
-            <a:r>
-              <a:rPr>
-                <a:solidFill>
-                  <a:srgbClr val="003B4F"/>
-                </a:solidFill>
-                <a:latin typeface="Courier"/>
-              </a:rPr>
-              <a:t>)</a:t>
+              <a:t> RESULT)</a:t>
             </a:r>
           </a:p>
         </p:txBody>
@@ -7680,7 +10438,7 @@
               <a:rPr>
                 <a:latin typeface="Courier"/>
               </a:rPr>
-              <a:t>[1] 11710976       46</a:t>
+              <a:t>[1] 200000     23</a:t>
             </a:r>
           </a:p>
           <a:p>
@@ -7750,7 +10508,7 @@
               <a:rPr>
                 <a:latin typeface="Courier"/>
               </a:rPr>
-              <a:t>[1] "4 Gb"</a:t>
+              <a:t>[1] "0 Gb"</a:t>
             </a:r>
           </a:p>
         </p:txBody>
@@ -7797,7 +10555,7 @@
             </a:pPr>
             <a:r>
               <a:rPr/>
-              <a:t>The examples - NYC Taxi</a:t>
+              <a:t>Packages</a:t>
             </a:r>
           </a:p>
         </p:txBody>
@@ -7817,274 +10575,134 @@
           <a:bodyPr/>
           <a:lstStyle/>
           <a:p>
+            <a:pPr lvl="0" indent="0">
+              <a:buNone/>
+            </a:pPr>
+            <a:r>
+              <a:rPr>
+                <a:solidFill>
+                  <a:srgbClr val="4758AB"/>
+                </a:solidFill>
+                <a:latin typeface="Courier"/>
+              </a:rPr>
+              <a:t>library</a:t>
+            </a:r>
+            <a:r>
+              <a:rPr>
+                <a:solidFill>
+                  <a:srgbClr val="003B4F"/>
+                </a:solidFill>
+                <a:latin typeface="Courier"/>
+              </a:rPr>
+              <a:t>(data.table)</a:t>
+            </a:r>
+            <a:br/>
+            <a:r>
+              <a:rPr>
+                <a:solidFill>
+                  <a:srgbClr val="4758AB"/>
+                </a:solidFill>
+                <a:latin typeface="Courier"/>
+              </a:rPr>
+              <a:t>library</a:t>
+            </a:r>
+            <a:r>
+              <a:rPr>
+                <a:solidFill>
+                  <a:srgbClr val="003B4F"/>
+                </a:solidFill>
+                <a:latin typeface="Courier"/>
+              </a:rPr>
+              <a:t>(readr)</a:t>
+            </a:r>
+            <a:br/>
+            <a:r>
+              <a:rPr>
+                <a:solidFill>
+                  <a:srgbClr val="4758AB"/>
+                </a:solidFill>
+                <a:latin typeface="Courier"/>
+              </a:rPr>
+              <a:t>library</a:t>
+            </a:r>
+            <a:r>
+              <a:rPr>
+                <a:solidFill>
+                  <a:srgbClr val="003B4F"/>
+                </a:solidFill>
+                <a:latin typeface="Courier"/>
+              </a:rPr>
+              <a:t>(arrow)</a:t>
+            </a:r>
+            <a:br/>
+            <a:r>
+              <a:rPr>
+                <a:solidFill>
+                  <a:srgbClr val="4758AB"/>
+                </a:solidFill>
+                <a:latin typeface="Courier"/>
+              </a:rPr>
+              <a:t>library</a:t>
+            </a:r>
+            <a:r>
+              <a:rPr>
+                <a:solidFill>
+                  <a:srgbClr val="003B4F"/>
+                </a:solidFill>
+                <a:latin typeface="Courier"/>
+              </a:rPr>
+              <a:t>(dplyr)</a:t>
+            </a:r>
+            <a:br/>
+            <a:r>
+              <a:rPr>
+                <a:solidFill>
+                  <a:srgbClr val="4758AB"/>
+                </a:solidFill>
+                <a:latin typeface="Courier"/>
+              </a:rPr>
+              <a:t>library</a:t>
+            </a:r>
+            <a:r>
+              <a:rPr>
+                <a:solidFill>
+                  <a:srgbClr val="003B4F"/>
+                </a:solidFill>
+                <a:latin typeface="Courier"/>
+              </a:rPr>
+              <a:t>(tictoc) </a:t>
+            </a:r>
+            <a:r>
+              <a:rPr>
+                <a:solidFill>
+                  <a:srgbClr val="5E5E5E"/>
+                </a:solidFill>
+                <a:latin typeface="Courier"/>
+              </a:rPr>
+              <a:t>#Timing</a:t>
+            </a:r>
+          </a:p>
+          <a:p>
             <a:pPr lvl="0"/>
             <a:r>
+              <a:rPr>
+                <a:hlinkClick r:id="rId2"/>
+              </a:rPr>
+              <a:t>Apache Arrow</a:t>
+            </a:r>
+          </a:p>
+          <a:p>
+            <a:pPr lvl="0"/>
+            <a:r>
               <a:rPr/>
-              <a:t>OK, this might be “big” data…</a:t>
-            </a:r>
-          </a:p>
-          <a:p>
-            <a:pPr lvl="0" indent="0">
-              <a:buNone/>
-            </a:pPr>
-            <a:r>
-              <a:rPr>
-                <a:solidFill>
-                  <a:srgbClr val="4758AB"/>
-                </a:solidFill>
-                <a:latin typeface="Courier"/>
-              </a:rPr>
-              <a:t>library</a:t>
-            </a:r>
-            <a:r>
-              <a:rPr>
-                <a:solidFill>
-                  <a:srgbClr val="003B4F"/>
-                </a:solidFill>
-                <a:latin typeface="Courier"/>
-              </a:rPr>
-              <a:t>(arrow)</a:t>
-            </a:r>
-            <a:br/>
-            <a:r>
-              <a:rPr>
-                <a:solidFill>
-                  <a:srgbClr val="003B4F"/>
-                </a:solidFill>
-                <a:latin typeface="Courier"/>
-              </a:rPr>
-              <a:t>bucket &lt;- </a:t>
-            </a:r>
-            <a:r>
-              <a:rPr>
-                <a:solidFill>
-                  <a:srgbClr val="4758AB"/>
-                </a:solidFill>
-                <a:latin typeface="Courier"/>
-              </a:rPr>
-              <a:t>s3_bucket</a:t>
-            </a:r>
-            <a:r>
-              <a:rPr>
-                <a:solidFill>
-                  <a:srgbClr val="003B4F"/>
-                </a:solidFill>
-                <a:latin typeface="Courier"/>
-              </a:rPr>
-              <a:t>(</a:t>
-            </a:r>
-            <a:r>
-              <a:rPr>
-                <a:solidFill>
-                  <a:srgbClr val="20794D"/>
-                </a:solidFill>
-                <a:latin typeface="Courier"/>
-              </a:rPr>
-              <a:t>"voltrondata-labs-datasets"</a:t>
-            </a:r>
-            <a:r>
-              <a:rPr>
-                <a:solidFill>
-                  <a:srgbClr val="003B4F"/>
-                </a:solidFill>
-                <a:latin typeface="Courier"/>
-              </a:rPr>
-              <a:t>, </a:t>
-            </a:r>
-            <a:br/>
-            <a:r>
-              <a:rPr>
-                <a:solidFill>
-                  <a:srgbClr val="003B4F"/>
-                </a:solidFill>
-                <a:latin typeface="Courier"/>
-              </a:rPr>
-              <a:t>                    </a:t>
-            </a:r>
-            <a:r>
-              <a:rPr>
-                <a:solidFill>
-                  <a:srgbClr val="657422"/>
-                </a:solidFill>
-                <a:latin typeface="Courier"/>
-              </a:rPr>
-              <a:t>anonymous =</a:t>
-            </a:r>
-            <a:r>
-              <a:rPr>
-                <a:solidFill>
-                  <a:srgbClr val="003B4F"/>
-                </a:solidFill>
-                <a:latin typeface="Courier"/>
-              </a:rPr>
-              <a:t> </a:t>
-            </a:r>
-            <a:r>
-              <a:rPr>
-                <a:solidFill>
-                  <a:srgbClr val="8F5902"/>
-                </a:solidFill>
-                <a:latin typeface="Courier"/>
-              </a:rPr>
-              <a:t>TRUE</a:t>
-            </a:r>
-            <a:r>
-              <a:rPr>
-                <a:solidFill>
-                  <a:srgbClr val="003B4F"/>
-                </a:solidFill>
-                <a:latin typeface="Courier"/>
-              </a:rPr>
-              <a:t>, </a:t>
-            </a:r>
-            <a:br/>
-            <a:r>
-              <a:rPr>
-                <a:solidFill>
-                  <a:srgbClr val="003B4F"/>
-                </a:solidFill>
-                <a:latin typeface="Courier"/>
-              </a:rPr>
-              <a:t>                    </a:t>
-            </a:r>
-            <a:r>
-              <a:rPr>
-                <a:solidFill>
-                  <a:srgbClr val="657422"/>
-                </a:solidFill>
-                <a:latin typeface="Courier"/>
-              </a:rPr>
-              <a:t>region =</a:t>
-            </a:r>
-            <a:r>
-              <a:rPr>
-                <a:solidFill>
-                  <a:srgbClr val="003B4F"/>
-                </a:solidFill>
-                <a:latin typeface="Courier"/>
-              </a:rPr>
-              <a:t> </a:t>
-            </a:r>
-            <a:r>
-              <a:rPr>
-                <a:solidFill>
-                  <a:srgbClr val="20794D"/>
-                </a:solidFill>
-                <a:latin typeface="Courier"/>
-              </a:rPr>
-              <a:t>'us-east-2'</a:t>
-            </a:r>
-            <a:r>
-              <a:rPr>
-                <a:solidFill>
-                  <a:srgbClr val="003B4F"/>
-                </a:solidFill>
-                <a:latin typeface="Courier"/>
-              </a:rPr>
-              <a:t>)</a:t>
-            </a:r>
-            <a:br/>
-            <a:r>
-              <a:rPr>
-                <a:solidFill>
-                  <a:srgbClr val="003B4F"/>
-                </a:solidFill>
-                <a:latin typeface="Courier"/>
-              </a:rPr>
-              <a:t>nyc_taxi &lt;- </a:t>
-            </a:r>
-            <a:r>
-              <a:rPr>
-                <a:solidFill>
-                  <a:srgbClr val="4758AB"/>
-                </a:solidFill>
-                <a:latin typeface="Courier"/>
-              </a:rPr>
-              <a:t>open_dataset</a:t>
-            </a:r>
-            <a:r>
-              <a:rPr>
-                <a:solidFill>
-                  <a:srgbClr val="003B4F"/>
-                </a:solidFill>
-                <a:latin typeface="Courier"/>
-              </a:rPr>
-              <a:t>(bucket</a:t>
-            </a:r>
-            <a:r>
-              <a:rPr>
-                <a:solidFill>
-                  <a:srgbClr val="5E5E5E"/>
-                </a:solidFill>
-                <a:latin typeface="Courier"/>
-              </a:rPr>
-              <a:t>$</a:t>
-            </a:r>
-            <a:r>
-              <a:rPr>
-                <a:solidFill>
-                  <a:srgbClr val="4758AB"/>
-                </a:solidFill>
-                <a:latin typeface="Courier"/>
-              </a:rPr>
-              <a:t>path</a:t>
-            </a:r>
-            <a:r>
-              <a:rPr>
-                <a:solidFill>
-                  <a:srgbClr val="003B4F"/>
-                </a:solidFill>
-                <a:latin typeface="Courier"/>
-              </a:rPr>
-              <a:t>(</a:t>
-            </a:r>
-            <a:r>
-              <a:rPr>
-                <a:solidFill>
-                  <a:srgbClr val="20794D"/>
-                </a:solidFill>
-                <a:latin typeface="Courier"/>
-              </a:rPr>
-              <a:t>"nyc-taxi"</a:t>
-            </a:r>
-            <a:r>
-              <a:rPr>
-                <a:solidFill>
-                  <a:srgbClr val="003B4F"/>
-                </a:solidFill>
-                <a:latin typeface="Courier"/>
-              </a:rPr>
-              <a:t>))</a:t>
-            </a:r>
-            <a:br/>
-            <a:r>
-              <a:rPr>
-                <a:solidFill>
-                  <a:srgbClr val="4758AB"/>
-                </a:solidFill>
-                <a:latin typeface="Courier"/>
-              </a:rPr>
-              <a:t>nrow</a:t>
-            </a:r>
-            <a:r>
-              <a:rPr>
-                <a:solidFill>
-                  <a:srgbClr val="003B4F"/>
-                </a:solidFill>
-                <a:latin typeface="Courier"/>
-              </a:rPr>
-              <a:t>(nyc_taxi)</a:t>
-            </a:r>
-          </a:p>
-          <a:p>
-            <a:pPr lvl="0" indent="0">
-              <a:buNone/>
-            </a:pPr>
-            <a:r>
-              <a:rPr>
-                <a:latin typeface="Courier"/>
-              </a:rPr>
-              <a:t>[1] 1672590319</a:t>
+              <a:t>Language independent file format(s) for columnar datasets</a:t>
+            </a:r>
+          </a:p>
+          <a:p>
+            <a:pPr lvl="0"/>
+            <a:r>
+              <a:rPr/>
+              <a:t>parquet, geoparquet, feather, Arrow csv</a:t>
             </a:r>
           </a:p>
         </p:txBody>
@@ -8131,7 +10749,13 @@
             </a:pPr>
             <a:r>
               <a:rPr/>
-              <a:t>Packages</a:t>
+              <a:t>Writing data - </a:t>
+            </a:r>
+            <a:r>
+              <a:rPr>
+                <a:latin typeface="Courier"/>
+              </a:rPr>
+              <a:t>utils::write.csv</a:t>
             </a:r>
           </a:p>
         </p:txBody>
@@ -8161,16 +10785,16 @@
                 </a:solidFill>
                 <a:latin typeface="Courier"/>
               </a:rPr>
-              <a:t>library</a:t>
-            </a:r>
-            <a:r>
-              <a:rPr>
-                <a:solidFill>
-                  <a:srgbClr val="003B4F"/>
-                </a:solidFill>
-                <a:latin typeface="Courier"/>
-              </a:rPr>
-              <a:t>(data.table)</a:t>
+              <a:t>tic</a:t>
+            </a:r>
+            <a:r>
+              <a:rPr>
+                <a:solidFill>
+                  <a:srgbClr val="003B4F"/>
+                </a:solidFill>
+                <a:latin typeface="Courier"/>
+              </a:rPr>
+              <a:t>()</a:t>
             </a:r>
             <a:br/>
             <a:r>
@@ -8180,16 +10804,34 @@
                 </a:solidFill>
                 <a:latin typeface="Courier"/>
               </a:rPr>
-              <a:t>library</a:t>
-            </a:r>
-            <a:r>
-              <a:rPr>
-                <a:solidFill>
-                  <a:srgbClr val="003B4F"/>
-                </a:solidFill>
-                <a:latin typeface="Courier"/>
-              </a:rPr>
-              <a:t>(readr)</a:t>
+              <a:t>write.csv</a:t>
+            </a:r>
+            <a:r>
+              <a:rPr>
+                <a:solidFill>
+                  <a:srgbClr val="003B4F"/>
+                </a:solidFill>
+                <a:latin typeface="Courier"/>
+              </a:rPr>
+              <a:t>(nla_big, </a:t>
+            </a:r>
+            <a:r>
+              <a:rPr>
+                <a:solidFill>
+                  <a:srgbClr val="20794D"/>
+                </a:solidFill>
+                <a:latin typeface="Courier"/>
+              </a:rPr>
+              <a:t>"../data/nla_big.csv"</a:t>
+            </a:r>
+            <a:r>
+              <a:rPr>
+                <a:solidFill>
+                  <a:srgbClr val="003B4F"/>
+                </a:solidFill>
+                <a:latin typeface="Courier"/>
+              </a:rPr>
+              <a:t>)</a:t>
             </a:r>
             <a:br/>
             <a:r>
@@ -8199,86 +10841,27 @@
                 </a:solidFill>
                 <a:latin typeface="Courier"/>
               </a:rPr>
-              <a:t>library</a:t>
-            </a:r>
-            <a:r>
-              <a:rPr>
-                <a:solidFill>
-                  <a:srgbClr val="003B4F"/>
-                </a:solidFill>
-                <a:latin typeface="Courier"/>
-              </a:rPr>
-              <a:t>(arrow)</a:t>
-            </a:r>
-            <a:br/>
-            <a:r>
-              <a:rPr>
-                <a:solidFill>
-                  <a:srgbClr val="4758AB"/>
-                </a:solidFill>
-                <a:latin typeface="Courier"/>
-              </a:rPr>
-              <a:t>library</a:t>
-            </a:r>
-            <a:r>
-              <a:rPr>
-                <a:solidFill>
-                  <a:srgbClr val="003B4F"/>
-                </a:solidFill>
-                <a:latin typeface="Courier"/>
-              </a:rPr>
-              <a:t>(dplyr)</a:t>
-            </a:r>
-            <a:br/>
-            <a:r>
-              <a:rPr>
-                <a:solidFill>
-                  <a:srgbClr val="4758AB"/>
-                </a:solidFill>
-                <a:latin typeface="Courier"/>
-              </a:rPr>
-              <a:t>library</a:t>
-            </a:r>
-            <a:r>
-              <a:rPr>
-                <a:solidFill>
-                  <a:srgbClr val="003B4F"/>
-                </a:solidFill>
-                <a:latin typeface="Courier"/>
-              </a:rPr>
-              <a:t>(tictoc) </a:t>
-            </a:r>
-            <a:r>
-              <a:rPr>
-                <a:solidFill>
-                  <a:srgbClr val="5E5E5E"/>
-                </a:solidFill>
-                <a:latin typeface="Courier"/>
-              </a:rPr>
-              <a:t>#Timing</a:t>
-            </a:r>
-          </a:p>
-          <a:p>
-            <a:pPr lvl="0"/>
-            <a:r>
-              <a:rPr>
-                <a:hlinkClick r:id="rId2"/>
-              </a:rPr>
-              <a:t>Apache Arrow</a:t>
-            </a:r>
-          </a:p>
-          <a:p>
-            <a:pPr lvl="0"/>
-            <a:r>
-              <a:rPr/>
-              <a:t>Language independent file format(s) for columnar datasets</a:t>
-            </a:r>
-          </a:p>
-          <a:p>
-            <a:pPr lvl="0"/>
-            <a:r>
-              <a:rPr/>
-              <a:t>parquet, geoparquet, feather, Arrow csv</a:t>
+              <a:t>toc</a:t>
+            </a:r>
+            <a:r>
+              <a:rPr>
+                <a:solidFill>
+                  <a:srgbClr val="003B4F"/>
+                </a:solidFill>
+                <a:latin typeface="Courier"/>
+              </a:rPr>
+              <a:t>()</a:t>
+            </a:r>
+          </a:p>
+          <a:p>
+            <a:pPr lvl="0" indent="0">
+              <a:buNone/>
+            </a:pPr>
+            <a:r>
+              <a:rPr>
+                <a:latin typeface="Courier"/>
+              </a:rPr>
+              <a:t>10.55 sec elapsed</a:t>
             </a:r>
           </a:p>
         </p:txBody>
@@ -8331,7 +10914,7 @@
               <a:rPr>
                 <a:latin typeface="Courier"/>
               </a:rPr>
-              <a:t>utils::write.csv</a:t>
+              <a:t>readr::write_csv</a:t>
             </a:r>
           </a:p>
         </p:txBody>
@@ -8380,7 +10963,7 @@
                 </a:solidFill>
                 <a:latin typeface="Courier"/>
               </a:rPr>
-              <a:t>write.csv</a:t>
+              <a:t>write_csv</a:t>
             </a:r>
             <a:r>
               <a:rPr>
@@ -8437,20 +11020,7 @@
               <a:rPr>
                 <a:latin typeface="Courier"/>
               </a:rPr>
-              <a:t>1299.74 sec elapsed</a:t>
-            </a:r>
-          </a:p>
-          <a:p>
-            <a:pPr lvl="0" indent="0">
-              <a:buNone/>
-            </a:pPr>
-            <a:r>
-              <a:rPr>
-                <a:latin typeface="Courier"/>
-              </a:rPr>
-              <a:t>            used   (Mb) gc trigger   (Mb)  max used   (Mb)
-Ncells    977611   52.3   10254586  547.7  12818232  684.6
-Vcells 549258475 4190.6  847513970 6466.1 834819667 6369.2</a:t>
+              <a:t>0.27 sec elapsed</a:t>
             </a:r>
           </a:p>
         </p:txBody>
@@ -8503,7 +11073,7 @@
               <a:rPr>
                 <a:latin typeface="Courier"/>
               </a:rPr>
-              <a:t>readr::write_csv</a:t>
+              <a:t>data.table::fwrite</a:t>
             </a:r>
           </a:p>
         </p:txBody>
@@ -8552,7 +11122,7 @@
                 </a:solidFill>
                 <a:latin typeface="Courier"/>
               </a:rPr>
-              <a:t>write_csv</a:t>
+              <a:t>fwrite</a:t>
             </a:r>
             <a:r>
               <a:rPr>
@@ -8609,20 +11179,7 @@
               <a:rPr>
                 <a:latin typeface="Courier"/>
               </a:rPr>
-              <a:t>21.11 sec elapsed</a:t>
-            </a:r>
-          </a:p>
-          <a:p>
-            <a:pPr lvl="0" indent="0">
-              <a:buNone/>
-            </a:pPr>
-            <a:r>
-              <a:rPr>
-                <a:latin typeface="Courier"/>
-              </a:rPr>
-              <a:t>            used   (Mb) gc trigger   (Mb)  max used   (Mb)
-Ncells    989764   52.9    8203669  438.2  12818232  684.6
-Vcells 549281311 4190.7  847513970 6466.1 834819667 6369.2</a:t>
+              <a:t>0.12 sec elapsed</a:t>
             </a:r>
           </a:p>
         </p:txBody>

--- a/presentation/biggish_data.pptx
+++ b/presentation/biggish_data.pptx
@@ -3226,7 +3226,15 @@
             </a:pPr>
             <a:r>
               <a:rPr lang="en-US" dirty="0"/>
-              <a:t>Repo: </a:t>
+              <a:t>r</a:t>
+            </a:r>
+            <a:r>
+              <a:rPr lang="en-US"/>
+              <a:t>epo</a:t>
+            </a:r>
+            <a:r>
+              <a:rPr lang="en-US" dirty="0"/>
+              <a:t>: </a:t>
             </a:r>
             <a:r>
               <a:rPr lang="en-US" dirty="0">

--- a/presentation/biggish_data.pptx
+++ b/presentation/biggish_data.pptx
@@ -3226,15 +3226,7 @@
             </a:pPr>
             <a:r>
               <a:rPr lang="en-US" dirty="0"/>
-              <a:t>r</a:t>
-            </a:r>
-            <a:r>
-              <a:rPr lang="en-US"/>
-              <a:t>epo</a:t>
-            </a:r>
-            <a:r>
-              <a:rPr lang="en-US" dirty="0"/>
-              <a:t>: </a:t>
+              <a:t>repo: </a:t>
             </a:r>
             <a:r>
               <a:rPr lang="en-US" dirty="0">
@@ -7901,9 +7893,9 @@
           <a:p>
             <a:pPr lvl="0"/>
             <a:r>
-              <a:rPr dirty="0"/>
-              <a:t>The examples</a:t>
-            </a:r>
+              <a:t>The example</a:t>
+            </a:r>
+            <a:endParaRPr dirty="0"/>
           </a:p>
           <a:p>
             <a:pPr lvl="0"/>
